--- a/Seminarski1/MS SQL Server - Obrada upita.pptx
+++ b/Seminarski1/MS SQL Server - Obrada upita.pptx
@@ -5,7 +5,7 @@
     <p:sldMasterId id="2147483660" r:id="rId4"/>
   </p:sldMasterIdLst>
   <p:notesMasterIdLst>
-    <p:notesMasterId r:id="rId17"/>
+    <p:notesMasterId r:id="rId32"/>
   </p:notesMasterIdLst>
   <p:sldIdLst>
     <p:sldId id="278" r:id="rId5"/>
@@ -20,6 +20,21 @@
     <p:sldId id="288" r:id="rId14"/>
     <p:sldId id="289" r:id="rId15"/>
     <p:sldId id="286" r:id="rId16"/>
+    <p:sldId id="290" r:id="rId17"/>
+    <p:sldId id="291" r:id="rId18"/>
+    <p:sldId id="292" r:id="rId19"/>
+    <p:sldId id="293" r:id="rId20"/>
+    <p:sldId id="294" r:id="rId21"/>
+    <p:sldId id="295" r:id="rId22"/>
+    <p:sldId id="296" r:id="rId23"/>
+    <p:sldId id="297" r:id="rId24"/>
+    <p:sldId id="298" r:id="rId25"/>
+    <p:sldId id="299" r:id="rId26"/>
+    <p:sldId id="300" r:id="rId27"/>
+    <p:sldId id="301" r:id="rId28"/>
+    <p:sldId id="302" r:id="rId29"/>
+    <p:sldId id="304" r:id="rId30"/>
+    <p:sldId id="303" r:id="rId31"/>
   </p:sldIdLst>
   <p:sldSz cx="12192000" cy="6858000"/>
   <p:notesSz cx="6858000" cy="9144000"/>
@@ -7813,12 +7828,465 @@
             <p:ph idx="1"/>
           </p:nvPr>
         </p:nvSpPr>
-        <p:spPr/>
+        <p:spPr>
+          <a:xfrm>
+            <a:off x="913795" y="2076450"/>
+            <a:ext cx="10353762" cy="1857373"/>
+          </a:xfrm>
+        </p:spPr>
         <p:txBody>
           <a:bodyPr/>
           <a:lstStyle/>
           <a:p>
-            <a:endParaRPr lang="sr-Latn-RS"/>
+            <a:r>
+              <a:rPr lang="sr-Latn-RS" dirty="0"/>
+              <a:t>Po prethodno opisanom procesu, ako je izabrani plan izvršenja neodgovarajući, ne postoji način da se on koriguje.</a:t>
+            </a:r>
+          </a:p>
+          <a:p>
+            <a:r>
+              <a:rPr lang="sr-Latn-RS" dirty="0"/>
+              <a:t>U MS SQL Server 2017 ubačena je porodica funkcionalnosti koje premošćavaju fazu optimizacije sa fazom izvršenja.</a:t>
+            </a:r>
+          </a:p>
+        </p:txBody>
+      </p:sp>
+      <p:pic>
+        <p:nvPicPr>
+          <p:cNvPr id="2050" name="Picture 2" descr="Understanding Adaptive Query Processing Mechanism in SQL Server">
+            <a:extLst>
+              <a:ext uri="{FF2B5EF4-FFF2-40B4-BE49-F238E27FC236}">
+                <a16:creationId xmlns:a16="http://schemas.microsoft.com/office/drawing/2014/main" id="{DD2D37EE-A84B-41E1-8AF6-2134D321C4E8}"/>
+              </a:ext>
+            </a:extLst>
+          </p:cNvPr>
+          <p:cNvPicPr>
+            <a:picLocks noChangeAspect="1" noChangeArrowheads="1"/>
+          </p:cNvPicPr>
+          <p:nvPr/>
+        </p:nvPicPr>
+        <p:blipFill rotWithShape="1">
+          <a:blip r:embed="rId2">
+            <a:extLst>
+              <a:ext uri="{28A0092B-C50C-407E-A947-70E740481C1C}">
+                <a14:useLocalDpi xmlns:a14="http://schemas.microsoft.com/office/drawing/2010/main" val="0"/>
+              </a:ext>
+            </a:extLst>
+          </a:blip>
+          <a:srcRect l="2948" t="10112" r="7818" b="17887"/>
+          <a:stretch/>
+        </p:blipFill>
+        <p:spPr bwMode="auto">
+          <a:xfrm>
+            <a:off x="6010183" y="3933824"/>
+            <a:ext cx="4030462" cy="2023553"/>
+          </a:xfrm>
+          <a:prstGeom prst="rect">
+            <a:avLst/>
+          </a:prstGeom>
+          <a:noFill/>
+          <a:ln>
+            <a:solidFill>
+              <a:schemeClr val="accent1"/>
+            </a:solidFill>
+          </a:ln>
+          <a:extLst>
+            <a:ext uri="{909E8E84-426E-40DD-AFC4-6F175D3DCCD1}">
+              <a14:hiddenFill xmlns:a14="http://schemas.microsoft.com/office/drawing/2010/main">
+                <a:solidFill>
+                  <a:srgbClr val="FFFFFF"/>
+                </a:solidFill>
+              </a14:hiddenFill>
+            </a:ext>
+          </a:extLst>
+        </p:spPr>
+      </p:pic>
+      <p:sp>
+        <p:nvSpPr>
+          <p:cNvPr id="5" name="Content Placeholder 2">
+            <a:extLst>
+              <a:ext uri="{FF2B5EF4-FFF2-40B4-BE49-F238E27FC236}">
+                <a16:creationId xmlns:a16="http://schemas.microsoft.com/office/drawing/2014/main" id="{1178A962-B6D6-447C-8FCE-F1933532E105}"/>
+              </a:ext>
+            </a:extLst>
+          </p:cNvPr>
+          <p:cNvSpPr txBox="1">
+            <a:spLocks/>
+          </p:cNvSpPr>
+          <p:nvPr/>
+        </p:nvSpPr>
+        <p:spPr>
+          <a:xfrm>
+            <a:off x="913795" y="3933823"/>
+            <a:ext cx="4030462" cy="1857373"/>
+          </a:xfrm>
+          <a:prstGeom prst="rect">
+            <a:avLst/>
+          </a:prstGeom>
+          <a:effectLst>
+            <a:outerShdw blurRad="25400" dir="17880000">
+              <a:srgbClr val="000000">
+                <a:alpha val="46000"/>
+              </a:srgbClr>
+            </a:outerShdw>
+          </a:effectLst>
+        </p:spPr>
+        <p:txBody>
+          <a:bodyPr vert="horz" lIns="91440" tIns="45720" rIns="91440" bIns="45720" rtlCol="0" anchor="t">
+            <a:normAutofit/>
+          </a:bodyPr>
+          <a:lstStyle>
+            <a:lvl1pPr marL="342900" indent="-306000" algn="l" defTabSz="457200" rtl="0" eaLnBrk="1" latinLnBrk="0" hangingPunct="1">
+              <a:lnSpc>
+                <a:spcPct val="110000"/>
+              </a:lnSpc>
+              <a:spcBef>
+                <a:spcPct val="20000"/>
+              </a:spcBef>
+              <a:spcAft>
+                <a:spcPts val="600"/>
+              </a:spcAft>
+              <a:buClr>
+                <a:schemeClr val="tx2"/>
+              </a:buClr>
+              <a:buSzPct val="70000"/>
+              <a:buFont typeface="Wingdings 2" charset="2"/>
+              <a:buChar char=""/>
+              <a:defRPr sz="2300" kern="1200">
+                <a:ln>
+                  <a:solidFill>
+                    <a:schemeClr val="bg1">
+                      <a:lumMod val="75000"/>
+                      <a:lumOff val="25000"/>
+                      <a:alpha val="10000"/>
+                    </a:schemeClr>
+                  </a:solidFill>
+                </a:ln>
+                <a:solidFill>
+                  <a:schemeClr val="tx2"/>
+                </a:solidFill>
+                <a:effectLst>
+                  <a:outerShdw blurRad="9525" dist="25400" dir="14640000" algn="tl" rotWithShape="0">
+                    <a:schemeClr val="bg1">
+                      <a:alpha val="30000"/>
+                    </a:schemeClr>
+                  </a:outerShdw>
+                </a:effectLst>
+                <a:latin typeface="+mn-lt"/>
+                <a:ea typeface="+mn-ea"/>
+                <a:cs typeface="+mn-cs"/>
+              </a:defRPr>
+            </a:lvl1pPr>
+            <a:lvl2pPr marL="720000" indent="-270000" algn="l" defTabSz="457200" rtl="0" eaLnBrk="1" latinLnBrk="0" hangingPunct="1">
+              <a:spcBef>
+                <a:spcPct val="20000"/>
+              </a:spcBef>
+              <a:spcAft>
+                <a:spcPts val="600"/>
+              </a:spcAft>
+              <a:buClr>
+                <a:schemeClr val="tx2"/>
+              </a:buClr>
+              <a:buSzPct val="70000"/>
+              <a:buFont typeface="Wingdings 2" charset="2"/>
+              <a:buChar char=""/>
+              <a:defRPr sz="2100" kern="1200">
+                <a:ln>
+                  <a:solidFill>
+                    <a:schemeClr val="bg1">
+                      <a:lumMod val="75000"/>
+                      <a:lumOff val="25000"/>
+                      <a:alpha val="10000"/>
+                    </a:schemeClr>
+                  </a:solidFill>
+                </a:ln>
+                <a:solidFill>
+                  <a:schemeClr val="tx2"/>
+                </a:solidFill>
+                <a:effectLst>
+                  <a:outerShdw blurRad="9525" dist="25400" dir="14640000" algn="tl" rotWithShape="0">
+                    <a:schemeClr val="bg1">
+                      <a:alpha val="30000"/>
+                    </a:schemeClr>
+                  </a:outerShdw>
+                </a:effectLst>
+                <a:latin typeface="+mn-lt"/>
+                <a:ea typeface="+mn-ea"/>
+                <a:cs typeface="+mn-cs"/>
+              </a:defRPr>
+            </a:lvl2pPr>
+            <a:lvl3pPr marL="1026000" indent="-216000" algn="l" defTabSz="457200" rtl="0" eaLnBrk="1" latinLnBrk="0" hangingPunct="1">
+              <a:spcBef>
+                <a:spcPct val="20000"/>
+              </a:spcBef>
+              <a:spcAft>
+                <a:spcPts val="600"/>
+              </a:spcAft>
+              <a:buClr>
+                <a:schemeClr val="tx2"/>
+              </a:buClr>
+              <a:buSzPct val="70000"/>
+              <a:buFont typeface="Wingdings 2" charset="2"/>
+              <a:buChar char=""/>
+              <a:defRPr sz="1800" kern="1200">
+                <a:ln>
+                  <a:solidFill>
+                    <a:schemeClr val="bg1">
+                      <a:lumMod val="75000"/>
+                      <a:lumOff val="25000"/>
+                      <a:alpha val="10000"/>
+                    </a:schemeClr>
+                  </a:solidFill>
+                </a:ln>
+                <a:solidFill>
+                  <a:schemeClr val="tx2"/>
+                </a:solidFill>
+                <a:effectLst>
+                  <a:outerShdw blurRad="9525" dist="25400" dir="14640000" algn="tl" rotWithShape="0">
+                    <a:schemeClr val="bg1">
+                      <a:alpha val="30000"/>
+                    </a:schemeClr>
+                  </a:outerShdw>
+                </a:effectLst>
+                <a:latin typeface="+mn-lt"/>
+                <a:ea typeface="+mn-ea"/>
+                <a:cs typeface="+mn-cs"/>
+              </a:defRPr>
+            </a:lvl3pPr>
+            <a:lvl4pPr marL="1386000" indent="-216000" algn="l" defTabSz="457200" rtl="0" eaLnBrk="1" latinLnBrk="0" hangingPunct="1">
+              <a:spcBef>
+                <a:spcPct val="20000"/>
+              </a:spcBef>
+              <a:spcAft>
+                <a:spcPts val="600"/>
+              </a:spcAft>
+              <a:buClr>
+                <a:schemeClr val="tx2"/>
+              </a:buClr>
+              <a:buSzPct val="70000"/>
+              <a:buFont typeface="Wingdings 2" charset="2"/>
+              <a:buChar char=""/>
+              <a:defRPr sz="1600" kern="1200">
+                <a:ln>
+                  <a:solidFill>
+                    <a:schemeClr val="bg1">
+                      <a:lumMod val="75000"/>
+                      <a:lumOff val="25000"/>
+                      <a:alpha val="10000"/>
+                    </a:schemeClr>
+                  </a:solidFill>
+                </a:ln>
+                <a:solidFill>
+                  <a:schemeClr val="tx2"/>
+                </a:solidFill>
+                <a:effectLst>
+                  <a:outerShdw blurRad="9525" dist="25400" dir="14640000" algn="tl" rotWithShape="0">
+                    <a:schemeClr val="bg1">
+                      <a:alpha val="30000"/>
+                    </a:schemeClr>
+                  </a:outerShdw>
+                </a:effectLst>
+                <a:latin typeface="+mn-lt"/>
+                <a:ea typeface="+mn-ea"/>
+                <a:cs typeface="+mn-cs"/>
+              </a:defRPr>
+            </a:lvl4pPr>
+            <a:lvl5pPr marL="1674000" indent="-216000" algn="l" defTabSz="457200" rtl="0" eaLnBrk="1" latinLnBrk="0" hangingPunct="1">
+              <a:spcBef>
+                <a:spcPct val="20000"/>
+              </a:spcBef>
+              <a:spcAft>
+                <a:spcPts val="600"/>
+              </a:spcAft>
+              <a:buClr>
+                <a:schemeClr val="tx2"/>
+              </a:buClr>
+              <a:buSzPct val="70000"/>
+              <a:buFont typeface="Wingdings 2" charset="2"/>
+              <a:buChar char=""/>
+              <a:defRPr sz="1600" kern="1200">
+                <a:ln>
+                  <a:solidFill>
+                    <a:schemeClr val="bg1">
+                      <a:lumMod val="75000"/>
+                      <a:lumOff val="25000"/>
+                      <a:alpha val="10000"/>
+                    </a:schemeClr>
+                  </a:solidFill>
+                </a:ln>
+                <a:solidFill>
+                  <a:schemeClr val="tx2"/>
+                </a:solidFill>
+                <a:effectLst>
+                  <a:outerShdw blurRad="9525" dist="25400" dir="14640000" algn="tl" rotWithShape="0">
+                    <a:schemeClr val="bg1">
+                      <a:alpha val="30000"/>
+                    </a:schemeClr>
+                  </a:outerShdw>
+                </a:effectLst>
+                <a:latin typeface="+mn-lt"/>
+                <a:ea typeface="+mn-ea"/>
+                <a:cs typeface="+mn-cs"/>
+              </a:defRPr>
+            </a:lvl5pPr>
+            <a:lvl6pPr marL="2014600" indent="-228600" algn="l" defTabSz="457200" rtl="0" eaLnBrk="1" latinLnBrk="0" hangingPunct="1">
+              <a:spcBef>
+                <a:spcPct val="20000"/>
+              </a:spcBef>
+              <a:spcAft>
+                <a:spcPts val="600"/>
+              </a:spcAft>
+              <a:buClr>
+                <a:schemeClr val="tx2"/>
+              </a:buClr>
+              <a:buSzPct val="70000"/>
+              <a:buFont typeface="Wingdings 2" charset="2"/>
+              <a:buChar char=""/>
+              <a:defRPr sz="1400" kern="1200">
+                <a:ln>
+                  <a:solidFill>
+                    <a:schemeClr val="bg1">
+                      <a:lumMod val="75000"/>
+                      <a:lumOff val="25000"/>
+                      <a:alpha val="10000"/>
+                    </a:schemeClr>
+                  </a:solidFill>
+                </a:ln>
+                <a:solidFill>
+                  <a:schemeClr val="tx2"/>
+                </a:solidFill>
+                <a:effectLst>
+                  <a:outerShdw blurRad="9525" dist="25400" dir="14640000" algn="tl" rotWithShape="0">
+                    <a:schemeClr val="bg1">
+                      <a:alpha val="30000"/>
+                    </a:schemeClr>
+                  </a:outerShdw>
+                </a:effectLst>
+                <a:latin typeface="+mn-lt"/>
+                <a:ea typeface="+mn-ea"/>
+                <a:cs typeface="+mn-cs"/>
+              </a:defRPr>
+            </a:lvl6pPr>
+            <a:lvl7pPr marL="2401800" indent="-228600" algn="l" defTabSz="457200" rtl="0" eaLnBrk="1" latinLnBrk="0" hangingPunct="1">
+              <a:spcBef>
+                <a:spcPct val="20000"/>
+              </a:spcBef>
+              <a:spcAft>
+                <a:spcPts val="600"/>
+              </a:spcAft>
+              <a:buClr>
+                <a:schemeClr val="tx2"/>
+              </a:buClr>
+              <a:buSzPct val="70000"/>
+              <a:buFont typeface="Wingdings 2" charset="2"/>
+              <a:buChar char=""/>
+              <a:defRPr sz="1400" kern="1200">
+                <a:ln>
+                  <a:solidFill>
+                    <a:schemeClr val="bg1">
+                      <a:lumMod val="75000"/>
+                      <a:lumOff val="25000"/>
+                      <a:alpha val="10000"/>
+                    </a:schemeClr>
+                  </a:solidFill>
+                </a:ln>
+                <a:solidFill>
+                  <a:schemeClr val="tx2"/>
+                </a:solidFill>
+                <a:effectLst>
+                  <a:outerShdw blurRad="9525" dist="25400" dir="14640000" algn="tl" rotWithShape="0">
+                    <a:schemeClr val="bg1">
+                      <a:alpha val="30000"/>
+                    </a:schemeClr>
+                  </a:outerShdw>
+                </a:effectLst>
+                <a:latin typeface="+mn-lt"/>
+                <a:ea typeface="+mn-ea"/>
+                <a:cs typeface="+mn-cs"/>
+              </a:defRPr>
+            </a:lvl7pPr>
+            <a:lvl8pPr marL="2789000" indent="-228600" algn="l" defTabSz="457200" rtl="0" eaLnBrk="1" latinLnBrk="0" hangingPunct="1">
+              <a:spcBef>
+                <a:spcPct val="20000"/>
+              </a:spcBef>
+              <a:spcAft>
+                <a:spcPts val="600"/>
+              </a:spcAft>
+              <a:buClr>
+                <a:schemeClr val="tx2"/>
+              </a:buClr>
+              <a:buSzPct val="70000"/>
+              <a:buFont typeface="Wingdings 2" charset="2"/>
+              <a:buChar char=""/>
+              <a:defRPr sz="1400" kern="1200">
+                <a:ln>
+                  <a:solidFill>
+                    <a:schemeClr val="bg1">
+                      <a:lumMod val="75000"/>
+                      <a:lumOff val="25000"/>
+                      <a:alpha val="10000"/>
+                    </a:schemeClr>
+                  </a:solidFill>
+                </a:ln>
+                <a:solidFill>
+                  <a:schemeClr val="tx2"/>
+                </a:solidFill>
+                <a:effectLst>
+                  <a:outerShdw blurRad="9525" dist="25400" dir="14640000" algn="tl" rotWithShape="0">
+                    <a:schemeClr val="bg1">
+                      <a:alpha val="30000"/>
+                    </a:schemeClr>
+                  </a:outerShdw>
+                </a:effectLst>
+                <a:latin typeface="+mn-lt"/>
+                <a:ea typeface="+mn-ea"/>
+                <a:cs typeface="+mn-cs"/>
+              </a:defRPr>
+            </a:lvl8pPr>
+            <a:lvl9pPr marL="3106200" indent="-228600" algn="l" defTabSz="457200" rtl="0" eaLnBrk="1" latinLnBrk="0" hangingPunct="1">
+              <a:spcBef>
+                <a:spcPct val="20000"/>
+              </a:spcBef>
+              <a:spcAft>
+                <a:spcPts val="600"/>
+              </a:spcAft>
+              <a:buClr>
+                <a:schemeClr val="tx2"/>
+              </a:buClr>
+              <a:buSzPct val="70000"/>
+              <a:buFont typeface="Wingdings 2" charset="2"/>
+              <a:buChar char=""/>
+              <a:defRPr sz="1400" kern="1200">
+                <a:ln>
+                  <a:solidFill>
+                    <a:schemeClr val="bg1">
+                      <a:lumMod val="75000"/>
+                      <a:lumOff val="25000"/>
+                      <a:alpha val="10000"/>
+                    </a:schemeClr>
+                  </a:solidFill>
+                </a:ln>
+                <a:solidFill>
+                  <a:schemeClr val="tx2"/>
+                </a:solidFill>
+                <a:effectLst>
+                  <a:outerShdw blurRad="9525" dist="25400" dir="14640000" algn="tl" rotWithShape="0">
+                    <a:schemeClr val="bg1">
+                      <a:alpha val="30000"/>
+                    </a:schemeClr>
+                  </a:outerShdw>
+                </a:effectLst>
+                <a:latin typeface="+mn-lt"/>
+                <a:ea typeface="+mn-ea"/>
+                <a:cs typeface="+mn-cs"/>
+              </a:defRPr>
+            </a:lvl9pPr>
+          </a:lstStyle>
+          <a:p>
+            <a:r>
+              <a:rPr lang="sr-Latn-RS" dirty="0"/>
+              <a:t>Statistika je veoma bitna za kreiranje adekvatnog plana izvršenja. </a:t>
+            </a:r>
           </a:p>
         </p:txBody>
       </p:sp>
@@ -7826,6 +8294,3605 @@
     <p:extLst>
       <p:ext uri="{BB962C8B-B14F-4D97-AF65-F5344CB8AC3E}">
         <p14:creationId xmlns:p14="http://schemas.microsoft.com/office/powerpoint/2010/main" val="3239747991"/>
+      </p:ext>
+    </p:extLst>
+  </p:cSld>
+  <p:clrMapOvr>
+    <a:masterClrMapping/>
+  </p:clrMapOvr>
+</p:sld>
+</file>
+
+<file path=ppt/slides/slide13.xml><?xml version="1.0" encoding="utf-8"?>
+<p:sld xmlns:a="http://schemas.openxmlformats.org/drawingml/2006/main" xmlns:r="http://schemas.openxmlformats.org/officeDocument/2006/relationships" xmlns:p="http://schemas.openxmlformats.org/presentationml/2006/main">
+  <p:cSld>
+    <p:spTree>
+      <p:nvGrpSpPr>
+        <p:cNvPr id="1" name=""/>
+        <p:cNvGrpSpPr/>
+        <p:nvPr/>
+      </p:nvGrpSpPr>
+      <p:grpSpPr>
+        <a:xfrm>
+          <a:off x="0" y="0"/>
+          <a:ext cx="0" cy="0"/>
+          <a:chOff x="0" y="0"/>
+          <a:chExt cx="0" cy="0"/>
+        </a:xfrm>
+      </p:grpSpPr>
+      <p:sp>
+        <p:nvSpPr>
+          <p:cNvPr id="2" name="Title 1">
+            <a:extLst>
+              <a:ext uri="{FF2B5EF4-FFF2-40B4-BE49-F238E27FC236}">
+                <a16:creationId xmlns:a16="http://schemas.microsoft.com/office/drawing/2014/main" id="{0D3EB0FA-BCB7-433D-A782-9676776C743B}"/>
+              </a:ext>
+            </a:extLst>
+          </p:cNvPr>
+          <p:cNvSpPr>
+            <a:spLocks noGrp="1"/>
+          </p:cNvSpPr>
+          <p:nvPr>
+            <p:ph type="title"/>
+          </p:nvPr>
+        </p:nvSpPr>
+        <p:spPr/>
+        <p:txBody>
+          <a:bodyPr/>
+          <a:lstStyle/>
+          <a:p>
+            <a:r>
+              <a:rPr lang="sr-Latn-RS" dirty="0" err="1"/>
+              <a:t>Interleaved</a:t>
+            </a:r>
+            <a:r>
+              <a:rPr lang="sr-Latn-RS" dirty="0"/>
+              <a:t> </a:t>
+            </a:r>
+            <a:r>
+              <a:rPr lang="sr-Latn-RS" dirty="0" err="1"/>
+              <a:t>executions</a:t>
+            </a:r>
+            <a:endParaRPr lang="sr-Latn-RS" dirty="0"/>
+          </a:p>
+        </p:txBody>
+      </p:sp>
+      <p:sp>
+        <p:nvSpPr>
+          <p:cNvPr id="3" name="Content Placeholder 2">
+            <a:extLst>
+              <a:ext uri="{FF2B5EF4-FFF2-40B4-BE49-F238E27FC236}">
+                <a16:creationId xmlns:a16="http://schemas.microsoft.com/office/drawing/2014/main" id="{FF06EBF7-B7A0-4FE9-89BD-8877B91E5403}"/>
+              </a:ext>
+            </a:extLst>
+          </p:cNvPr>
+          <p:cNvSpPr>
+            <a:spLocks noGrp="1"/>
+          </p:cNvSpPr>
+          <p:nvPr>
+            <p:ph idx="1"/>
+          </p:nvPr>
+        </p:nvSpPr>
+        <p:spPr>
+          <a:xfrm>
+            <a:off x="913795" y="2076450"/>
+            <a:ext cx="5182205" cy="3714749"/>
+          </a:xfrm>
+        </p:spPr>
+        <p:txBody>
+          <a:bodyPr/>
+          <a:lstStyle/>
+          <a:p>
+            <a:r>
+              <a:rPr lang="sr-Latn-RS" dirty="0"/>
+              <a:t>Tiče se više-izraznih funkcija koje vraćaju tabele, tj. upita koji ih pozivaju.</a:t>
+            </a:r>
+          </a:p>
+          <a:p>
+            <a:r>
+              <a:rPr lang="sr-Latn-RS" dirty="0"/>
+              <a:t>Procene u statistici za ove funkcije su fiksne.</a:t>
+            </a:r>
+          </a:p>
+          <a:p>
+            <a:r>
+              <a:rPr lang="sr-Latn-RS" dirty="0"/>
+              <a:t>Moguće izvršiti jedan deo plana, pa redizajnirati plan pre nastavka izvršenja sa novim statistikama.</a:t>
+            </a:r>
+          </a:p>
+        </p:txBody>
+      </p:sp>
+      <p:pic>
+        <p:nvPicPr>
+          <p:cNvPr id="3074" name="Picture 2" descr="Multi Statement Table Valued Function: The Ultimate Guide for Beginners">
+            <a:extLst>
+              <a:ext uri="{FF2B5EF4-FFF2-40B4-BE49-F238E27FC236}">
+                <a16:creationId xmlns:a16="http://schemas.microsoft.com/office/drawing/2014/main" id="{402E3D06-02A6-490F-B27C-2DD2544FC75F}"/>
+              </a:ext>
+            </a:extLst>
+          </p:cNvPr>
+          <p:cNvPicPr>
+            <a:picLocks noChangeAspect="1" noChangeArrowheads="1"/>
+          </p:cNvPicPr>
+          <p:nvPr/>
+        </p:nvPicPr>
+        <p:blipFill>
+          <a:blip r:embed="rId2">
+            <a:extLst>
+              <a:ext uri="{28A0092B-C50C-407E-A947-70E740481C1C}">
+                <a14:useLocalDpi xmlns:a14="http://schemas.microsoft.com/office/drawing/2010/main" val="0"/>
+              </a:ext>
+            </a:extLst>
+          </a:blip>
+          <a:srcRect/>
+          <a:stretch>
+            <a:fillRect/>
+          </a:stretch>
+        </p:blipFill>
+        <p:spPr bwMode="auto">
+          <a:xfrm>
+            <a:off x="6544280" y="1947861"/>
+            <a:ext cx="4733925" cy="3971925"/>
+          </a:xfrm>
+          <a:prstGeom prst="rect">
+            <a:avLst/>
+          </a:prstGeom>
+          <a:noFill/>
+          <a:ln>
+            <a:solidFill>
+              <a:schemeClr val="accent1"/>
+            </a:solidFill>
+          </a:ln>
+          <a:extLst>
+            <a:ext uri="{909E8E84-426E-40DD-AFC4-6F175D3DCCD1}">
+              <a14:hiddenFill xmlns:a14="http://schemas.microsoft.com/office/drawing/2010/main">
+                <a:solidFill>
+                  <a:srgbClr val="FFFFFF"/>
+                </a:solidFill>
+              </a14:hiddenFill>
+            </a:ext>
+          </a:extLst>
+        </p:spPr>
+      </p:pic>
+    </p:spTree>
+    <p:extLst>
+      <p:ext uri="{BB962C8B-B14F-4D97-AF65-F5344CB8AC3E}">
+        <p14:creationId xmlns:p14="http://schemas.microsoft.com/office/powerpoint/2010/main" val="2970159308"/>
+      </p:ext>
+    </p:extLst>
+  </p:cSld>
+  <p:clrMapOvr>
+    <a:masterClrMapping/>
+  </p:clrMapOvr>
+</p:sld>
+</file>
+
+<file path=ppt/slides/slide14.xml><?xml version="1.0" encoding="utf-8"?>
+<p:sld xmlns:a="http://schemas.openxmlformats.org/drawingml/2006/main" xmlns:r="http://schemas.openxmlformats.org/officeDocument/2006/relationships" xmlns:p="http://schemas.openxmlformats.org/presentationml/2006/main">
+  <p:cSld>
+    <p:bg>
+      <p:bgPr>
+        <a:blipFill rotWithShape="1">
+          <a:blip r:embed="rId2">
+            <a:duotone>
+              <a:schemeClr val="bg1">
+                <a:shade val="80000"/>
+                <a:lumMod val="80000"/>
+              </a:schemeClr>
+              <a:schemeClr val="bg1">
+                <a:tint val="98000"/>
+              </a:schemeClr>
+            </a:duotone>
+          </a:blip>
+          <a:stretch/>
+        </a:blipFill>
+        <a:effectLst/>
+      </p:bgPr>
+    </p:bg>
+    <p:spTree>
+      <p:nvGrpSpPr>
+        <p:cNvPr id="1" name=""/>
+        <p:cNvGrpSpPr/>
+        <p:nvPr/>
+      </p:nvGrpSpPr>
+      <p:grpSpPr>
+        <a:xfrm>
+          <a:off x="0" y="0"/>
+          <a:ext cx="0" cy="0"/>
+          <a:chOff x="0" y="0"/>
+          <a:chExt cx="0" cy="0"/>
+        </a:xfrm>
+      </p:grpSpPr>
+      <p:pic>
+        <p:nvPicPr>
+          <p:cNvPr id="2" name="Picture 1" descr="Graphical user interface&#10;&#10;Description automatically generated with medium confidence">
+            <a:extLst>
+              <a:ext uri="{FF2B5EF4-FFF2-40B4-BE49-F238E27FC236}">
+                <a16:creationId xmlns:a16="http://schemas.microsoft.com/office/drawing/2014/main" id="{3E7F989C-4998-4C46-BD20-731D57A2734F}"/>
+              </a:ext>
+            </a:extLst>
+          </p:cNvPr>
+          <p:cNvPicPr>
+            <a:picLocks noChangeAspect="1"/>
+          </p:cNvPicPr>
+          <p:nvPr/>
+        </p:nvPicPr>
+        <p:blipFill rotWithShape="1">
+          <a:blip r:embed="rId3">
+            <a:extLst>
+              <a:ext uri="{28A0092B-C50C-407E-A947-70E740481C1C}">
+                <a14:useLocalDpi xmlns:a14="http://schemas.microsoft.com/office/drawing/2010/main" val="0"/>
+              </a:ext>
+            </a:extLst>
+          </a:blip>
+          <a:srcRect b="9848"/>
+          <a:stretch/>
+        </p:blipFill>
+        <p:spPr bwMode="auto">
+          <a:xfrm>
+            <a:off x="783359" y="643467"/>
+            <a:ext cx="4851014" cy="5571066"/>
+          </a:xfrm>
+          <a:prstGeom prst="rect">
+            <a:avLst/>
+          </a:prstGeom>
+          <a:noFill/>
+          <a:extLst>
+            <a:ext uri="{53640926-AAD7-44D8-BBD7-CCE9431645EC}">
+              <a14:shadowObscured xmlns:a14="http://schemas.microsoft.com/office/drawing/2010/main"/>
+            </a:ext>
+          </a:extLst>
+        </p:spPr>
+      </p:pic>
+      <p:pic>
+        <p:nvPicPr>
+          <p:cNvPr id="3" name="Picture 2" descr="A picture containing graphical user interface&#10;&#10;Description automatically generated">
+            <a:extLst>
+              <a:ext uri="{FF2B5EF4-FFF2-40B4-BE49-F238E27FC236}">
+                <a16:creationId xmlns:a16="http://schemas.microsoft.com/office/drawing/2014/main" id="{A0C808AF-AB3A-4D0E-9A96-9700B0C0EC83}"/>
+              </a:ext>
+            </a:extLst>
+          </p:cNvPr>
+          <p:cNvPicPr>
+            <a:picLocks noChangeAspect="1"/>
+          </p:cNvPicPr>
+          <p:nvPr/>
+        </p:nvPicPr>
+        <p:blipFill rotWithShape="1">
+          <a:blip r:embed="rId4">
+            <a:extLst>
+              <a:ext uri="{28A0092B-C50C-407E-A947-70E740481C1C}">
+                <a14:useLocalDpi xmlns:a14="http://schemas.microsoft.com/office/drawing/2010/main" val="0"/>
+              </a:ext>
+            </a:extLst>
+          </a:blip>
+          <a:srcRect b="9111"/>
+          <a:stretch/>
+        </p:blipFill>
+        <p:spPr bwMode="auto">
+          <a:xfrm>
+            <a:off x="6575219" y="647565"/>
+            <a:ext cx="4827003" cy="5571066"/>
+          </a:xfrm>
+          <a:prstGeom prst="rect">
+            <a:avLst/>
+          </a:prstGeom>
+          <a:noFill/>
+          <a:extLst>
+            <a:ext uri="{53640926-AAD7-44D8-BBD7-CCE9431645EC}">
+              <a14:shadowObscured xmlns:a14="http://schemas.microsoft.com/office/drawing/2010/main"/>
+            </a:ext>
+          </a:extLst>
+        </p:spPr>
+      </p:pic>
+      <p:sp>
+        <p:nvSpPr>
+          <p:cNvPr id="5" name="Rectangle: Rounded Corners 4">
+            <a:extLst>
+              <a:ext uri="{FF2B5EF4-FFF2-40B4-BE49-F238E27FC236}">
+                <a16:creationId xmlns:a16="http://schemas.microsoft.com/office/drawing/2014/main" id="{9BC6E632-0F2D-4FEB-86E1-81FCE8DDBD1E}"/>
+              </a:ext>
+            </a:extLst>
+          </p:cNvPr>
+          <p:cNvSpPr/>
+          <p:nvPr/>
+        </p:nvSpPr>
+        <p:spPr>
+          <a:xfrm>
+            <a:off x="3329126" y="5450889"/>
+            <a:ext cx="2287656" cy="159798"/>
+          </a:xfrm>
+          <a:prstGeom prst="roundRect">
+            <a:avLst/>
+          </a:prstGeom>
+          <a:noFill/>
+        </p:spPr>
+        <p:style>
+          <a:lnRef idx="2">
+            <a:schemeClr val="accent1">
+              <a:shade val="50000"/>
+            </a:schemeClr>
+          </a:lnRef>
+          <a:fillRef idx="1">
+            <a:schemeClr val="accent1"/>
+          </a:fillRef>
+          <a:effectRef idx="0">
+            <a:schemeClr val="accent1"/>
+          </a:effectRef>
+          <a:fontRef idx="minor">
+            <a:schemeClr val="lt1"/>
+          </a:fontRef>
+        </p:style>
+        <p:txBody>
+          <a:bodyPr rtlCol="0" anchor="ctr"/>
+          <a:lstStyle/>
+          <a:p>
+            <a:pPr algn="ctr"/>
+            <a:endParaRPr lang="sr-Latn-RS"/>
+          </a:p>
+        </p:txBody>
+      </p:sp>
+      <p:sp>
+        <p:nvSpPr>
+          <p:cNvPr id="6" name="Rectangle: Rounded Corners 5">
+            <a:extLst>
+              <a:ext uri="{FF2B5EF4-FFF2-40B4-BE49-F238E27FC236}">
+                <a16:creationId xmlns:a16="http://schemas.microsoft.com/office/drawing/2014/main" id="{F173707C-3996-4305-AE1C-D3286A09BFED}"/>
+              </a:ext>
+            </a:extLst>
+          </p:cNvPr>
+          <p:cNvSpPr/>
+          <p:nvPr/>
+        </p:nvSpPr>
+        <p:spPr>
+          <a:xfrm>
+            <a:off x="3329126" y="4449192"/>
+            <a:ext cx="2287656" cy="159798"/>
+          </a:xfrm>
+          <a:prstGeom prst="roundRect">
+            <a:avLst/>
+          </a:prstGeom>
+          <a:noFill/>
+        </p:spPr>
+        <p:style>
+          <a:lnRef idx="2">
+            <a:schemeClr val="accent1">
+              <a:shade val="50000"/>
+            </a:schemeClr>
+          </a:lnRef>
+          <a:fillRef idx="1">
+            <a:schemeClr val="accent1"/>
+          </a:fillRef>
+          <a:effectRef idx="0">
+            <a:schemeClr val="accent1"/>
+          </a:effectRef>
+          <a:fontRef idx="minor">
+            <a:schemeClr val="lt1"/>
+          </a:fontRef>
+        </p:style>
+        <p:txBody>
+          <a:bodyPr rtlCol="0" anchor="ctr"/>
+          <a:lstStyle/>
+          <a:p>
+            <a:pPr algn="ctr"/>
+            <a:endParaRPr lang="sr-Latn-RS"/>
+          </a:p>
+        </p:txBody>
+      </p:sp>
+      <p:sp>
+        <p:nvSpPr>
+          <p:cNvPr id="7" name="Rectangle: Rounded Corners 6">
+            <a:extLst>
+              <a:ext uri="{FF2B5EF4-FFF2-40B4-BE49-F238E27FC236}">
+                <a16:creationId xmlns:a16="http://schemas.microsoft.com/office/drawing/2014/main" id="{450FBE56-5C4E-4363-961F-6C759ECB054D}"/>
+              </a:ext>
+            </a:extLst>
+          </p:cNvPr>
+          <p:cNvSpPr/>
+          <p:nvPr/>
+        </p:nvSpPr>
+        <p:spPr>
+          <a:xfrm>
+            <a:off x="9207623" y="4449192"/>
+            <a:ext cx="2287656" cy="159798"/>
+          </a:xfrm>
+          <a:prstGeom prst="roundRect">
+            <a:avLst/>
+          </a:prstGeom>
+          <a:noFill/>
+        </p:spPr>
+        <p:style>
+          <a:lnRef idx="2">
+            <a:schemeClr val="accent1">
+              <a:shade val="50000"/>
+            </a:schemeClr>
+          </a:lnRef>
+          <a:fillRef idx="1">
+            <a:schemeClr val="accent1"/>
+          </a:fillRef>
+          <a:effectRef idx="0">
+            <a:schemeClr val="accent1"/>
+          </a:effectRef>
+          <a:fontRef idx="minor">
+            <a:schemeClr val="lt1"/>
+          </a:fontRef>
+        </p:style>
+        <p:txBody>
+          <a:bodyPr rtlCol="0" anchor="ctr"/>
+          <a:lstStyle/>
+          <a:p>
+            <a:pPr algn="ctr"/>
+            <a:endParaRPr lang="sr-Latn-RS"/>
+          </a:p>
+        </p:txBody>
+      </p:sp>
+      <p:sp>
+        <p:nvSpPr>
+          <p:cNvPr id="8" name="Rectangle: Rounded Corners 7">
+            <a:extLst>
+              <a:ext uri="{FF2B5EF4-FFF2-40B4-BE49-F238E27FC236}">
+                <a16:creationId xmlns:a16="http://schemas.microsoft.com/office/drawing/2014/main" id="{7BEC54C1-9EF6-4F04-9D14-6F689DD6950F}"/>
+              </a:ext>
+            </a:extLst>
+          </p:cNvPr>
+          <p:cNvSpPr/>
+          <p:nvPr/>
+        </p:nvSpPr>
+        <p:spPr>
+          <a:xfrm>
+            <a:off x="9161095" y="5530788"/>
+            <a:ext cx="2287656" cy="159798"/>
+          </a:xfrm>
+          <a:prstGeom prst="roundRect">
+            <a:avLst/>
+          </a:prstGeom>
+          <a:noFill/>
+        </p:spPr>
+        <p:style>
+          <a:lnRef idx="2">
+            <a:schemeClr val="accent1">
+              <a:shade val="50000"/>
+            </a:schemeClr>
+          </a:lnRef>
+          <a:fillRef idx="1">
+            <a:schemeClr val="accent1"/>
+          </a:fillRef>
+          <a:effectRef idx="0">
+            <a:schemeClr val="accent1"/>
+          </a:effectRef>
+          <a:fontRef idx="minor">
+            <a:schemeClr val="lt1"/>
+          </a:fontRef>
+        </p:style>
+        <p:txBody>
+          <a:bodyPr rtlCol="0" anchor="ctr"/>
+          <a:lstStyle/>
+          <a:p>
+            <a:pPr algn="ctr"/>
+            <a:endParaRPr lang="sr-Latn-RS"/>
+          </a:p>
+        </p:txBody>
+      </p:sp>
+    </p:spTree>
+    <p:extLst>
+      <p:ext uri="{BB962C8B-B14F-4D97-AF65-F5344CB8AC3E}">
+        <p14:creationId xmlns:p14="http://schemas.microsoft.com/office/powerpoint/2010/main" val="2221188438"/>
+      </p:ext>
+    </p:extLst>
+  </p:cSld>
+  <p:clrMapOvr>
+    <a:masterClrMapping/>
+  </p:clrMapOvr>
+</p:sld>
+</file>
+
+<file path=ppt/slides/slide15.xml><?xml version="1.0" encoding="utf-8"?>
+<p:sld xmlns:a="http://schemas.openxmlformats.org/drawingml/2006/main" xmlns:r="http://schemas.openxmlformats.org/officeDocument/2006/relationships" xmlns:p="http://schemas.openxmlformats.org/presentationml/2006/main">
+  <p:cSld>
+    <p:spTree>
+      <p:nvGrpSpPr>
+        <p:cNvPr id="1" name=""/>
+        <p:cNvGrpSpPr/>
+        <p:nvPr/>
+      </p:nvGrpSpPr>
+      <p:grpSpPr>
+        <a:xfrm>
+          <a:off x="0" y="0"/>
+          <a:ext cx="0" cy="0"/>
+          <a:chOff x="0" y="0"/>
+          <a:chExt cx="0" cy="0"/>
+        </a:xfrm>
+      </p:grpSpPr>
+      <p:sp>
+        <p:nvSpPr>
+          <p:cNvPr id="2" name="Title 1">
+            <a:extLst>
+              <a:ext uri="{FF2B5EF4-FFF2-40B4-BE49-F238E27FC236}">
+                <a16:creationId xmlns:a16="http://schemas.microsoft.com/office/drawing/2014/main" id="{22060F2F-BD02-4742-BD90-CE6FFFF2BE01}"/>
+              </a:ext>
+            </a:extLst>
+          </p:cNvPr>
+          <p:cNvSpPr>
+            <a:spLocks noGrp="1"/>
+          </p:cNvSpPr>
+          <p:nvPr>
+            <p:ph type="title"/>
+          </p:nvPr>
+        </p:nvSpPr>
+        <p:spPr/>
+        <p:txBody>
+          <a:bodyPr/>
+          <a:lstStyle/>
+          <a:p>
+            <a:r>
+              <a:rPr lang="sr-Latn-RS" dirty="0" err="1"/>
+              <a:t>Batch</a:t>
+            </a:r>
+            <a:r>
+              <a:rPr lang="sr-Latn-RS" dirty="0"/>
+              <a:t> Mode </a:t>
+            </a:r>
+            <a:r>
+              <a:rPr lang="sr-Latn-RS" dirty="0" err="1"/>
+              <a:t>Memory</a:t>
+            </a:r>
+            <a:r>
+              <a:rPr lang="sr-Latn-RS" dirty="0"/>
+              <a:t> Grant Feedback</a:t>
+            </a:r>
+          </a:p>
+        </p:txBody>
+      </p:sp>
+      <p:sp>
+        <p:nvSpPr>
+          <p:cNvPr id="3" name="Content Placeholder 2">
+            <a:extLst>
+              <a:ext uri="{FF2B5EF4-FFF2-40B4-BE49-F238E27FC236}">
+                <a16:creationId xmlns:a16="http://schemas.microsoft.com/office/drawing/2014/main" id="{F387909B-E836-4B71-86F3-5E78E628DCE8}"/>
+              </a:ext>
+            </a:extLst>
+          </p:cNvPr>
+          <p:cNvSpPr>
+            <a:spLocks noGrp="1"/>
+          </p:cNvSpPr>
+          <p:nvPr>
+            <p:ph idx="1"/>
+          </p:nvPr>
+        </p:nvSpPr>
+        <p:spPr>
+          <a:xfrm>
+            <a:off x="913795" y="2076450"/>
+            <a:ext cx="10353762" cy="4171950"/>
+          </a:xfrm>
+        </p:spPr>
+        <p:txBody>
+          <a:bodyPr/>
+          <a:lstStyle/>
+          <a:p>
+            <a:r>
+              <a:rPr lang="sr-Latn-RS" dirty="0"/>
+              <a:t>Tiče se serijskog moda izvršenja (obrada više redova u isto vreme).</a:t>
+            </a:r>
+          </a:p>
+          <a:p>
+            <a:r>
+              <a:rPr lang="sr-Latn-RS" dirty="0"/>
+              <a:t>Dodeljivanje memorije vrlo bitan deo kreiranja plana izvršenja.</a:t>
+            </a:r>
+          </a:p>
+          <a:p>
+            <a:r>
+              <a:rPr lang="sr-Latn-RS" dirty="0"/>
+              <a:t>U starijim verzijama sistema, planovi kreirani za neku malu količinu podataka se keširaju i potencijalno kasnije koriste za obradu velike količine podataka, i obrnuto.</a:t>
+            </a:r>
+          </a:p>
+          <a:p>
+            <a:r>
+              <a:rPr lang="sr-Latn-RS" dirty="0"/>
+              <a:t>Ova funkcionalnost omogućava sistemu da nakon prvog izvršenja upita proceni da li je dodeljena memorija adekvatna ili nije, i promeni je za kasnija izvršenja.</a:t>
+            </a:r>
+          </a:p>
+        </p:txBody>
+      </p:sp>
+    </p:spTree>
+    <p:extLst>
+      <p:ext uri="{BB962C8B-B14F-4D97-AF65-F5344CB8AC3E}">
+        <p14:creationId xmlns:p14="http://schemas.microsoft.com/office/powerpoint/2010/main" val="3972851482"/>
+      </p:ext>
+    </p:extLst>
+  </p:cSld>
+  <p:clrMapOvr>
+    <a:masterClrMapping/>
+  </p:clrMapOvr>
+</p:sld>
+</file>
+
+<file path=ppt/slides/slide16.xml><?xml version="1.0" encoding="utf-8"?>
+<p:sld xmlns:a="http://schemas.openxmlformats.org/drawingml/2006/main" xmlns:r="http://schemas.openxmlformats.org/officeDocument/2006/relationships" xmlns:p="http://schemas.openxmlformats.org/presentationml/2006/main">
+  <p:cSld>
+    <p:bg>
+      <p:bgPr>
+        <a:blipFill rotWithShape="1">
+          <a:blip r:embed="rId2">
+            <a:duotone>
+              <a:schemeClr val="bg1">
+                <a:shade val="80000"/>
+                <a:lumMod val="80000"/>
+              </a:schemeClr>
+              <a:schemeClr val="bg1">
+                <a:tint val="98000"/>
+              </a:schemeClr>
+            </a:duotone>
+          </a:blip>
+          <a:stretch/>
+        </a:blipFill>
+        <a:effectLst/>
+      </p:bgPr>
+    </p:bg>
+    <p:spTree>
+      <p:nvGrpSpPr>
+        <p:cNvPr id="1" name=""/>
+        <p:cNvGrpSpPr/>
+        <p:nvPr/>
+      </p:nvGrpSpPr>
+      <p:grpSpPr>
+        <a:xfrm>
+          <a:off x="0" y="0"/>
+          <a:ext cx="0" cy="0"/>
+          <a:chOff x="0" y="0"/>
+          <a:chExt cx="0" cy="0"/>
+        </a:xfrm>
+      </p:grpSpPr>
+      <p:pic>
+        <p:nvPicPr>
+          <p:cNvPr id="3" name="Picture 2" descr="Graphical user interface, text&#10;&#10;Description automatically generated">
+            <a:extLst>
+              <a:ext uri="{FF2B5EF4-FFF2-40B4-BE49-F238E27FC236}">
+                <a16:creationId xmlns:a16="http://schemas.microsoft.com/office/drawing/2014/main" id="{AAD4203A-4A3F-4381-86B1-37159D6F9740}"/>
+              </a:ext>
+            </a:extLst>
+          </p:cNvPr>
+          <p:cNvPicPr>
+            <a:picLocks noChangeAspect="1"/>
+          </p:cNvPicPr>
+          <p:nvPr/>
+        </p:nvPicPr>
+        <p:blipFill rotWithShape="1">
+          <a:blip r:embed="rId3">
+            <a:extLst>
+              <a:ext uri="{28A0092B-C50C-407E-A947-70E740481C1C}">
+                <a14:useLocalDpi xmlns:a14="http://schemas.microsoft.com/office/drawing/2010/main" val="0"/>
+              </a:ext>
+            </a:extLst>
+          </a:blip>
+          <a:srcRect b="25681"/>
+          <a:stretch/>
+        </p:blipFill>
+        <p:spPr bwMode="auto">
+          <a:xfrm>
+            <a:off x="637880" y="1347322"/>
+            <a:ext cx="4580809" cy="4163356"/>
+          </a:xfrm>
+          <a:prstGeom prst="rect">
+            <a:avLst/>
+          </a:prstGeom>
+          <a:noFill/>
+          <a:extLst>
+            <a:ext uri="{53640926-AAD7-44D8-BBD7-CCE9431645EC}">
+              <a14:shadowObscured xmlns:a14="http://schemas.microsoft.com/office/drawing/2010/main"/>
+            </a:ext>
+          </a:extLst>
+        </p:spPr>
+      </p:pic>
+      <p:pic>
+        <p:nvPicPr>
+          <p:cNvPr id="2" name="Picture 1" descr="Graphical user interface, text&#10;&#10;Description automatically generated">
+            <a:extLst>
+              <a:ext uri="{FF2B5EF4-FFF2-40B4-BE49-F238E27FC236}">
+                <a16:creationId xmlns:a16="http://schemas.microsoft.com/office/drawing/2014/main" id="{941D6C61-B5BF-4130-8718-2DE5ACE79EFE}"/>
+              </a:ext>
+            </a:extLst>
+          </p:cNvPr>
+          <p:cNvPicPr>
+            <a:picLocks noChangeAspect="1"/>
+          </p:cNvPicPr>
+          <p:nvPr/>
+        </p:nvPicPr>
+        <p:blipFill rotWithShape="1">
+          <a:blip r:embed="rId4">
+            <a:extLst>
+              <a:ext uri="{28A0092B-C50C-407E-A947-70E740481C1C}">
+                <a14:useLocalDpi xmlns:a14="http://schemas.microsoft.com/office/drawing/2010/main" val="0"/>
+              </a:ext>
+            </a:extLst>
+          </a:blip>
+          <a:srcRect b="33643"/>
+          <a:stretch/>
+        </p:blipFill>
+        <p:spPr bwMode="auto">
+          <a:xfrm>
+            <a:off x="6423321" y="1351420"/>
+            <a:ext cx="5130799" cy="4163356"/>
+          </a:xfrm>
+          <a:prstGeom prst="rect">
+            <a:avLst/>
+          </a:prstGeom>
+          <a:noFill/>
+          <a:extLst>
+            <a:ext uri="{53640926-AAD7-44D8-BBD7-CCE9431645EC}">
+              <a14:shadowObscured xmlns:a14="http://schemas.microsoft.com/office/drawing/2010/main"/>
+            </a:ext>
+          </a:extLst>
+        </p:spPr>
+      </p:pic>
+      <p:sp>
+        <p:nvSpPr>
+          <p:cNvPr id="5" name="Content Placeholder 6">
+            <a:extLst>
+              <a:ext uri="{FF2B5EF4-FFF2-40B4-BE49-F238E27FC236}">
+                <a16:creationId xmlns:a16="http://schemas.microsoft.com/office/drawing/2014/main" id="{6EE1B009-2CFA-4908-A3EB-1371AFCF2808}"/>
+              </a:ext>
+            </a:extLst>
+          </p:cNvPr>
+          <p:cNvSpPr txBox="1">
+            <a:spLocks/>
+          </p:cNvSpPr>
+          <p:nvPr/>
+        </p:nvSpPr>
+        <p:spPr>
+          <a:xfrm>
+            <a:off x="1829318" y="505416"/>
+            <a:ext cx="3794175" cy="604542"/>
+          </a:xfrm>
+          <a:prstGeom prst="rect">
+            <a:avLst/>
+          </a:prstGeom>
+          <a:effectLst>
+            <a:outerShdw blurRad="25400" dir="17880000">
+              <a:srgbClr val="000000">
+                <a:alpha val="46000"/>
+              </a:srgbClr>
+            </a:outerShdw>
+          </a:effectLst>
+        </p:spPr>
+        <p:txBody>
+          <a:bodyPr vert="horz" lIns="91440" tIns="45720" rIns="91440" bIns="45720" rtlCol="0" anchor="t">
+            <a:normAutofit/>
+          </a:bodyPr>
+          <a:lstStyle>
+            <a:lvl1pPr marL="342900" indent="-306000" algn="l" defTabSz="457200" rtl="0" eaLnBrk="1" latinLnBrk="0" hangingPunct="1">
+              <a:lnSpc>
+                <a:spcPct val="110000"/>
+              </a:lnSpc>
+              <a:spcBef>
+                <a:spcPct val="20000"/>
+              </a:spcBef>
+              <a:spcAft>
+                <a:spcPts val="600"/>
+              </a:spcAft>
+              <a:buClr>
+                <a:schemeClr val="tx2"/>
+              </a:buClr>
+              <a:buSzPct val="70000"/>
+              <a:buFont typeface="Wingdings 2" charset="2"/>
+              <a:buChar char=""/>
+              <a:defRPr sz="2300" kern="1200">
+                <a:ln>
+                  <a:solidFill>
+                    <a:schemeClr val="bg1">
+                      <a:lumMod val="75000"/>
+                      <a:lumOff val="25000"/>
+                      <a:alpha val="10000"/>
+                    </a:schemeClr>
+                  </a:solidFill>
+                </a:ln>
+                <a:solidFill>
+                  <a:schemeClr val="tx2"/>
+                </a:solidFill>
+                <a:effectLst>
+                  <a:outerShdw blurRad="9525" dist="25400" dir="14640000" algn="tl" rotWithShape="0">
+                    <a:schemeClr val="bg1">
+                      <a:alpha val="30000"/>
+                    </a:schemeClr>
+                  </a:outerShdw>
+                </a:effectLst>
+                <a:latin typeface="+mn-lt"/>
+                <a:ea typeface="+mn-ea"/>
+                <a:cs typeface="+mn-cs"/>
+              </a:defRPr>
+            </a:lvl1pPr>
+            <a:lvl2pPr marL="720000" indent="-270000" algn="l" defTabSz="457200" rtl="0" eaLnBrk="1" latinLnBrk="0" hangingPunct="1">
+              <a:spcBef>
+                <a:spcPct val="20000"/>
+              </a:spcBef>
+              <a:spcAft>
+                <a:spcPts val="600"/>
+              </a:spcAft>
+              <a:buClr>
+                <a:schemeClr val="tx2"/>
+              </a:buClr>
+              <a:buSzPct val="70000"/>
+              <a:buFont typeface="Wingdings 2" charset="2"/>
+              <a:buChar char=""/>
+              <a:defRPr sz="2100" kern="1200">
+                <a:ln>
+                  <a:solidFill>
+                    <a:schemeClr val="bg1">
+                      <a:lumMod val="75000"/>
+                      <a:lumOff val="25000"/>
+                      <a:alpha val="10000"/>
+                    </a:schemeClr>
+                  </a:solidFill>
+                </a:ln>
+                <a:solidFill>
+                  <a:schemeClr val="tx2"/>
+                </a:solidFill>
+                <a:effectLst>
+                  <a:outerShdw blurRad="9525" dist="25400" dir="14640000" algn="tl" rotWithShape="0">
+                    <a:schemeClr val="bg1">
+                      <a:alpha val="30000"/>
+                    </a:schemeClr>
+                  </a:outerShdw>
+                </a:effectLst>
+                <a:latin typeface="+mn-lt"/>
+                <a:ea typeface="+mn-ea"/>
+                <a:cs typeface="+mn-cs"/>
+              </a:defRPr>
+            </a:lvl2pPr>
+            <a:lvl3pPr marL="1026000" indent="-216000" algn="l" defTabSz="457200" rtl="0" eaLnBrk="1" latinLnBrk="0" hangingPunct="1">
+              <a:spcBef>
+                <a:spcPct val="20000"/>
+              </a:spcBef>
+              <a:spcAft>
+                <a:spcPts val="600"/>
+              </a:spcAft>
+              <a:buClr>
+                <a:schemeClr val="tx2"/>
+              </a:buClr>
+              <a:buSzPct val="70000"/>
+              <a:buFont typeface="Wingdings 2" charset="2"/>
+              <a:buChar char=""/>
+              <a:defRPr sz="1800" kern="1200">
+                <a:ln>
+                  <a:solidFill>
+                    <a:schemeClr val="bg1">
+                      <a:lumMod val="75000"/>
+                      <a:lumOff val="25000"/>
+                      <a:alpha val="10000"/>
+                    </a:schemeClr>
+                  </a:solidFill>
+                </a:ln>
+                <a:solidFill>
+                  <a:schemeClr val="tx2"/>
+                </a:solidFill>
+                <a:effectLst>
+                  <a:outerShdw blurRad="9525" dist="25400" dir="14640000" algn="tl" rotWithShape="0">
+                    <a:schemeClr val="bg1">
+                      <a:alpha val="30000"/>
+                    </a:schemeClr>
+                  </a:outerShdw>
+                </a:effectLst>
+                <a:latin typeface="+mn-lt"/>
+                <a:ea typeface="+mn-ea"/>
+                <a:cs typeface="+mn-cs"/>
+              </a:defRPr>
+            </a:lvl3pPr>
+            <a:lvl4pPr marL="1386000" indent="-216000" algn="l" defTabSz="457200" rtl="0" eaLnBrk="1" latinLnBrk="0" hangingPunct="1">
+              <a:spcBef>
+                <a:spcPct val="20000"/>
+              </a:spcBef>
+              <a:spcAft>
+                <a:spcPts val="600"/>
+              </a:spcAft>
+              <a:buClr>
+                <a:schemeClr val="tx2"/>
+              </a:buClr>
+              <a:buSzPct val="70000"/>
+              <a:buFont typeface="Wingdings 2" charset="2"/>
+              <a:buChar char=""/>
+              <a:defRPr sz="1600" kern="1200">
+                <a:ln>
+                  <a:solidFill>
+                    <a:schemeClr val="bg1">
+                      <a:lumMod val="75000"/>
+                      <a:lumOff val="25000"/>
+                      <a:alpha val="10000"/>
+                    </a:schemeClr>
+                  </a:solidFill>
+                </a:ln>
+                <a:solidFill>
+                  <a:schemeClr val="tx2"/>
+                </a:solidFill>
+                <a:effectLst>
+                  <a:outerShdw blurRad="9525" dist="25400" dir="14640000" algn="tl" rotWithShape="0">
+                    <a:schemeClr val="bg1">
+                      <a:alpha val="30000"/>
+                    </a:schemeClr>
+                  </a:outerShdw>
+                </a:effectLst>
+                <a:latin typeface="+mn-lt"/>
+                <a:ea typeface="+mn-ea"/>
+                <a:cs typeface="+mn-cs"/>
+              </a:defRPr>
+            </a:lvl4pPr>
+            <a:lvl5pPr marL="1674000" indent="-216000" algn="l" defTabSz="457200" rtl="0" eaLnBrk="1" latinLnBrk="0" hangingPunct="1">
+              <a:spcBef>
+                <a:spcPct val="20000"/>
+              </a:spcBef>
+              <a:spcAft>
+                <a:spcPts val="600"/>
+              </a:spcAft>
+              <a:buClr>
+                <a:schemeClr val="tx2"/>
+              </a:buClr>
+              <a:buSzPct val="70000"/>
+              <a:buFont typeface="Wingdings 2" charset="2"/>
+              <a:buChar char=""/>
+              <a:defRPr sz="1600" kern="1200">
+                <a:ln>
+                  <a:solidFill>
+                    <a:schemeClr val="bg1">
+                      <a:lumMod val="75000"/>
+                      <a:lumOff val="25000"/>
+                      <a:alpha val="10000"/>
+                    </a:schemeClr>
+                  </a:solidFill>
+                </a:ln>
+                <a:solidFill>
+                  <a:schemeClr val="tx2"/>
+                </a:solidFill>
+                <a:effectLst>
+                  <a:outerShdw blurRad="9525" dist="25400" dir="14640000" algn="tl" rotWithShape="0">
+                    <a:schemeClr val="bg1">
+                      <a:alpha val="30000"/>
+                    </a:schemeClr>
+                  </a:outerShdw>
+                </a:effectLst>
+                <a:latin typeface="+mn-lt"/>
+                <a:ea typeface="+mn-ea"/>
+                <a:cs typeface="+mn-cs"/>
+              </a:defRPr>
+            </a:lvl5pPr>
+            <a:lvl6pPr marL="2014600" indent="-228600" algn="l" defTabSz="457200" rtl="0" eaLnBrk="1" latinLnBrk="0" hangingPunct="1">
+              <a:spcBef>
+                <a:spcPct val="20000"/>
+              </a:spcBef>
+              <a:spcAft>
+                <a:spcPts val="600"/>
+              </a:spcAft>
+              <a:buClr>
+                <a:schemeClr val="tx2"/>
+              </a:buClr>
+              <a:buSzPct val="70000"/>
+              <a:buFont typeface="Wingdings 2" charset="2"/>
+              <a:buChar char=""/>
+              <a:defRPr sz="1400" kern="1200">
+                <a:ln>
+                  <a:solidFill>
+                    <a:schemeClr val="bg1">
+                      <a:lumMod val="75000"/>
+                      <a:lumOff val="25000"/>
+                      <a:alpha val="10000"/>
+                    </a:schemeClr>
+                  </a:solidFill>
+                </a:ln>
+                <a:solidFill>
+                  <a:schemeClr val="tx2"/>
+                </a:solidFill>
+                <a:effectLst>
+                  <a:outerShdw blurRad="9525" dist="25400" dir="14640000" algn="tl" rotWithShape="0">
+                    <a:schemeClr val="bg1">
+                      <a:alpha val="30000"/>
+                    </a:schemeClr>
+                  </a:outerShdw>
+                </a:effectLst>
+                <a:latin typeface="+mn-lt"/>
+                <a:ea typeface="+mn-ea"/>
+                <a:cs typeface="+mn-cs"/>
+              </a:defRPr>
+            </a:lvl6pPr>
+            <a:lvl7pPr marL="2401800" indent="-228600" algn="l" defTabSz="457200" rtl="0" eaLnBrk="1" latinLnBrk="0" hangingPunct="1">
+              <a:spcBef>
+                <a:spcPct val="20000"/>
+              </a:spcBef>
+              <a:spcAft>
+                <a:spcPts val="600"/>
+              </a:spcAft>
+              <a:buClr>
+                <a:schemeClr val="tx2"/>
+              </a:buClr>
+              <a:buSzPct val="70000"/>
+              <a:buFont typeface="Wingdings 2" charset="2"/>
+              <a:buChar char=""/>
+              <a:defRPr sz="1400" kern="1200">
+                <a:ln>
+                  <a:solidFill>
+                    <a:schemeClr val="bg1">
+                      <a:lumMod val="75000"/>
+                      <a:lumOff val="25000"/>
+                      <a:alpha val="10000"/>
+                    </a:schemeClr>
+                  </a:solidFill>
+                </a:ln>
+                <a:solidFill>
+                  <a:schemeClr val="tx2"/>
+                </a:solidFill>
+                <a:effectLst>
+                  <a:outerShdw blurRad="9525" dist="25400" dir="14640000" algn="tl" rotWithShape="0">
+                    <a:schemeClr val="bg1">
+                      <a:alpha val="30000"/>
+                    </a:schemeClr>
+                  </a:outerShdw>
+                </a:effectLst>
+                <a:latin typeface="+mn-lt"/>
+                <a:ea typeface="+mn-ea"/>
+                <a:cs typeface="+mn-cs"/>
+              </a:defRPr>
+            </a:lvl7pPr>
+            <a:lvl8pPr marL="2789000" indent="-228600" algn="l" defTabSz="457200" rtl="0" eaLnBrk="1" latinLnBrk="0" hangingPunct="1">
+              <a:spcBef>
+                <a:spcPct val="20000"/>
+              </a:spcBef>
+              <a:spcAft>
+                <a:spcPts val="600"/>
+              </a:spcAft>
+              <a:buClr>
+                <a:schemeClr val="tx2"/>
+              </a:buClr>
+              <a:buSzPct val="70000"/>
+              <a:buFont typeface="Wingdings 2" charset="2"/>
+              <a:buChar char=""/>
+              <a:defRPr sz="1400" kern="1200">
+                <a:ln>
+                  <a:solidFill>
+                    <a:schemeClr val="bg1">
+                      <a:lumMod val="75000"/>
+                      <a:lumOff val="25000"/>
+                      <a:alpha val="10000"/>
+                    </a:schemeClr>
+                  </a:solidFill>
+                </a:ln>
+                <a:solidFill>
+                  <a:schemeClr val="tx2"/>
+                </a:solidFill>
+                <a:effectLst>
+                  <a:outerShdw blurRad="9525" dist="25400" dir="14640000" algn="tl" rotWithShape="0">
+                    <a:schemeClr val="bg1">
+                      <a:alpha val="30000"/>
+                    </a:schemeClr>
+                  </a:outerShdw>
+                </a:effectLst>
+                <a:latin typeface="+mn-lt"/>
+                <a:ea typeface="+mn-ea"/>
+                <a:cs typeface="+mn-cs"/>
+              </a:defRPr>
+            </a:lvl8pPr>
+            <a:lvl9pPr marL="3106200" indent="-228600" algn="l" defTabSz="457200" rtl="0" eaLnBrk="1" latinLnBrk="0" hangingPunct="1">
+              <a:spcBef>
+                <a:spcPct val="20000"/>
+              </a:spcBef>
+              <a:spcAft>
+                <a:spcPts val="600"/>
+              </a:spcAft>
+              <a:buClr>
+                <a:schemeClr val="tx2"/>
+              </a:buClr>
+              <a:buSzPct val="70000"/>
+              <a:buFont typeface="Wingdings 2" charset="2"/>
+              <a:buChar char=""/>
+              <a:defRPr sz="1400" kern="1200">
+                <a:ln>
+                  <a:solidFill>
+                    <a:schemeClr val="bg1">
+                      <a:lumMod val="75000"/>
+                      <a:lumOff val="25000"/>
+                      <a:alpha val="10000"/>
+                    </a:schemeClr>
+                  </a:solidFill>
+                </a:ln>
+                <a:solidFill>
+                  <a:schemeClr val="tx2"/>
+                </a:solidFill>
+                <a:effectLst>
+                  <a:outerShdw blurRad="9525" dist="25400" dir="14640000" algn="tl" rotWithShape="0">
+                    <a:schemeClr val="bg1">
+                      <a:alpha val="30000"/>
+                    </a:schemeClr>
+                  </a:outerShdw>
+                </a:effectLst>
+                <a:latin typeface="+mn-lt"/>
+                <a:ea typeface="+mn-ea"/>
+                <a:cs typeface="+mn-cs"/>
+              </a:defRPr>
+            </a:lvl9pPr>
+          </a:lstStyle>
+          <a:p>
+            <a:pPr marL="36900" indent="0">
+              <a:buNone/>
+            </a:pPr>
+            <a:r>
+              <a:rPr lang="sr-Latn-RS" dirty="0"/>
+              <a:t>Prvo izvršenje</a:t>
+            </a:r>
+          </a:p>
+        </p:txBody>
+      </p:sp>
+      <p:sp>
+        <p:nvSpPr>
+          <p:cNvPr id="6" name="Content Placeholder 6">
+            <a:extLst>
+              <a:ext uri="{FF2B5EF4-FFF2-40B4-BE49-F238E27FC236}">
+                <a16:creationId xmlns:a16="http://schemas.microsoft.com/office/drawing/2014/main" id="{131D794A-6144-4D5C-9405-759DC2402222}"/>
+              </a:ext>
+            </a:extLst>
+          </p:cNvPr>
+          <p:cNvSpPr txBox="1">
+            <a:spLocks/>
+          </p:cNvSpPr>
+          <p:nvPr/>
+        </p:nvSpPr>
+        <p:spPr>
+          <a:xfrm>
+            <a:off x="8001518" y="490833"/>
+            <a:ext cx="3794175" cy="604542"/>
+          </a:xfrm>
+          <a:prstGeom prst="rect">
+            <a:avLst/>
+          </a:prstGeom>
+          <a:effectLst>
+            <a:outerShdw blurRad="25400" dir="17880000">
+              <a:srgbClr val="000000">
+                <a:alpha val="46000"/>
+              </a:srgbClr>
+            </a:outerShdw>
+          </a:effectLst>
+        </p:spPr>
+        <p:txBody>
+          <a:bodyPr vert="horz" lIns="91440" tIns="45720" rIns="91440" bIns="45720" rtlCol="0" anchor="t">
+            <a:normAutofit/>
+          </a:bodyPr>
+          <a:lstStyle>
+            <a:lvl1pPr marL="342900" indent="-306000" algn="l" defTabSz="457200" rtl="0" eaLnBrk="1" latinLnBrk="0" hangingPunct="1">
+              <a:lnSpc>
+                <a:spcPct val="110000"/>
+              </a:lnSpc>
+              <a:spcBef>
+                <a:spcPct val="20000"/>
+              </a:spcBef>
+              <a:spcAft>
+                <a:spcPts val="600"/>
+              </a:spcAft>
+              <a:buClr>
+                <a:schemeClr val="tx2"/>
+              </a:buClr>
+              <a:buSzPct val="70000"/>
+              <a:buFont typeface="Wingdings 2" charset="2"/>
+              <a:buChar char=""/>
+              <a:defRPr sz="2300" kern="1200">
+                <a:ln>
+                  <a:solidFill>
+                    <a:schemeClr val="bg1">
+                      <a:lumMod val="75000"/>
+                      <a:lumOff val="25000"/>
+                      <a:alpha val="10000"/>
+                    </a:schemeClr>
+                  </a:solidFill>
+                </a:ln>
+                <a:solidFill>
+                  <a:schemeClr val="tx2"/>
+                </a:solidFill>
+                <a:effectLst>
+                  <a:outerShdw blurRad="9525" dist="25400" dir="14640000" algn="tl" rotWithShape="0">
+                    <a:schemeClr val="bg1">
+                      <a:alpha val="30000"/>
+                    </a:schemeClr>
+                  </a:outerShdw>
+                </a:effectLst>
+                <a:latin typeface="+mn-lt"/>
+                <a:ea typeface="+mn-ea"/>
+                <a:cs typeface="+mn-cs"/>
+              </a:defRPr>
+            </a:lvl1pPr>
+            <a:lvl2pPr marL="720000" indent="-270000" algn="l" defTabSz="457200" rtl="0" eaLnBrk="1" latinLnBrk="0" hangingPunct="1">
+              <a:spcBef>
+                <a:spcPct val="20000"/>
+              </a:spcBef>
+              <a:spcAft>
+                <a:spcPts val="600"/>
+              </a:spcAft>
+              <a:buClr>
+                <a:schemeClr val="tx2"/>
+              </a:buClr>
+              <a:buSzPct val="70000"/>
+              <a:buFont typeface="Wingdings 2" charset="2"/>
+              <a:buChar char=""/>
+              <a:defRPr sz="2100" kern="1200">
+                <a:ln>
+                  <a:solidFill>
+                    <a:schemeClr val="bg1">
+                      <a:lumMod val="75000"/>
+                      <a:lumOff val="25000"/>
+                      <a:alpha val="10000"/>
+                    </a:schemeClr>
+                  </a:solidFill>
+                </a:ln>
+                <a:solidFill>
+                  <a:schemeClr val="tx2"/>
+                </a:solidFill>
+                <a:effectLst>
+                  <a:outerShdw blurRad="9525" dist="25400" dir="14640000" algn="tl" rotWithShape="0">
+                    <a:schemeClr val="bg1">
+                      <a:alpha val="30000"/>
+                    </a:schemeClr>
+                  </a:outerShdw>
+                </a:effectLst>
+                <a:latin typeface="+mn-lt"/>
+                <a:ea typeface="+mn-ea"/>
+                <a:cs typeface="+mn-cs"/>
+              </a:defRPr>
+            </a:lvl2pPr>
+            <a:lvl3pPr marL="1026000" indent="-216000" algn="l" defTabSz="457200" rtl="0" eaLnBrk="1" latinLnBrk="0" hangingPunct="1">
+              <a:spcBef>
+                <a:spcPct val="20000"/>
+              </a:spcBef>
+              <a:spcAft>
+                <a:spcPts val="600"/>
+              </a:spcAft>
+              <a:buClr>
+                <a:schemeClr val="tx2"/>
+              </a:buClr>
+              <a:buSzPct val="70000"/>
+              <a:buFont typeface="Wingdings 2" charset="2"/>
+              <a:buChar char=""/>
+              <a:defRPr sz="1800" kern="1200">
+                <a:ln>
+                  <a:solidFill>
+                    <a:schemeClr val="bg1">
+                      <a:lumMod val="75000"/>
+                      <a:lumOff val="25000"/>
+                      <a:alpha val="10000"/>
+                    </a:schemeClr>
+                  </a:solidFill>
+                </a:ln>
+                <a:solidFill>
+                  <a:schemeClr val="tx2"/>
+                </a:solidFill>
+                <a:effectLst>
+                  <a:outerShdw blurRad="9525" dist="25400" dir="14640000" algn="tl" rotWithShape="0">
+                    <a:schemeClr val="bg1">
+                      <a:alpha val="30000"/>
+                    </a:schemeClr>
+                  </a:outerShdw>
+                </a:effectLst>
+                <a:latin typeface="+mn-lt"/>
+                <a:ea typeface="+mn-ea"/>
+                <a:cs typeface="+mn-cs"/>
+              </a:defRPr>
+            </a:lvl3pPr>
+            <a:lvl4pPr marL="1386000" indent="-216000" algn="l" defTabSz="457200" rtl="0" eaLnBrk="1" latinLnBrk="0" hangingPunct="1">
+              <a:spcBef>
+                <a:spcPct val="20000"/>
+              </a:spcBef>
+              <a:spcAft>
+                <a:spcPts val="600"/>
+              </a:spcAft>
+              <a:buClr>
+                <a:schemeClr val="tx2"/>
+              </a:buClr>
+              <a:buSzPct val="70000"/>
+              <a:buFont typeface="Wingdings 2" charset="2"/>
+              <a:buChar char=""/>
+              <a:defRPr sz="1600" kern="1200">
+                <a:ln>
+                  <a:solidFill>
+                    <a:schemeClr val="bg1">
+                      <a:lumMod val="75000"/>
+                      <a:lumOff val="25000"/>
+                      <a:alpha val="10000"/>
+                    </a:schemeClr>
+                  </a:solidFill>
+                </a:ln>
+                <a:solidFill>
+                  <a:schemeClr val="tx2"/>
+                </a:solidFill>
+                <a:effectLst>
+                  <a:outerShdw blurRad="9525" dist="25400" dir="14640000" algn="tl" rotWithShape="0">
+                    <a:schemeClr val="bg1">
+                      <a:alpha val="30000"/>
+                    </a:schemeClr>
+                  </a:outerShdw>
+                </a:effectLst>
+                <a:latin typeface="+mn-lt"/>
+                <a:ea typeface="+mn-ea"/>
+                <a:cs typeface="+mn-cs"/>
+              </a:defRPr>
+            </a:lvl4pPr>
+            <a:lvl5pPr marL="1674000" indent="-216000" algn="l" defTabSz="457200" rtl="0" eaLnBrk="1" latinLnBrk="0" hangingPunct="1">
+              <a:spcBef>
+                <a:spcPct val="20000"/>
+              </a:spcBef>
+              <a:spcAft>
+                <a:spcPts val="600"/>
+              </a:spcAft>
+              <a:buClr>
+                <a:schemeClr val="tx2"/>
+              </a:buClr>
+              <a:buSzPct val="70000"/>
+              <a:buFont typeface="Wingdings 2" charset="2"/>
+              <a:buChar char=""/>
+              <a:defRPr sz="1600" kern="1200">
+                <a:ln>
+                  <a:solidFill>
+                    <a:schemeClr val="bg1">
+                      <a:lumMod val="75000"/>
+                      <a:lumOff val="25000"/>
+                      <a:alpha val="10000"/>
+                    </a:schemeClr>
+                  </a:solidFill>
+                </a:ln>
+                <a:solidFill>
+                  <a:schemeClr val="tx2"/>
+                </a:solidFill>
+                <a:effectLst>
+                  <a:outerShdw blurRad="9525" dist="25400" dir="14640000" algn="tl" rotWithShape="0">
+                    <a:schemeClr val="bg1">
+                      <a:alpha val="30000"/>
+                    </a:schemeClr>
+                  </a:outerShdw>
+                </a:effectLst>
+                <a:latin typeface="+mn-lt"/>
+                <a:ea typeface="+mn-ea"/>
+                <a:cs typeface="+mn-cs"/>
+              </a:defRPr>
+            </a:lvl5pPr>
+            <a:lvl6pPr marL="2014600" indent="-228600" algn="l" defTabSz="457200" rtl="0" eaLnBrk="1" latinLnBrk="0" hangingPunct="1">
+              <a:spcBef>
+                <a:spcPct val="20000"/>
+              </a:spcBef>
+              <a:spcAft>
+                <a:spcPts val="600"/>
+              </a:spcAft>
+              <a:buClr>
+                <a:schemeClr val="tx2"/>
+              </a:buClr>
+              <a:buSzPct val="70000"/>
+              <a:buFont typeface="Wingdings 2" charset="2"/>
+              <a:buChar char=""/>
+              <a:defRPr sz="1400" kern="1200">
+                <a:ln>
+                  <a:solidFill>
+                    <a:schemeClr val="bg1">
+                      <a:lumMod val="75000"/>
+                      <a:lumOff val="25000"/>
+                      <a:alpha val="10000"/>
+                    </a:schemeClr>
+                  </a:solidFill>
+                </a:ln>
+                <a:solidFill>
+                  <a:schemeClr val="tx2"/>
+                </a:solidFill>
+                <a:effectLst>
+                  <a:outerShdw blurRad="9525" dist="25400" dir="14640000" algn="tl" rotWithShape="0">
+                    <a:schemeClr val="bg1">
+                      <a:alpha val="30000"/>
+                    </a:schemeClr>
+                  </a:outerShdw>
+                </a:effectLst>
+                <a:latin typeface="+mn-lt"/>
+                <a:ea typeface="+mn-ea"/>
+                <a:cs typeface="+mn-cs"/>
+              </a:defRPr>
+            </a:lvl6pPr>
+            <a:lvl7pPr marL="2401800" indent="-228600" algn="l" defTabSz="457200" rtl="0" eaLnBrk="1" latinLnBrk="0" hangingPunct="1">
+              <a:spcBef>
+                <a:spcPct val="20000"/>
+              </a:spcBef>
+              <a:spcAft>
+                <a:spcPts val="600"/>
+              </a:spcAft>
+              <a:buClr>
+                <a:schemeClr val="tx2"/>
+              </a:buClr>
+              <a:buSzPct val="70000"/>
+              <a:buFont typeface="Wingdings 2" charset="2"/>
+              <a:buChar char=""/>
+              <a:defRPr sz="1400" kern="1200">
+                <a:ln>
+                  <a:solidFill>
+                    <a:schemeClr val="bg1">
+                      <a:lumMod val="75000"/>
+                      <a:lumOff val="25000"/>
+                      <a:alpha val="10000"/>
+                    </a:schemeClr>
+                  </a:solidFill>
+                </a:ln>
+                <a:solidFill>
+                  <a:schemeClr val="tx2"/>
+                </a:solidFill>
+                <a:effectLst>
+                  <a:outerShdw blurRad="9525" dist="25400" dir="14640000" algn="tl" rotWithShape="0">
+                    <a:schemeClr val="bg1">
+                      <a:alpha val="30000"/>
+                    </a:schemeClr>
+                  </a:outerShdw>
+                </a:effectLst>
+                <a:latin typeface="+mn-lt"/>
+                <a:ea typeface="+mn-ea"/>
+                <a:cs typeface="+mn-cs"/>
+              </a:defRPr>
+            </a:lvl7pPr>
+            <a:lvl8pPr marL="2789000" indent="-228600" algn="l" defTabSz="457200" rtl="0" eaLnBrk="1" latinLnBrk="0" hangingPunct="1">
+              <a:spcBef>
+                <a:spcPct val="20000"/>
+              </a:spcBef>
+              <a:spcAft>
+                <a:spcPts val="600"/>
+              </a:spcAft>
+              <a:buClr>
+                <a:schemeClr val="tx2"/>
+              </a:buClr>
+              <a:buSzPct val="70000"/>
+              <a:buFont typeface="Wingdings 2" charset="2"/>
+              <a:buChar char=""/>
+              <a:defRPr sz="1400" kern="1200">
+                <a:ln>
+                  <a:solidFill>
+                    <a:schemeClr val="bg1">
+                      <a:lumMod val="75000"/>
+                      <a:lumOff val="25000"/>
+                      <a:alpha val="10000"/>
+                    </a:schemeClr>
+                  </a:solidFill>
+                </a:ln>
+                <a:solidFill>
+                  <a:schemeClr val="tx2"/>
+                </a:solidFill>
+                <a:effectLst>
+                  <a:outerShdw blurRad="9525" dist="25400" dir="14640000" algn="tl" rotWithShape="0">
+                    <a:schemeClr val="bg1">
+                      <a:alpha val="30000"/>
+                    </a:schemeClr>
+                  </a:outerShdw>
+                </a:effectLst>
+                <a:latin typeface="+mn-lt"/>
+                <a:ea typeface="+mn-ea"/>
+                <a:cs typeface="+mn-cs"/>
+              </a:defRPr>
+            </a:lvl8pPr>
+            <a:lvl9pPr marL="3106200" indent="-228600" algn="l" defTabSz="457200" rtl="0" eaLnBrk="1" latinLnBrk="0" hangingPunct="1">
+              <a:spcBef>
+                <a:spcPct val="20000"/>
+              </a:spcBef>
+              <a:spcAft>
+                <a:spcPts val="600"/>
+              </a:spcAft>
+              <a:buClr>
+                <a:schemeClr val="tx2"/>
+              </a:buClr>
+              <a:buSzPct val="70000"/>
+              <a:buFont typeface="Wingdings 2" charset="2"/>
+              <a:buChar char=""/>
+              <a:defRPr sz="1400" kern="1200">
+                <a:ln>
+                  <a:solidFill>
+                    <a:schemeClr val="bg1">
+                      <a:lumMod val="75000"/>
+                      <a:lumOff val="25000"/>
+                      <a:alpha val="10000"/>
+                    </a:schemeClr>
+                  </a:solidFill>
+                </a:ln>
+                <a:solidFill>
+                  <a:schemeClr val="tx2"/>
+                </a:solidFill>
+                <a:effectLst>
+                  <a:outerShdw blurRad="9525" dist="25400" dir="14640000" algn="tl" rotWithShape="0">
+                    <a:schemeClr val="bg1">
+                      <a:alpha val="30000"/>
+                    </a:schemeClr>
+                  </a:outerShdw>
+                </a:effectLst>
+                <a:latin typeface="+mn-lt"/>
+                <a:ea typeface="+mn-ea"/>
+                <a:cs typeface="+mn-cs"/>
+              </a:defRPr>
+            </a:lvl9pPr>
+          </a:lstStyle>
+          <a:p>
+            <a:pPr marL="36900" indent="0">
+              <a:buNone/>
+            </a:pPr>
+            <a:r>
+              <a:rPr lang="sr-Latn-RS" dirty="0"/>
+              <a:t>Drugo izvršenje</a:t>
+            </a:r>
+          </a:p>
+        </p:txBody>
+      </p:sp>
+      <p:sp>
+        <p:nvSpPr>
+          <p:cNvPr id="8" name="Content Placeholder 6">
+            <a:extLst>
+              <a:ext uri="{FF2B5EF4-FFF2-40B4-BE49-F238E27FC236}">
+                <a16:creationId xmlns:a16="http://schemas.microsoft.com/office/drawing/2014/main" id="{3B77AEBC-F889-45C6-8DDA-9DDCC53F9E36}"/>
+              </a:ext>
+            </a:extLst>
+          </p:cNvPr>
+          <p:cNvSpPr txBox="1">
+            <a:spLocks/>
+          </p:cNvSpPr>
+          <p:nvPr/>
+        </p:nvSpPr>
+        <p:spPr>
+          <a:xfrm>
+            <a:off x="4177751" y="6050313"/>
+            <a:ext cx="3794175" cy="604542"/>
+          </a:xfrm>
+          <a:prstGeom prst="rect">
+            <a:avLst/>
+          </a:prstGeom>
+          <a:effectLst>
+            <a:outerShdw blurRad="25400" dir="17880000">
+              <a:srgbClr val="000000">
+                <a:alpha val="46000"/>
+              </a:srgbClr>
+            </a:outerShdw>
+          </a:effectLst>
+        </p:spPr>
+        <p:txBody>
+          <a:bodyPr vert="horz" lIns="91440" tIns="45720" rIns="91440" bIns="45720" rtlCol="0" anchor="t">
+            <a:normAutofit/>
+          </a:bodyPr>
+          <a:lstStyle>
+            <a:lvl1pPr marL="342900" indent="-306000" algn="l" defTabSz="457200" rtl="0" eaLnBrk="1" latinLnBrk="0" hangingPunct="1">
+              <a:lnSpc>
+                <a:spcPct val="110000"/>
+              </a:lnSpc>
+              <a:spcBef>
+                <a:spcPct val="20000"/>
+              </a:spcBef>
+              <a:spcAft>
+                <a:spcPts val="600"/>
+              </a:spcAft>
+              <a:buClr>
+                <a:schemeClr val="tx2"/>
+              </a:buClr>
+              <a:buSzPct val="70000"/>
+              <a:buFont typeface="Wingdings 2" charset="2"/>
+              <a:buChar char=""/>
+              <a:defRPr sz="2300" kern="1200">
+                <a:ln>
+                  <a:solidFill>
+                    <a:schemeClr val="bg1">
+                      <a:lumMod val="75000"/>
+                      <a:lumOff val="25000"/>
+                      <a:alpha val="10000"/>
+                    </a:schemeClr>
+                  </a:solidFill>
+                </a:ln>
+                <a:solidFill>
+                  <a:schemeClr val="tx2"/>
+                </a:solidFill>
+                <a:effectLst>
+                  <a:outerShdw blurRad="9525" dist="25400" dir="14640000" algn="tl" rotWithShape="0">
+                    <a:schemeClr val="bg1">
+                      <a:alpha val="30000"/>
+                    </a:schemeClr>
+                  </a:outerShdw>
+                </a:effectLst>
+                <a:latin typeface="+mn-lt"/>
+                <a:ea typeface="+mn-ea"/>
+                <a:cs typeface="+mn-cs"/>
+              </a:defRPr>
+            </a:lvl1pPr>
+            <a:lvl2pPr marL="720000" indent="-270000" algn="l" defTabSz="457200" rtl="0" eaLnBrk="1" latinLnBrk="0" hangingPunct="1">
+              <a:spcBef>
+                <a:spcPct val="20000"/>
+              </a:spcBef>
+              <a:spcAft>
+                <a:spcPts val="600"/>
+              </a:spcAft>
+              <a:buClr>
+                <a:schemeClr val="tx2"/>
+              </a:buClr>
+              <a:buSzPct val="70000"/>
+              <a:buFont typeface="Wingdings 2" charset="2"/>
+              <a:buChar char=""/>
+              <a:defRPr sz="2100" kern="1200">
+                <a:ln>
+                  <a:solidFill>
+                    <a:schemeClr val="bg1">
+                      <a:lumMod val="75000"/>
+                      <a:lumOff val="25000"/>
+                      <a:alpha val="10000"/>
+                    </a:schemeClr>
+                  </a:solidFill>
+                </a:ln>
+                <a:solidFill>
+                  <a:schemeClr val="tx2"/>
+                </a:solidFill>
+                <a:effectLst>
+                  <a:outerShdw blurRad="9525" dist="25400" dir="14640000" algn="tl" rotWithShape="0">
+                    <a:schemeClr val="bg1">
+                      <a:alpha val="30000"/>
+                    </a:schemeClr>
+                  </a:outerShdw>
+                </a:effectLst>
+                <a:latin typeface="+mn-lt"/>
+                <a:ea typeface="+mn-ea"/>
+                <a:cs typeface="+mn-cs"/>
+              </a:defRPr>
+            </a:lvl2pPr>
+            <a:lvl3pPr marL="1026000" indent="-216000" algn="l" defTabSz="457200" rtl="0" eaLnBrk="1" latinLnBrk="0" hangingPunct="1">
+              <a:spcBef>
+                <a:spcPct val="20000"/>
+              </a:spcBef>
+              <a:spcAft>
+                <a:spcPts val="600"/>
+              </a:spcAft>
+              <a:buClr>
+                <a:schemeClr val="tx2"/>
+              </a:buClr>
+              <a:buSzPct val="70000"/>
+              <a:buFont typeface="Wingdings 2" charset="2"/>
+              <a:buChar char=""/>
+              <a:defRPr sz="1800" kern="1200">
+                <a:ln>
+                  <a:solidFill>
+                    <a:schemeClr val="bg1">
+                      <a:lumMod val="75000"/>
+                      <a:lumOff val="25000"/>
+                      <a:alpha val="10000"/>
+                    </a:schemeClr>
+                  </a:solidFill>
+                </a:ln>
+                <a:solidFill>
+                  <a:schemeClr val="tx2"/>
+                </a:solidFill>
+                <a:effectLst>
+                  <a:outerShdw blurRad="9525" dist="25400" dir="14640000" algn="tl" rotWithShape="0">
+                    <a:schemeClr val="bg1">
+                      <a:alpha val="30000"/>
+                    </a:schemeClr>
+                  </a:outerShdw>
+                </a:effectLst>
+                <a:latin typeface="+mn-lt"/>
+                <a:ea typeface="+mn-ea"/>
+                <a:cs typeface="+mn-cs"/>
+              </a:defRPr>
+            </a:lvl3pPr>
+            <a:lvl4pPr marL="1386000" indent="-216000" algn="l" defTabSz="457200" rtl="0" eaLnBrk="1" latinLnBrk="0" hangingPunct="1">
+              <a:spcBef>
+                <a:spcPct val="20000"/>
+              </a:spcBef>
+              <a:spcAft>
+                <a:spcPts val="600"/>
+              </a:spcAft>
+              <a:buClr>
+                <a:schemeClr val="tx2"/>
+              </a:buClr>
+              <a:buSzPct val="70000"/>
+              <a:buFont typeface="Wingdings 2" charset="2"/>
+              <a:buChar char=""/>
+              <a:defRPr sz="1600" kern="1200">
+                <a:ln>
+                  <a:solidFill>
+                    <a:schemeClr val="bg1">
+                      <a:lumMod val="75000"/>
+                      <a:lumOff val="25000"/>
+                      <a:alpha val="10000"/>
+                    </a:schemeClr>
+                  </a:solidFill>
+                </a:ln>
+                <a:solidFill>
+                  <a:schemeClr val="tx2"/>
+                </a:solidFill>
+                <a:effectLst>
+                  <a:outerShdw blurRad="9525" dist="25400" dir="14640000" algn="tl" rotWithShape="0">
+                    <a:schemeClr val="bg1">
+                      <a:alpha val="30000"/>
+                    </a:schemeClr>
+                  </a:outerShdw>
+                </a:effectLst>
+                <a:latin typeface="+mn-lt"/>
+                <a:ea typeface="+mn-ea"/>
+                <a:cs typeface="+mn-cs"/>
+              </a:defRPr>
+            </a:lvl4pPr>
+            <a:lvl5pPr marL="1674000" indent="-216000" algn="l" defTabSz="457200" rtl="0" eaLnBrk="1" latinLnBrk="0" hangingPunct="1">
+              <a:spcBef>
+                <a:spcPct val="20000"/>
+              </a:spcBef>
+              <a:spcAft>
+                <a:spcPts val="600"/>
+              </a:spcAft>
+              <a:buClr>
+                <a:schemeClr val="tx2"/>
+              </a:buClr>
+              <a:buSzPct val="70000"/>
+              <a:buFont typeface="Wingdings 2" charset="2"/>
+              <a:buChar char=""/>
+              <a:defRPr sz="1600" kern="1200">
+                <a:ln>
+                  <a:solidFill>
+                    <a:schemeClr val="bg1">
+                      <a:lumMod val="75000"/>
+                      <a:lumOff val="25000"/>
+                      <a:alpha val="10000"/>
+                    </a:schemeClr>
+                  </a:solidFill>
+                </a:ln>
+                <a:solidFill>
+                  <a:schemeClr val="tx2"/>
+                </a:solidFill>
+                <a:effectLst>
+                  <a:outerShdw blurRad="9525" dist="25400" dir="14640000" algn="tl" rotWithShape="0">
+                    <a:schemeClr val="bg1">
+                      <a:alpha val="30000"/>
+                    </a:schemeClr>
+                  </a:outerShdw>
+                </a:effectLst>
+                <a:latin typeface="+mn-lt"/>
+                <a:ea typeface="+mn-ea"/>
+                <a:cs typeface="+mn-cs"/>
+              </a:defRPr>
+            </a:lvl5pPr>
+            <a:lvl6pPr marL="2014600" indent="-228600" algn="l" defTabSz="457200" rtl="0" eaLnBrk="1" latinLnBrk="0" hangingPunct="1">
+              <a:spcBef>
+                <a:spcPct val="20000"/>
+              </a:spcBef>
+              <a:spcAft>
+                <a:spcPts val="600"/>
+              </a:spcAft>
+              <a:buClr>
+                <a:schemeClr val="tx2"/>
+              </a:buClr>
+              <a:buSzPct val="70000"/>
+              <a:buFont typeface="Wingdings 2" charset="2"/>
+              <a:buChar char=""/>
+              <a:defRPr sz="1400" kern="1200">
+                <a:ln>
+                  <a:solidFill>
+                    <a:schemeClr val="bg1">
+                      <a:lumMod val="75000"/>
+                      <a:lumOff val="25000"/>
+                      <a:alpha val="10000"/>
+                    </a:schemeClr>
+                  </a:solidFill>
+                </a:ln>
+                <a:solidFill>
+                  <a:schemeClr val="tx2"/>
+                </a:solidFill>
+                <a:effectLst>
+                  <a:outerShdw blurRad="9525" dist="25400" dir="14640000" algn="tl" rotWithShape="0">
+                    <a:schemeClr val="bg1">
+                      <a:alpha val="30000"/>
+                    </a:schemeClr>
+                  </a:outerShdw>
+                </a:effectLst>
+                <a:latin typeface="+mn-lt"/>
+                <a:ea typeface="+mn-ea"/>
+                <a:cs typeface="+mn-cs"/>
+              </a:defRPr>
+            </a:lvl6pPr>
+            <a:lvl7pPr marL="2401800" indent="-228600" algn="l" defTabSz="457200" rtl="0" eaLnBrk="1" latinLnBrk="0" hangingPunct="1">
+              <a:spcBef>
+                <a:spcPct val="20000"/>
+              </a:spcBef>
+              <a:spcAft>
+                <a:spcPts val="600"/>
+              </a:spcAft>
+              <a:buClr>
+                <a:schemeClr val="tx2"/>
+              </a:buClr>
+              <a:buSzPct val="70000"/>
+              <a:buFont typeface="Wingdings 2" charset="2"/>
+              <a:buChar char=""/>
+              <a:defRPr sz="1400" kern="1200">
+                <a:ln>
+                  <a:solidFill>
+                    <a:schemeClr val="bg1">
+                      <a:lumMod val="75000"/>
+                      <a:lumOff val="25000"/>
+                      <a:alpha val="10000"/>
+                    </a:schemeClr>
+                  </a:solidFill>
+                </a:ln>
+                <a:solidFill>
+                  <a:schemeClr val="tx2"/>
+                </a:solidFill>
+                <a:effectLst>
+                  <a:outerShdw blurRad="9525" dist="25400" dir="14640000" algn="tl" rotWithShape="0">
+                    <a:schemeClr val="bg1">
+                      <a:alpha val="30000"/>
+                    </a:schemeClr>
+                  </a:outerShdw>
+                </a:effectLst>
+                <a:latin typeface="+mn-lt"/>
+                <a:ea typeface="+mn-ea"/>
+                <a:cs typeface="+mn-cs"/>
+              </a:defRPr>
+            </a:lvl7pPr>
+            <a:lvl8pPr marL="2789000" indent="-228600" algn="l" defTabSz="457200" rtl="0" eaLnBrk="1" latinLnBrk="0" hangingPunct="1">
+              <a:spcBef>
+                <a:spcPct val="20000"/>
+              </a:spcBef>
+              <a:spcAft>
+                <a:spcPts val="600"/>
+              </a:spcAft>
+              <a:buClr>
+                <a:schemeClr val="tx2"/>
+              </a:buClr>
+              <a:buSzPct val="70000"/>
+              <a:buFont typeface="Wingdings 2" charset="2"/>
+              <a:buChar char=""/>
+              <a:defRPr sz="1400" kern="1200">
+                <a:ln>
+                  <a:solidFill>
+                    <a:schemeClr val="bg1">
+                      <a:lumMod val="75000"/>
+                      <a:lumOff val="25000"/>
+                      <a:alpha val="10000"/>
+                    </a:schemeClr>
+                  </a:solidFill>
+                </a:ln>
+                <a:solidFill>
+                  <a:schemeClr val="tx2"/>
+                </a:solidFill>
+                <a:effectLst>
+                  <a:outerShdw blurRad="9525" dist="25400" dir="14640000" algn="tl" rotWithShape="0">
+                    <a:schemeClr val="bg1">
+                      <a:alpha val="30000"/>
+                    </a:schemeClr>
+                  </a:outerShdw>
+                </a:effectLst>
+                <a:latin typeface="+mn-lt"/>
+                <a:ea typeface="+mn-ea"/>
+                <a:cs typeface="+mn-cs"/>
+              </a:defRPr>
+            </a:lvl8pPr>
+            <a:lvl9pPr marL="3106200" indent="-228600" algn="l" defTabSz="457200" rtl="0" eaLnBrk="1" latinLnBrk="0" hangingPunct="1">
+              <a:spcBef>
+                <a:spcPct val="20000"/>
+              </a:spcBef>
+              <a:spcAft>
+                <a:spcPts val="600"/>
+              </a:spcAft>
+              <a:buClr>
+                <a:schemeClr val="tx2"/>
+              </a:buClr>
+              <a:buSzPct val="70000"/>
+              <a:buFont typeface="Wingdings 2" charset="2"/>
+              <a:buChar char=""/>
+              <a:defRPr sz="1400" kern="1200">
+                <a:ln>
+                  <a:solidFill>
+                    <a:schemeClr val="bg1">
+                      <a:lumMod val="75000"/>
+                      <a:lumOff val="25000"/>
+                      <a:alpha val="10000"/>
+                    </a:schemeClr>
+                  </a:solidFill>
+                </a:ln>
+                <a:solidFill>
+                  <a:schemeClr val="tx2"/>
+                </a:solidFill>
+                <a:effectLst>
+                  <a:outerShdw blurRad="9525" dist="25400" dir="14640000" algn="tl" rotWithShape="0">
+                    <a:schemeClr val="bg1">
+                      <a:alpha val="30000"/>
+                    </a:schemeClr>
+                  </a:outerShdw>
+                </a:effectLst>
+                <a:latin typeface="+mn-lt"/>
+                <a:ea typeface="+mn-ea"/>
+                <a:cs typeface="+mn-cs"/>
+              </a:defRPr>
+            </a:lvl9pPr>
+          </a:lstStyle>
+          <a:p>
+            <a:pPr marL="36900" indent="0">
+              <a:buNone/>
+            </a:pPr>
+            <a:r>
+              <a:rPr lang="sr-Latn-RS" dirty="0"/>
+              <a:t>Verzije sistema starije od 2017.</a:t>
+            </a:r>
+          </a:p>
+        </p:txBody>
+      </p:sp>
+    </p:spTree>
+    <p:extLst>
+      <p:ext uri="{BB962C8B-B14F-4D97-AF65-F5344CB8AC3E}">
+        <p14:creationId xmlns:p14="http://schemas.microsoft.com/office/powerpoint/2010/main" val="1808246652"/>
+      </p:ext>
+    </p:extLst>
+  </p:cSld>
+  <p:clrMapOvr>
+    <a:masterClrMapping/>
+  </p:clrMapOvr>
+</p:sld>
+</file>
+
+<file path=ppt/slides/slide17.xml><?xml version="1.0" encoding="utf-8"?>
+<p:sld xmlns:a="http://schemas.openxmlformats.org/drawingml/2006/main" xmlns:r="http://schemas.openxmlformats.org/officeDocument/2006/relationships" xmlns:p="http://schemas.openxmlformats.org/presentationml/2006/main">
+  <p:cSld>
+    <p:bg>
+      <p:bgPr>
+        <a:blipFill rotWithShape="1">
+          <a:blip r:embed="rId2">
+            <a:duotone>
+              <a:schemeClr val="bg1">
+                <a:shade val="80000"/>
+                <a:lumMod val="80000"/>
+              </a:schemeClr>
+              <a:schemeClr val="bg1">
+                <a:tint val="98000"/>
+              </a:schemeClr>
+            </a:duotone>
+          </a:blip>
+          <a:stretch/>
+        </a:blipFill>
+        <a:effectLst/>
+      </p:bgPr>
+    </p:bg>
+    <p:spTree>
+      <p:nvGrpSpPr>
+        <p:cNvPr id="1" name=""/>
+        <p:cNvGrpSpPr/>
+        <p:nvPr/>
+      </p:nvGrpSpPr>
+      <p:grpSpPr>
+        <a:xfrm>
+          <a:off x="0" y="0"/>
+          <a:ext cx="0" cy="0"/>
+          <a:chOff x="0" y="0"/>
+          <a:chExt cx="0" cy="0"/>
+        </a:xfrm>
+      </p:grpSpPr>
+      <p:sp>
+        <p:nvSpPr>
+          <p:cNvPr id="5" name="Content Placeholder 6">
+            <a:extLst>
+              <a:ext uri="{FF2B5EF4-FFF2-40B4-BE49-F238E27FC236}">
+                <a16:creationId xmlns:a16="http://schemas.microsoft.com/office/drawing/2014/main" id="{6EE1B009-2CFA-4908-A3EB-1371AFCF2808}"/>
+              </a:ext>
+            </a:extLst>
+          </p:cNvPr>
+          <p:cNvSpPr txBox="1">
+            <a:spLocks/>
+          </p:cNvSpPr>
+          <p:nvPr/>
+        </p:nvSpPr>
+        <p:spPr>
+          <a:xfrm>
+            <a:off x="1829318" y="505416"/>
+            <a:ext cx="3794175" cy="604542"/>
+          </a:xfrm>
+          <a:prstGeom prst="rect">
+            <a:avLst/>
+          </a:prstGeom>
+          <a:effectLst>
+            <a:outerShdw blurRad="25400" dir="17880000">
+              <a:srgbClr val="000000">
+                <a:alpha val="46000"/>
+              </a:srgbClr>
+            </a:outerShdw>
+          </a:effectLst>
+        </p:spPr>
+        <p:txBody>
+          <a:bodyPr vert="horz" lIns="91440" tIns="45720" rIns="91440" bIns="45720" rtlCol="0" anchor="t">
+            <a:normAutofit/>
+          </a:bodyPr>
+          <a:lstStyle>
+            <a:lvl1pPr marL="342900" indent="-306000" algn="l" defTabSz="457200" rtl="0" eaLnBrk="1" latinLnBrk="0" hangingPunct="1">
+              <a:lnSpc>
+                <a:spcPct val="110000"/>
+              </a:lnSpc>
+              <a:spcBef>
+                <a:spcPct val="20000"/>
+              </a:spcBef>
+              <a:spcAft>
+                <a:spcPts val="600"/>
+              </a:spcAft>
+              <a:buClr>
+                <a:schemeClr val="tx2"/>
+              </a:buClr>
+              <a:buSzPct val="70000"/>
+              <a:buFont typeface="Wingdings 2" charset="2"/>
+              <a:buChar char=""/>
+              <a:defRPr sz="2300" kern="1200">
+                <a:ln>
+                  <a:solidFill>
+                    <a:schemeClr val="bg1">
+                      <a:lumMod val="75000"/>
+                      <a:lumOff val="25000"/>
+                      <a:alpha val="10000"/>
+                    </a:schemeClr>
+                  </a:solidFill>
+                </a:ln>
+                <a:solidFill>
+                  <a:schemeClr val="tx2"/>
+                </a:solidFill>
+                <a:effectLst>
+                  <a:outerShdw blurRad="9525" dist="25400" dir="14640000" algn="tl" rotWithShape="0">
+                    <a:schemeClr val="bg1">
+                      <a:alpha val="30000"/>
+                    </a:schemeClr>
+                  </a:outerShdw>
+                </a:effectLst>
+                <a:latin typeface="+mn-lt"/>
+                <a:ea typeface="+mn-ea"/>
+                <a:cs typeface="+mn-cs"/>
+              </a:defRPr>
+            </a:lvl1pPr>
+            <a:lvl2pPr marL="720000" indent="-270000" algn="l" defTabSz="457200" rtl="0" eaLnBrk="1" latinLnBrk="0" hangingPunct="1">
+              <a:spcBef>
+                <a:spcPct val="20000"/>
+              </a:spcBef>
+              <a:spcAft>
+                <a:spcPts val="600"/>
+              </a:spcAft>
+              <a:buClr>
+                <a:schemeClr val="tx2"/>
+              </a:buClr>
+              <a:buSzPct val="70000"/>
+              <a:buFont typeface="Wingdings 2" charset="2"/>
+              <a:buChar char=""/>
+              <a:defRPr sz="2100" kern="1200">
+                <a:ln>
+                  <a:solidFill>
+                    <a:schemeClr val="bg1">
+                      <a:lumMod val="75000"/>
+                      <a:lumOff val="25000"/>
+                      <a:alpha val="10000"/>
+                    </a:schemeClr>
+                  </a:solidFill>
+                </a:ln>
+                <a:solidFill>
+                  <a:schemeClr val="tx2"/>
+                </a:solidFill>
+                <a:effectLst>
+                  <a:outerShdw blurRad="9525" dist="25400" dir="14640000" algn="tl" rotWithShape="0">
+                    <a:schemeClr val="bg1">
+                      <a:alpha val="30000"/>
+                    </a:schemeClr>
+                  </a:outerShdw>
+                </a:effectLst>
+                <a:latin typeface="+mn-lt"/>
+                <a:ea typeface="+mn-ea"/>
+                <a:cs typeface="+mn-cs"/>
+              </a:defRPr>
+            </a:lvl2pPr>
+            <a:lvl3pPr marL="1026000" indent="-216000" algn="l" defTabSz="457200" rtl="0" eaLnBrk="1" latinLnBrk="0" hangingPunct="1">
+              <a:spcBef>
+                <a:spcPct val="20000"/>
+              </a:spcBef>
+              <a:spcAft>
+                <a:spcPts val="600"/>
+              </a:spcAft>
+              <a:buClr>
+                <a:schemeClr val="tx2"/>
+              </a:buClr>
+              <a:buSzPct val="70000"/>
+              <a:buFont typeface="Wingdings 2" charset="2"/>
+              <a:buChar char=""/>
+              <a:defRPr sz="1800" kern="1200">
+                <a:ln>
+                  <a:solidFill>
+                    <a:schemeClr val="bg1">
+                      <a:lumMod val="75000"/>
+                      <a:lumOff val="25000"/>
+                      <a:alpha val="10000"/>
+                    </a:schemeClr>
+                  </a:solidFill>
+                </a:ln>
+                <a:solidFill>
+                  <a:schemeClr val="tx2"/>
+                </a:solidFill>
+                <a:effectLst>
+                  <a:outerShdw blurRad="9525" dist="25400" dir="14640000" algn="tl" rotWithShape="0">
+                    <a:schemeClr val="bg1">
+                      <a:alpha val="30000"/>
+                    </a:schemeClr>
+                  </a:outerShdw>
+                </a:effectLst>
+                <a:latin typeface="+mn-lt"/>
+                <a:ea typeface="+mn-ea"/>
+                <a:cs typeface="+mn-cs"/>
+              </a:defRPr>
+            </a:lvl3pPr>
+            <a:lvl4pPr marL="1386000" indent="-216000" algn="l" defTabSz="457200" rtl="0" eaLnBrk="1" latinLnBrk="0" hangingPunct="1">
+              <a:spcBef>
+                <a:spcPct val="20000"/>
+              </a:spcBef>
+              <a:spcAft>
+                <a:spcPts val="600"/>
+              </a:spcAft>
+              <a:buClr>
+                <a:schemeClr val="tx2"/>
+              </a:buClr>
+              <a:buSzPct val="70000"/>
+              <a:buFont typeface="Wingdings 2" charset="2"/>
+              <a:buChar char=""/>
+              <a:defRPr sz="1600" kern="1200">
+                <a:ln>
+                  <a:solidFill>
+                    <a:schemeClr val="bg1">
+                      <a:lumMod val="75000"/>
+                      <a:lumOff val="25000"/>
+                      <a:alpha val="10000"/>
+                    </a:schemeClr>
+                  </a:solidFill>
+                </a:ln>
+                <a:solidFill>
+                  <a:schemeClr val="tx2"/>
+                </a:solidFill>
+                <a:effectLst>
+                  <a:outerShdw blurRad="9525" dist="25400" dir="14640000" algn="tl" rotWithShape="0">
+                    <a:schemeClr val="bg1">
+                      <a:alpha val="30000"/>
+                    </a:schemeClr>
+                  </a:outerShdw>
+                </a:effectLst>
+                <a:latin typeface="+mn-lt"/>
+                <a:ea typeface="+mn-ea"/>
+                <a:cs typeface="+mn-cs"/>
+              </a:defRPr>
+            </a:lvl4pPr>
+            <a:lvl5pPr marL="1674000" indent="-216000" algn="l" defTabSz="457200" rtl="0" eaLnBrk="1" latinLnBrk="0" hangingPunct="1">
+              <a:spcBef>
+                <a:spcPct val="20000"/>
+              </a:spcBef>
+              <a:spcAft>
+                <a:spcPts val="600"/>
+              </a:spcAft>
+              <a:buClr>
+                <a:schemeClr val="tx2"/>
+              </a:buClr>
+              <a:buSzPct val="70000"/>
+              <a:buFont typeface="Wingdings 2" charset="2"/>
+              <a:buChar char=""/>
+              <a:defRPr sz="1600" kern="1200">
+                <a:ln>
+                  <a:solidFill>
+                    <a:schemeClr val="bg1">
+                      <a:lumMod val="75000"/>
+                      <a:lumOff val="25000"/>
+                      <a:alpha val="10000"/>
+                    </a:schemeClr>
+                  </a:solidFill>
+                </a:ln>
+                <a:solidFill>
+                  <a:schemeClr val="tx2"/>
+                </a:solidFill>
+                <a:effectLst>
+                  <a:outerShdw blurRad="9525" dist="25400" dir="14640000" algn="tl" rotWithShape="0">
+                    <a:schemeClr val="bg1">
+                      <a:alpha val="30000"/>
+                    </a:schemeClr>
+                  </a:outerShdw>
+                </a:effectLst>
+                <a:latin typeface="+mn-lt"/>
+                <a:ea typeface="+mn-ea"/>
+                <a:cs typeface="+mn-cs"/>
+              </a:defRPr>
+            </a:lvl5pPr>
+            <a:lvl6pPr marL="2014600" indent="-228600" algn="l" defTabSz="457200" rtl="0" eaLnBrk="1" latinLnBrk="0" hangingPunct="1">
+              <a:spcBef>
+                <a:spcPct val="20000"/>
+              </a:spcBef>
+              <a:spcAft>
+                <a:spcPts val="600"/>
+              </a:spcAft>
+              <a:buClr>
+                <a:schemeClr val="tx2"/>
+              </a:buClr>
+              <a:buSzPct val="70000"/>
+              <a:buFont typeface="Wingdings 2" charset="2"/>
+              <a:buChar char=""/>
+              <a:defRPr sz="1400" kern="1200">
+                <a:ln>
+                  <a:solidFill>
+                    <a:schemeClr val="bg1">
+                      <a:lumMod val="75000"/>
+                      <a:lumOff val="25000"/>
+                      <a:alpha val="10000"/>
+                    </a:schemeClr>
+                  </a:solidFill>
+                </a:ln>
+                <a:solidFill>
+                  <a:schemeClr val="tx2"/>
+                </a:solidFill>
+                <a:effectLst>
+                  <a:outerShdw blurRad="9525" dist="25400" dir="14640000" algn="tl" rotWithShape="0">
+                    <a:schemeClr val="bg1">
+                      <a:alpha val="30000"/>
+                    </a:schemeClr>
+                  </a:outerShdw>
+                </a:effectLst>
+                <a:latin typeface="+mn-lt"/>
+                <a:ea typeface="+mn-ea"/>
+                <a:cs typeface="+mn-cs"/>
+              </a:defRPr>
+            </a:lvl6pPr>
+            <a:lvl7pPr marL="2401800" indent="-228600" algn="l" defTabSz="457200" rtl="0" eaLnBrk="1" latinLnBrk="0" hangingPunct="1">
+              <a:spcBef>
+                <a:spcPct val="20000"/>
+              </a:spcBef>
+              <a:spcAft>
+                <a:spcPts val="600"/>
+              </a:spcAft>
+              <a:buClr>
+                <a:schemeClr val="tx2"/>
+              </a:buClr>
+              <a:buSzPct val="70000"/>
+              <a:buFont typeface="Wingdings 2" charset="2"/>
+              <a:buChar char=""/>
+              <a:defRPr sz="1400" kern="1200">
+                <a:ln>
+                  <a:solidFill>
+                    <a:schemeClr val="bg1">
+                      <a:lumMod val="75000"/>
+                      <a:lumOff val="25000"/>
+                      <a:alpha val="10000"/>
+                    </a:schemeClr>
+                  </a:solidFill>
+                </a:ln>
+                <a:solidFill>
+                  <a:schemeClr val="tx2"/>
+                </a:solidFill>
+                <a:effectLst>
+                  <a:outerShdw blurRad="9525" dist="25400" dir="14640000" algn="tl" rotWithShape="0">
+                    <a:schemeClr val="bg1">
+                      <a:alpha val="30000"/>
+                    </a:schemeClr>
+                  </a:outerShdw>
+                </a:effectLst>
+                <a:latin typeface="+mn-lt"/>
+                <a:ea typeface="+mn-ea"/>
+                <a:cs typeface="+mn-cs"/>
+              </a:defRPr>
+            </a:lvl7pPr>
+            <a:lvl8pPr marL="2789000" indent="-228600" algn="l" defTabSz="457200" rtl="0" eaLnBrk="1" latinLnBrk="0" hangingPunct="1">
+              <a:spcBef>
+                <a:spcPct val="20000"/>
+              </a:spcBef>
+              <a:spcAft>
+                <a:spcPts val="600"/>
+              </a:spcAft>
+              <a:buClr>
+                <a:schemeClr val="tx2"/>
+              </a:buClr>
+              <a:buSzPct val="70000"/>
+              <a:buFont typeface="Wingdings 2" charset="2"/>
+              <a:buChar char=""/>
+              <a:defRPr sz="1400" kern="1200">
+                <a:ln>
+                  <a:solidFill>
+                    <a:schemeClr val="bg1">
+                      <a:lumMod val="75000"/>
+                      <a:lumOff val="25000"/>
+                      <a:alpha val="10000"/>
+                    </a:schemeClr>
+                  </a:solidFill>
+                </a:ln>
+                <a:solidFill>
+                  <a:schemeClr val="tx2"/>
+                </a:solidFill>
+                <a:effectLst>
+                  <a:outerShdw blurRad="9525" dist="25400" dir="14640000" algn="tl" rotWithShape="0">
+                    <a:schemeClr val="bg1">
+                      <a:alpha val="30000"/>
+                    </a:schemeClr>
+                  </a:outerShdw>
+                </a:effectLst>
+                <a:latin typeface="+mn-lt"/>
+                <a:ea typeface="+mn-ea"/>
+                <a:cs typeface="+mn-cs"/>
+              </a:defRPr>
+            </a:lvl8pPr>
+            <a:lvl9pPr marL="3106200" indent="-228600" algn="l" defTabSz="457200" rtl="0" eaLnBrk="1" latinLnBrk="0" hangingPunct="1">
+              <a:spcBef>
+                <a:spcPct val="20000"/>
+              </a:spcBef>
+              <a:spcAft>
+                <a:spcPts val="600"/>
+              </a:spcAft>
+              <a:buClr>
+                <a:schemeClr val="tx2"/>
+              </a:buClr>
+              <a:buSzPct val="70000"/>
+              <a:buFont typeface="Wingdings 2" charset="2"/>
+              <a:buChar char=""/>
+              <a:defRPr sz="1400" kern="1200">
+                <a:ln>
+                  <a:solidFill>
+                    <a:schemeClr val="bg1">
+                      <a:lumMod val="75000"/>
+                      <a:lumOff val="25000"/>
+                      <a:alpha val="10000"/>
+                    </a:schemeClr>
+                  </a:solidFill>
+                </a:ln>
+                <a:solidFill>
+                  <a:schemeClr val="tx2"/>
+                </a:solidFill>
+                <a:effectLst>
+                  <a:outerShdw blurRad="9525" dist="25400" dir="14640000" algn="tl" rotWithShape="0">
+                    <a:schemeClr val="bg1">
+                      <a:alpha val="30000"/>
+                    </a:schemeClr>
+                  </a:outerShdw>
+                </a:effectLst>
+                <a:latin typeface="+mn-lt"/>
+                <a:ea typeface="+mn-ea"/>
+                <a:cs typeface="+mn-cs"/>
+              </a:defRPr>
+            </a:lvl9pPr>
+          </a:lstStyle>
+          <a:p>
+            <a:pPr marL="36900" indent="0">
+              <a:buNone/>
+            </a:pPr>
+            <a:r>
+              <a:rPr lang="sr-Latn-RS" dirty="0"/>
+              <a:t>Prvo izvršenje</a:t>
+            </a:r>
+          </a:p>
+        </p:txBody>
+      </p:sp>
+      <p:sp>
+        <p:nvSpPr>
+          <p:cNvPr id="6" name="Content Placeholder 6">
+            <a:extLst>
+              <a:ext uri="{FF2B5EF4-FFF2-40B4-BE49-F238E27FC236}">
+                <a16:creationId xmlns:a16="http://schemas.microsoft.com/office/drawing/2014/main" id="{131D794A-6144-4D5C-9405-759DC2402222}"/>
+              </a:ext>
+            </a:extLst>
+          </p:cNvPr>
+          <p:cNvSpPr txBox="1">
+            <a:spLocks/>
+          </p:cNvSpPr>
+          <p:nvPr/>
+        </p:nvSpPr>
+        <p:spPr>
+          <a:xfrm>
+            <a:off x="8001518" y="490833"/>
+            <a:ext cx="3794175" cy="604542"/>
+          </a:xfrm>
+          <a:prstGeom prst="rect">
+            <a:avLst/>
+          </a:prstGeom>
+          <a:effectLst>
+            <a:outerShdw blurRad="25400" dir="17880000">
+              <a:srgbClr val="000000">
+                <a:alpha val="46000"/>
+              </a:srgbClr>
+            </a:outerShdw>
+          </a:effectLst>
+        </p:spPr>
+        <p:txBody>
+          <a:bodyPr vert="horz" lIns="91440" tIns="45720" rIns="91440" bIns="45720" rtlCol="0" anchor="t">
+            <a:normAutofit/>
+          </a:bodyPr>
+          <a:lstStyle>
+            <a:lvl1pPr marL="342900" indent="-306000" algn="l" defTabSz="457200" rtl="0" eaLnBrk="1" latinLnBrk="0" hangingPunct="1">
+              <a:lnSpc>
+                <a:spcPct val="110000"/>
+              </a:lnSpc>
+              <a:spcBef>
+                <a:spcPct val="20000"/>
+              </a:spcBef>
+              <a:spcAft>
+                <a:spcPts val="600"/>
+              </a:spcAft>
+              <a:buClr>
+                <a:schemeClr val="tx2"/>
+              </a:buClr>
+              <a:buSzPct val="70000"/>
+              <a:buFont typeface="Wingdings 2" charset="2"/>
+              <a:buChar char=""/>
+              <a:defRPr sz="2300" kern="1200">
+                <a:ln>
+                  <a:solidFill>
+                    <a:schemeClr val="bg1">
+                      <a:lumMod val="75000"/>
+                      <a:lumOff val="25000"/>
+                      <a:alpha val="10000"/>
+                    </a:schemeClr>
+                  </a:solidFill>
+                </a:ln>
+                <a:solidFill>
+                  <a:schemeClr val="tx2"/>
+                </a:solidFill>
+                <a:effectLst>
+                  <a:outerShdw blurRad="9525" dist="25400" dir="14640000" algn="tl" rotWithShape="0">
+                    <a:schemeClr val="bg1">
+                      <a:alpha val="30000"/>
+                    </a:schemeClr>
+                  </a:outerShdw>
+                </a:effectLst>
+                <a:latin typeface="+mn-lt"/>
+                <a:ea typeface="+mn-ea"/>
+                <a:cs typeface="+mn-cs"/>
+              </a:defRPr>
+            </a:lvl1pPr>
+            <a:lvl2pPr marL="720000" indent="-270000" algn="l" defTabSz="457200" rtl="0" eaLnBrk="1" latinLnBrk="0" hangingPunct="1">
+              <a:spcBef>
+                <a:spcPct val="20000"/>
+              </a:spcBef>
+              <a:spcAft>
+                <a:spcPts val="600"/>
+              </a:spcAft>
+              <a:buClr>
+                <a:schemeClr val="tx2"/>
+              </a:buClr>
+              <a:buSzPct val="70000"/>
+              <a:buFont typeface="Wingdings 2" charset="2"/>
+              <a:buChar char=""/>
+              <a:defRPr sz="2100" kern="1200">
+                <a:ln>
+                  <a:solidFill>
+                    <a:schemeClr val="bg1">
+                      <a:lumMod val="75000"/>
+                      <a:lumOff val="25000"/>
+                      <a:alpha val="10000"/>
+                    </a:schemeClr>
+                  </a:solidFill>
+                </a:ln>
+                <a:solidFill>
+                  <a:schemeClr val="tx2"/>
+                </a:solidFill>
+                <a:effectLst>
+                  <a:outerShdw blurRad="9525" dist="25400" dir="14640000" algn="tl" rotWithShape="0">
+                    <a:schemeClr val="bg1">
+                      <a:alpha val="30000"/>
+                    </a:schemeClr>
+                  </a:outerShdw>
+                </a:effectLst>
+                <a:latin typeface="+mn-lt"/>
+                <a:ea typeface="+mn-ea"/>
+                <a:cs typeface="+mn-cs"/>
+              </a:defRPr>
+            </a:lvl2pPr>
+            <a:lvl3pPr marL="1026000" indent="-216000" algn="l" defTabSz="457200" rtl="0" eaLnBrk="1" latinLnBrk="0" hangingPunct="1">
+              <a:spcBef>
+                <a:spcPct val="20000"/>
+              </a:spcBef>
+              <a:spcAft>
+                <a:spcPts val="600"/>
+              </a:spcAft>
+              <a:buClr>
+                <a:schemeClr val="tx2"/>
+              </a:buClr>
+              <a:buSzPct val="70000"/>
+              <a:buFont typeface="Wingdings 2" charset="2"/>
+              <a:buChar char=""/>
+              <a:defRPr sz="1800" kern="1200">
+                <a:ln>
+                  <a:solidFill>
+                    <a:schemeClr val="bg1">
+                      <a:lumMod val="75000"/>
+                      <a:lumOff val="25000"/>
+                      <a:alpha val="10000"/>
+                    </a:schemeClr>
+                  </a:solidFill>
+                </a:ln>
+                <a:solidFill>
+                  <a:schemeClr val="tx2"/>
+                </a:solidFill>
+                <a:effectLst>
+                  <a:outerShdw blurRad="9525" dist="25400" dir="14640000" algn="tl" rotWithShape="0">
+                    <a:schemeClr val="bg1">
+                      <a:alpha val="30000"/>
+                    </a:schemeClr>
+                  </a:outerShdw>
+                </a:effectLst>
+                <a:latin typeface="+mn-lt"/>
+                <a:ea typeface="+mn-ea"/>
+                <a:cs typeface="+mn-cs"/>
+              </a:defRPr>
+            </a:lvl3pPr>
+            <a:lvl4pPr marL="1386000" indent="-216000" algn="l" defTabSz="457200" rtl="0" eaLnBrk="1" latinLnBrk="0" hangingPunct="1">
+              <a:spcBef>
+                <a:spcPct val="20000"/>
+              </a:spcBef>
+              <a:spcAft>
+                <a:spcPts val="600"/>
+              </a:spcAft>
+              <a:buClr>
+                <a:schemeClr val="tx2"/>
+              </a:buClr>
+              <a:buSzPct val="70000"/>
+              <a:buFont typeface="Wingdings 2" charset="2"/>
+              <a:buChar char=""/>
+              <a:defRPr sz="1600" kern="1200">
+                <a:ln>
+                  <a:solidFill>
+                    <a:schemeClr val="bg1">
+                      <a:lumMod val="75000"/>
+                      <a:lumOff val="25000"/>
+                      <a:alpha val="10000"/>
+                    </a:schemeClr>
+                  </a:solidFill>
+                </a:ln>
+                <a:solidFill>
+                  <a:schemeClr val="tx2"/>
+                </a:solidFill>
+                <a:effectLst>
+                  <a:outerShdw blurRad="9525" dist="25400" dir="14640000" algn="tl" rotWithShape="0">
+                    <a:schemeClr val="bg1">
+                      <a:alpha val="30000"/>
+                    </a:schemeClr>
+                  </a:outerShdw>
+                </a:effectLst>
+                <a:latin typeface="+mn-lt"/>
+                <a:ea typeface="+mn-ea"/>
+                <a:cs typeface="+mn-cs"/>
+              </a:defRPr>
+            </a:lvl4pPr>
+            <a:lvl5pPr marL="1674000" indent="-216000" algn="l" defTabSz="457200" rtl="0" eaLnBrk="1" latinLnBrk="0" hangingPunct="1">
+              <a:spcBef>
+                <a:spcPct val="20000"/>
+              </a:spcBef>
+              <a:spcAft>
+                <a:spcPts val="600"/>
+              </a:spcAft>
+              <a:buClr>
+                <a:schemeClr val="tx2"/>
+              </a:buClr>
+              <a:buSzPct val="70000"/>
+              <a:buFont typeface="Wingdings 2" charset="2"/>
+              <a:buChar char=""/>
+              <a:defRPr sz="1600" kern="1200">
+                <a:ln>
+                  <a:solidFill>
+                    <a:schemeClr val="bg1">
+                      <a:lumMod val="75000"/>
+                      <a:lumOff val="25000"/>
+                      <a:alpha val="10000"/>
+                    </a:schemeClr>
+                  </a:solidFill>
+                </a:ln>
+                <a:solidFill>
+                  <a:schemeClr val="tx2"/>
+                </a:solidFill>
+                <a:effectLst>
+                  <a:outerShdw blurRad="9525" dist="25400" dir="14640000" algn="tl" rotWithShape="0">
+                    <a:schemeClr val="bg1">
+                      <a:alpha val="30000"/>
+                    </a:schemeClr>
+                  </a:outerShdw>
+                </a:effectLst>
+                <a:latin typeface="+mn-lt"/>
+                <a:ea typeface="+mn-ea"/>
+                <a:cs typeface="+mn-cs"/>
+              </a:defRPr>
+            </a:lvl5pPr>
+            <a:lvl6pPr marL="2014600" indent="-228600" algn="l" defTabSz="457200" rtl="0" eaLnBrk="1" latinLnBrk="0" hangingPunct="1">
+              <a:spcBef>
+                <a:spcPct val="20000"/>
+              </a:spcBef>
+              <a:spcAft>
+                <a:spcPts val="600"/>
+              </a:spcAft>
+              <a:buClr>
+                <a:schemeClr val="tx2"/>
+              </a:buClr>
+              <a:buSzPct val="70000"/>
+              <a:buFont typeface="Wingdings 2" charset="2"/>
+              <a:buChar char=""/>
+              <a:defRPr sz="1400" kern="1200">
+                <a:ln>
+                  <a:solidFill>
+                    <a:schemeClr val="bg1">
+                      <a:lumMod val="75000"/>
+                      <a:lumOff val="25000"/>
+                      <a:alpha val="10000"/>
+                    </a:schemeClr>
+                  </a:solidFill>
+                </a:ln>
+                <a:solidFill>
+                  <a:schemeClr val="tx2"/>
+                </a:solidFill>
+                <a:effectLst>
+                  <a:outerShdw blurRad="9525" dist="25400" dir="14640000" algn="tl" rotWithShape="0">
+                    <a:schemeClr val="bg1">
+                      <a:alpha val="30000"/>
+                    </a:schemeClr>
+                  </a:outerShdw>
+                </a:effectLst>
+                <a:latin typeface="+mn-lt"/>
+                <a:ea typeface="+mn-ea"/>
+                <a:cs typeface="+mn-cs"/>
+              </a:defRPr>
+            </a:lvl6pPr>
+            <a:lvl7pPr marL="2401800" indent="-228600" algn="l" defTabSz="457200" rtl="0" eaLnBrk="1" latinLnBrk="0" hangingPunct="1">
+              <a:spcBef>
+                <a:spcPct val="20000"/>
+              </a:spcBef>
+              <a:spcAft>
+                <a:spcPts val="600"/>
+              </a:spcAft>
+              <a:buClr>
+                <a:schemeClr val="tx2"/>
+              </a:buClr>
+              <a:buSzPct val="70000"/>
+              <a:buFont typeface="Wingdings 2" charset="2"/>
+              <a:buChar char=""/>
+              <a:defRPr sz="1400" kern="1200">
+                <a:ln>
+                  <a:solidFill>
+                    <a:schemeClr val="bg1">
+                      <a:lumMod val="75000"/>
+                      <a:lumOff val="25000"/>
+                      <a:alpha val="10000"/>
+                    </a:schemeClr>
+                  </a:solidFill>
+                </a:ln>
+                <a:solidFill>
+                  <a:schemeClr val="tx2"/>
+                </a:solidFill>
+                <a:effectLst>
+                  <a:outerShdw blurRad="9525" dist="25400" dir="14640000" algn="tl" rotWithShape="0">
+                    <a:schemeClr val="bg1">
+                      <a:alpha val="30000"/>
+                    </a:schemeClr>
+                  </a:outerShdw>
+                </a:effectLst>
+                <a:latin typeface="+mn-lt"/>
+                <a:ea typeface="+mn-ea"/>
+                <a:cs typeface="+mn-cs"/>
+              </a:defRPr>
+            </a:lvl7pPr>
+            <a:lvl8pPr marL="2789000" indent="-228600" algn="l" defTabSz="457200" rtl="0" eaLnBrk="1" latinLnBrk="0" hangingPunct="1">
+              <a:spcBef>
+                <a:spcPct val="20000"/>
+              </a:spcBef>
+              <a:spcAft>
+                <a:spcPts val="600"/>
+              </a:spcAft>
+              <a:buClr>
+                <a:schemeClr val="tx2"/>
+              </a:buClr>
+              <a:buSzPct val="70000"/>
+              <a:buFont typeface="Wingdings 2" charset="2"/>
+              <a:buChar char=""/>
+              <a:defRPr sz="1400" kern="1200">
+                <a:ln>
+                  <a:solidFill>
+                    <a:schemeClr val="bg1">
+                      <a:lumMod val="75000"/>
+                      <a:lumOff val="25000"/>
+                      <a:alpha val="10000"/>
+                    </a:schemeClr>
+                  </a:solidFill>
+                </a:ln>
+                <a:solidFill>
+                  <a:schemeClr val="tx2"/>
+                </a:solidFill>
+                <a:effectLst>
+                  <a:outerShdw blurRad="9525" dist="25400" dir="14640000" algn="tl" rotWithShape="0">
+                    <a:schemeClr val="bg1">
+                      <a:alpha val="30000"/>
+                    </a:schemeClr>
+                  </a:outerShdw>
+                </a:effectLst>
+                <a:latin typeface="+mn-lt"/>
+                <a:ea typeface="+mn-ea"/>
+                <a:cs typeface="+mn-cs"/>
+              </a:defRPr>
+            </a:lvl8pPr>
+            <a:lvl9pPr marL="3106200" indent="-228600" algn="l" defTabSz="457200" rtl="0" eaLnBrk="1" latinLnBrk="0" hangingPunct="1">
+              <a:spcBef>
+                <a:spcPct val="20000"/>
+              </a:spcBef>
+              <a:spcAft>
+                <a:spcPts val="600"/>
+              </a:spcAft>
+              <a:buClr>
+                <a:schemeClr val="tx2"/>
+              </a:buClr>
+              <a:buSzPct val="70000"/>
+              <a:buFont typeface="Wingdings 2" charset="2"/>
+              <a:buChar char=""/>
+              <a:defRPr sz="1400" kern="1200">
+                <a:ln>
+                  <a:solidFill>
+                    <a:schemeClr val="bg1">
+                      <a:lumMod val="75000"/>
+                      <a:lumOff val="25000"/>
+                      <a:alpha val="10000"/>
+                    </a:schemeClr>
+                  </a:solidFill>
+                </a:ln>
+                <a:solidFill>
+                  <a:schemeClr val="tx2"/>
+                </a:solidFill>
+                <a:effectLst>
+                  <a:outerShdw blurRad="9525" dist="25400" dir="14640000" algn="tl" rotWithShape="0">
+                    <a:schemeClr val="bg1">
+                      <a:alpha val="30000"/>
+                    </a:schemeClr>
+                  </a:outerShdw>
+                </a:effectLst>
+                <a:latin typeface="+mn-lt"/>
+                <a:ea typeface="+mn-ea"/>
+                <a:cs typeface="+mn-cs"/>
+              </a:defRPr>
+            </a:lvl9pPr>
+          </a:lstStyle>
+          <a:p>
+            <a:pPr marL="36900" indent="0">
+              <a:buNone/>
+            </a:pPr>
+            <a:r>
+              <a:rPr lang="sr-Latn-RS" dirty="0"/>
+              <a:t>Drugo izvršenje</a:t>
+            </a:r>
+          </a:p>
+        </p:txBody>
+      </p:sp>
+      <p:sp>
+        <p:nvSpPr>
+          <p:cNvPr id="8" name="Content Placeholder 6">
+            <a:extLst>
+              <a:ext uri="{FF2B5EF4-FFF2-40B4-BE49-F238E27FC236}">
+                <a16:creationId xmlns:a16="http://schemas.microsoft.com/office/drawing/2014/main" id="{3B77AEBC-F889-45C6-8DDA-9DDCC53F9E36}"/>
+              </a:ext>
+            </a:extLst>
+          </p:cNvPr>
+          <p:cNvSpPr txBox="1">
+            <a:spLocks/>
+          </p:cNvSpPr>
+          <p:nvPr/>
+        </p:nvSpPr>
+        <p:spPr>
+          <a:xfrm>
+            <a:off x="4198912" y="5852483"/>
+            <a:ext cx="3794175" cy="604542"/>
+          </a:xfrm>
+          <a:prstGeom prst="rect">
+            <a:avLst/>
+          </a:prstGeom>
+          <a:effectLst>
+            <a:outerShdw blurRad="25400" dir="17880000">
+              <a:srgbClr val="000000">
+                <a:alpha val="46000"/>
+              </a:srgbClr>
+            </a:outerShdw>
+          </a:effectLst>
+        </p:spPr>
+        <p:txBody>
+          <a:bodyPr vert="horz" lIns="91440" tIns="45720" rIns="91440" bIns="45720" rtlCol="0" anchor="t">
+            <a:normAutofit/>
+          </a:bodyPr>
+          <a:lstStyle>
+            <a:lvl1pPr marL="342900" indent="-306000" algn="l" defTabSz="457200" rtl="0" eaLnBrk="1" latinLnBrk="0" hangingPunct="1">
+              <a:lnSpc>
+                <a:spcPct val="110000"/>
+              </a:lnSpc>
+              <a:spcBef>
+                <a:spcPct val="20000"/>
+              </a:spcBef>
+              <a:spcAft>
+                <a:spcPts val="600"/>
+              </a:spcAft>
+              <a:buClr>
+                <a:schemeClr val="tx2"/>
+              </a:buClr>
+              <a:buSzPct val="70000"/>
+              <a:buFont typeface="Wingdings 2" charset="2"/>
+              <a:buChar char=""/>
+              <a:defRPr sz="2300" kern="1200">
+                <a:ln>
+                  <a:solidFill>
+                    <a:schemeClr val="bg1">
+                      <a:lumMod val="75000"/>
+                      <a:lumOff val="25000"/>
+                      <a:alpha val="10000"/>
+                    </a:schemeClr>
+                  </a:solidFill>
+                </a:ln>
+                <a:solidFill>
+                  <a:schemeClr val="tx2"/>
+                </a:solidFill>
+                <a:effectLst>
+                  <a:outerShdw blurRad="9525" dist="25400" dir="14640000" algn="tl" rotWithShape="0">
+                    <a:schemeClr val="bg1">
+                      <a:alpha val="30000"/>
+                    </a:schemeClr>
+                  </a:outerShdw>
+                </a:effectLst>
+                <a:latin typeface="+mn-lt"/>
+                <a:ea typeface="+mn-ea"/>
+                <a:cs typeface="+mn-cs"/>
+              </a:defRPr>
+            </a:lvl1pPr>
+            <a:lvl2pPr marL="720000" indent="-270000" algn="l" defTabSz="457200" rtl="0" eaLnBrk="1" latinLnBrk="0" hangingPunct="1">
+              <a:spcBef>
+                <a:spcPct val="20000"/>
+              </a:spcBef>
+              <a:spcAft>
+                <a:spcPts val="600"/>
+              </a:spcAft>
+              <a:buClr>
+                <a:schemeClr val="tx2"/>
+              </a:buClr>
+              <a:buSzPct val="70000"/>
+              <a:buFont typeface="Wingdings 2" charset="2"/>
+              <a:buChar char=""/>
+              <a:defRPr sz="2100" kern="1200">
+                <a:ln>
+                  <a:solidFill>
+                    <a:schemeClr val="bg1">
+                      <a:lumMod val="75000"/>
+                      <a:lumOff val="25000"/>
+                      <a:alpha val="10000"/>
+                    </a:schemeClr>
+                  </a:solidFill>
+                </a:ln>
+                <a:solidFill>
+                  <a:schemeClr val="tx2"/>
+                </a:solidFill>
+                <a:effectLst>
+                  <a:outerShdw blurRad="9525" dist="25400" dir="14640000" algn="tl" rotWithShape="0">
+                    <a:schemeClr val="bg1">
+                      <a:alpha val="30000"/>
+                    </a:schemeClr>
+                  </a:outerShdw>
+                </a:effectLst>
+                <a:latin typeface="+mn-lt"/>
+                <a:ea typeface="+mn-ea"/>
+                <a:cs typeface="+mn-cs"/>
+              </a:defRPr>
+            </a:lvl2pPr>
+            <a:lvl3pPr marL="1026000" indent="-216000" algn="l" defTabSz="457200" rtl="0" eaLnBrk="1" latinLnBrk="0" hangingPunct="1">
+              <a:spcBef>
+                <a:spcPct val="20000"/>
+              </a:spcBef>
+              <a:spcAft>
+                <a:spcPts val="600"/>
+              </a:spcAft>
+              <a:buClr>
+                <a:schemeClr val="tx2"/>
+              </a:buClr>
+              <a:buSzPct val="70000"/>
+              <a:buFont typeface="Wingdings 2" charset="2"/>
+              <a:buChar char=""/>
+              <a:defRPr sz="1800" kern="1200">
+                <a:ln>
+                  <a:solidFill>
+                    <a:schemeClr val="bg1">
+                      <a:lumMod val="75000"/>
+                      <a:lumOff val="25000"/>
+                      <a:alpha val="10000"/>
+                    </a:schemeClr>
+                  </a:solidFill>
+                </a:ln>
+                <a:solidFill>
+                  <a:schemeClr val="tx2"/>
+                </a:solidFill>
+                <a:effectLst>
+                  <a:outerShdw blurRad="9525" dist="25400" dir="14640000" algn="tl" rotWithShape="0">
+                    <a:schemeClr val="bg1">
+                      <a:alpha val="30000"/>
+                    </a:schemeClr>
+                  </a:outerShdw>
+                </a:effectLst>
+                <a:latin typeface="+mn-lt"/>
+                <a:ea typeface="+mn-ea"/>
+                <a:cs typeface="+mn-cs"/>
+              </a:defRPr>
+            </a:lvl3pPr>
+            <a:lvl4pPr marL="1386000" indent="-216000" algn="l" defTabSz="457200" rtl="0" eaLnBrk="1" latinLnBrk="0" hangingPunct="1">
+              <a:spcBef>
+                <a:spcPct val="20000"/>
+              </a:spcBef>
+              <a:spcAft>
+                <a:spcPts val="600"/>
+              </a:spcAft>
+              <a:buClr>
+                <a:schemeClr val="tx2"/>
+              </a:buClr>
+              <a:buSzPct val="70000"/>
+              <a:buFont typeface="Wingdings 2" charset="2"/>
+              <a:buChar char=""/>
+              <a:defRPr sz="1600" kern="1200">
+                <a:ln>
+                  <a:solidFill>
+                    <a:schemeClr val="bg1">
+                      <a:lumMod val="75000"/>
+                      <a:lumOff val="25000"/>
+                      <a:alpha val="10000"/>
+                    </a:schemeClr>
+                  </a:solidFill>
+                </a:ln>
+                <a:solidFill>
+                  <a:schemeClr val="tx2"/>
+                </a:solidFill>
+                <a:effectLst>
+                  <a:outerShdw blurRad="9525" dist="25400" dir="14640000" algn="tl" rotWithShape="0">
+                    <a:schemeClr val="bg1">
+                      <a:alpha val="30000"/>
+                    </a:schemeClr>
+                  </a:outerShdw>
+                </a:effectLst>
+                <a:latin typeface="+mn-lt"/>
+                <a:ea typeface="+mn-ea"/>
+                <a:cs typeface="+mn-cs"/>
+              </a:defRPr>
+            </a:lvl4pPr>
+            <a:lvl5pPr marL="1674000" indent="-216000" algn="l" defTabSz="457200" rtl="0" eaLnBrk="1" latinLnBrk="0" hangingPunct="1">
+              <a:spcBef>
+                <a:spcPct val="20000"/>
+              </a:spcBef>
+              <a:spcAft>
+                <a:spcPts val="600"/>
+              </a:spcAft>
+              <a:buClr>
+                <a:schemeClr val="tx2"/>
+              </a:buClr>
+              <a:buSzPct val="70000"/>
+              <a:buFont typeface="Wingdings 2" charset="2"/>
+              <a:buChar char=""/>
+              <a:defRPr sz="1600" kern="1200">
+                <a:ln>
+                  <a:solidFill>
+                    <a:schemeClr val="bg1">
+                      <a:lumMod val="75000"/>
+                      <a:lumOff val="25000"/>
+                      <a:alpha val="10000"/>
+                    </a:schemeClr>
+                  </a:solidFill>
+                </a:ln>
+                <a:solidFill>
+                  <a:schemeClr val="tx2"/>
+                </a:solidFill>
+                <a:effectLst>
+                  <a:outerShdw blurRad="9525" dist="25400" dir="14640000" algn="tl" rotWithShape="0">
+                    <a:schemeClr val="bg1">
+                      <a:alpha val="30000"/>
+                    </a:schemeClr>
+                  </a:outerShdw>
+                </a:effectLst>
+                <a:latin typeface="+mn-lt"/>
+                <a:ea typeface="+mn-ea"/>
+                <a:cs typeface="+mn-cs"/>
+              </a:defRPr>
+            </a:lvl5pPr>
+            <a:lvl6pPr marL="2014600" indent="-228600" algn="l" defTabSz="457200" rtl="0" eaLnBrk="1" latinLnBrk="0" hangingPunct="1">
+              <a:spcBef>
+                <a:spcPct val="20000"/>
+              </a:spcBef>
+              <a:spcAft>
+                <a:spcPts val="600"/>
+              </a:spcAft>
+              <a:buClr>
+                <a:schemeClr val="tx2"/>
+              </a:buClr>
+              <a:buSzPct val="70000"/>
+              <a:buFont typeface="Wingdings 2" charset="2"/>
+              <a:buChar char=""/>
+              <a:defRPr sz="1400" kern="1200">
+                <a:ln>
+                  <a:solidFill>
+                    <a:schemeClr val="bg1">
+                      <a:lumMod val="75000"/>
+                      <a:lumOff val="25000"/>
+                      <a:alpha val="10000"/>
+                    </a:schemeClr>
+                  </a:solidFill>
+                </a:ln>
+                <a:solidFill>
+                  <a:schemeClr val="tx2"/>
+                </a:solidFill>
+                <a:effectLst>
+                  <a:outerShdw blurRad="9525" dist="25400" dir="14640000" algn="tl" rotWithShape="0">
+                    <a:schemeClr val="bg1">
+                      <a:alpha val="30000"/>
+                    </a:schemeClr>
+                  </a:outerShdw>
+                </a:effectLst>
+                <a:latin typeface="+mn-lt"/>
+                <a:ea typeface="+mn-ea"/>
+                <a:cs typeface="+mn-cs"/>
+              </a:defRPr>
+            </a:lvl6pPr>
+            <a:lvl7pPr marL="2401800" indent="-228600" algn="l" defTabSz="457200" rtl="0" eaLnBrk="1" latinLnBrk="0" hangingPunct="1">
+              <a:spcBef>
+                <a:spcPct val="20000"/>
+              </a:spcBef>
+              <a:spcAft>
+                <a:spcPts val="600"/>
+              </a:spcAft>
+              <a:buClr>
+                <a:schemeClr val="tx2"/>
+              </a:buClr>
+              <a:buSzPct val="70000"/>
+              <a:buFont typeface="Wingdings 2" charset="2"/>
+              <a:buChar char=""/>
+              <a:defRPr sz="1400" kern="1200">
+                <a:ln>
+                  <a:solidFill>
+                    <a:schemeClr val="bg1">
+                      <a:lumMod val="75000"/>
+                      <a:lumOff val="25000"/>
+                      <a:alpha val="10000"/>
+                    </a:schemeClr>
+                  </a:solidFill>
+                </a:ln>
+                <a:solidFill>
+                  <a:schemeClr val="tx2"/>
+                </a:solidFill>
+                <a:effectLst>
+                  <a:outerShdw blurRad="9525" dist="25400" dir="14640000" algn="tl" rotWithShape="0">
+                    <a:schemeClr val="bg1">
+                      <a:alpha val="30000"/>
+                    </a:schemeClr>
+                  </a:outerShdw>
+                </a:effectLst>
+                <a:latin typeface="+mn-lt"/>
+                <a:ea typeface="+mn-ea"/>
+                <a:cs typeface="+mn-cs"/>
+              </a:defRPr>
+            </a:lvl7pPr>
+            <a:lvl8pPr marL="2789000" indent="-228600" algn="l" defTabSz="457200" rtl="0" eaLnBrk="1" latinLnBrk="0" hangingPunct="1">
+              <a:spcBef>
+                <a:spcPct val="20000"/>
+              </a:spcBef>
+              <a:spcAft>
+                <a:spcPts val="600"/>
+              </a:spcAft>
+              <a:buClr>
+                <a:schemeClr val="tx2"/>
+              </a:buClr>
+              <a:buSzPct val="70000"/>
+              <a:buFont typeface="Wingdings 2" charset="2"/>
+              <a:buChar char=""/>
+              <a:defRPr sz="1400" kern="1200">
+                <a:ln>
+                  <a:solidFill>
+                    <a:schemeClr val="bg1">
+                      <a:lumMod val="75000"/>
+                      <a:lumOff val="25000"/>
+                      <a:alpha val="10000"/>
+                    </a:schemeClr>
+                  </a:solidFill>
+                </a:ln>
+                <a:solidFill>
+                  <a:schemeClr val="tx2"/>
+                </a:solidFill>
+                <a:effectLst>
+                  <a:outerShdw blurRad="9525" dist="25400" dir="14640000" algn="tl" rotWithShape="0">
+                    <a:schemeClr val="bg1">
+                      <a:alpha val="30000"/>
+                    </a:schemeClr>
+                  </a:outerShdw>
+                </a:effectLst>
+                <a:latin typeface="+mn-lt"/>
+                <a:ea typeface="+mn-ea"/>
+                <a:cs typeface="+mn-cs"/>
+              </a:defRPr>
+            </a:lvl8pPr>
+            <a:lvl9pPr marL="3106200" indent="-228600" algn="l" defTabSz="457200" rtl="0" eaLnBrk="1" latinLnBrk="0" hangingPunct="1">
+              <a:spcBef>
+                <a:spcPct val="20000"/>
+              </a:spcBef>
+              <a:spcAft>
+                <a:spcPts val="600"/>
+              </a:spcAft>
+              <a:buClr>
+                <a:schemeClr val="tx2"/>
+              </a:buClr>
+              <a:buSzPct val="70000"/>
+              <a:buFont typeface="Wingdings 2" charset="2"/>
+              <a:buChar char=""/>
+              <a:defRPr sz="1400" kern="1200">
+                <a:ln>
+                  <a:solidFill>
+                    <a:schemeClr val="bg1">
+                      <a:lumMod val="75000"/>
+                      <a:lumOff val="25000"/>
+                      <a:alpha val="10000"/>
+                    </a:schemeClr>
+                  </a:solidFill>
+                </a:ln>
+                <a:solidFill>
+                  <a:schemeClr val="tx2"/>
+                </a:solidFill>
+                <a:effectLst>
+                  <a:outerShdw blurRad="9525" dist="25400" dir="14640000" algn="tl" rotWithShape="0">
+                    <a:schemeClr val="bg1">
+                      <a:alpha val="30000"/>
+                    </a:schemeClr>
+                  </a:outerShdw>
+                </a:effectLst>
+                <a:latin typeface="+mn-lt"/>
+                <a:ea typeface="+mn-ea"/>
+                <a:cs typeface="+mn-cs"/>
+              </a:defRPr>
+            </a:lvl9pPr>
+          </a:lstStyle>
+          <a:p>
+            <a:pPr marL="36900" indent="0">
+              <a:buNone/>
+            </a:pPr>
+            <a:r>
+              <a:rPr lang="sr-Latn-RS" dirty="0"/>
+              <a:t>Verzije sistema novije od 2017.</a:t>
+            </a:r>
+          </a:p>
+        </p:txBody>
+      </p:sp>
+      <p:pic>
+        <p:nvPicPr>
+          <p:cNvPr id="7" name="Picture 6" descr="Text&#10;&#10;Description automatically generated with medium confidence">
+            <a:extLst>
+              <a:ext uri="{FF2B5EF4-FFF2-40B4-BE49-F238E27FC236}">
+                <a16:creationId xmlns:a16="http://schemas.microsoft.com/office/drawing/2014/main" id="{677FDC6D-CF2D-42A3-AFE6-C7BE3752E720}"/>
+              </a:ext>
+            </a:extLst>
+          </p:cNvPr>
+          <p:cNvPicPr>
+            <a:picLocks noChangeAspect="1"/>
+          </p:cNvPicPr>
+          <p:nvPr/>
+        </p:nvPicPr>
+        <p:blipFill rotWithShape="1">
+          <a:blip r:embed="rId3">
+            <a:extLst>
+              <a:ext uri="{28A0092B-C50C-407E-A947-70E740481C1C}">
+                <a14:useLocalDpi xmlns:a14="http://schemas.microsoft.com/office/drawing/2010/main" val="0"/>
+              </a:ext>
+            </a:extLst>
+          </a:blip>
+          <a:srcRect b="39438"/>
+          <a:stretch/>
+        </p:blipFill>
+        <p:spPr bwMode="auto">
+          <a:xfrm>
+            <a:off x="807869" y="1772176"/>
+            <a:ext cx="4826727" cy="3403506"/>
+          </a:xfrm>
+          <a:prstGeom prst="rect">
+            <a:avLst/>
+          </a:prstGeom>
+          <a:noFill/>
+          <a:ln>
+            <a:noFill/>
+          </a:ln>
+          <a:extLst>
+            <a:ext uri="{53640926-AAD7-44D8-BBD7-CCE9431645EC}">
+              <a14:shadowObscured xmlns:a14="http://schemas.microsoft.com/office/drawing/2010/main"/>
+            </a:ext>
+          </a:extLst>
+        </p:spPr>
+      </p:pic>
+      <p:pic>
+        <p:nvPicPr>
+          <p:cNvPr id="9" name="Picture 8" descr="Text&#10;&#10;Description automatically generated with medium confidence">
+            <a:extLst>
+              <a:ext uri="{FF2B5EF4-FFF2-40B4-BE49-F238E27FC236}">
+                <a16:creationId xmlns:a16="http://schemas.microsoft.com/office/drawing/2014/main" id="{EB4707A0-A139-4712-8106-596A66B6C3D4}"/>
+              </a:ext>
+            </a:extLst>
+          </p:cNvPr>
+          <p:cNvPicPr>
+            <a:picLocks noChangeAspect="1"/>
+          </p:cNvPicPr>
+          <p:nvPr/>
+        </p:nvPicPr>
+        <p:blipFill rotWithShape="1">
+          <a:blip r:embed="rId4">
+            <a:extLst>
+              <a:ext uri="{28A0092B-C50C-407E-A947-70E740481C1C}">
+                <a14:useLocalDpi xmlns:a14="http://schemas.microsoft.com/office/drawing/2010/main" val="0"/>
+              </a:ext>
+            </a:extLst>
+          </a:blip>
+          <a:srcRect l="2371" r="1" b="39767"/>
+          <a:stretch/>
+        </p:blipFill>
+        <p:spPr bwMode="auto">
+          <a:xfrm>
+            <a:off x="6922400" y="1772176"/>
+            <a:ext cx="4604066" cy="3403506"/>
+          </a:xfrm>
+          <a:prstGeom prst="rect">
+            <a:avLst/>
+          </a:prstGeom>
+          <a:noFill/>
+          <a:ln>
+            <a:noFill/>
+          </a:ln>
+          <a:extLst>
+            <a:ext uri="{53640926-AAD7-44D8-BBD7-CCE9431645EC}">
+              <a14:shadowObscured xmlns:a14="http://schemas.microsoft.com/office/drawing/2010/main"/>
+            </a:ext>
+          </a:extLst>
+        </p:spPr>
+      </p:pic>
+    </p:spTree>
+    <p:extLst>
+      <p:ext uri="{BB962C8B-B14F-4D97-AF65-F5344CB8AC3E}">
+        <p14:creationId xmlns:p14="http://schemas.microsoft.com/office/powerpoint/2010/main" val="1607912050"/>
+      </p:ext>
+    </p:extLst>
+  </p:cSld>
+  <p:clrMapOvr>
+    <a:masterClrMapping/>
+  </p:clrMapOvr>
+</p:sld>
+</file>
+
+<file path=ppt/slides/slide18.xml><?xml version="1.0" encoding="utf-8"?>
+<p:sld xmlns:a="http://schemas.openxmlformats.org/drawingml/2006/main" xmlns:r="http://schemas.openxmlformats.org/officeDocument/2006/relationships" xmlns:p="http://schemas.openxmlformats.org/presentationml/2006/main">
+  <p:cSld>
+    <p:spTree>
+      <p:nvGrpSpPr>
+        <p:cNvPr id="1" name=""/>
+        <p:cNvGrpSpPr/>
+        <p:nvPr/>
+      </p:nvGrpSpPr>
+      <p:grpSpPr>
+        <a:xfrm>
+          <a:off x="0" y="0"/>
+          <a:ext cx="0" cy="0"/>
+          <a:chOff x="0" y="0"/>
+          <a:chExt cx="0" cy="0"/>
+        </a:xfrm>
+      </p:grpSpPr>
+      <p:sp>
+        <p:nvSpPr>
+          <p:cNvPr id="2" name="Title 1">
+            <a:extLst>
+              <a:ext uri="{FF2B5EF4-FFF2-40B4-BE49-F238E27FC236}">
+                <a16:creationId xmlns:a16="http://schemas.microsoft.com/office/drawing/2014/main" id="{58254C9C-F7D6-412F-96DF-80D3D2764A0D}"/>
+              </a:ext>
+            </a:extLst>
+          </p:cNvPr>
+          <p:cNvSpPr>
+            <a:spLocks noGrp="1"/>
+          </p:cNvSpPr>
+          <p:nvPr>
+            <p:ph type="title"/>
+          </p:nvPr>
+        </p:nvSpPr>
+        <p:spPr/>
+        <p:txBody>
+          <a:bodyPr/>
+          <a:lstStyle/>
+          <a:p>
+            <a:r>
+              <a:rPr lang="sr-Latn-RS" dirty="0" err="1"/>
+              <a:t>Batch</a:t>
+            </a:r>
+            <a:r>
+              <a:rPr lang="sr-Latn-RS" dirty="0"/>
+              <a:t> Mode </a:t>
+            </a:r>
+            <a:r>
+              <a:rPr lang="sr-Latn-RS" dirty="0" err="1"/>
+              <a:t>Adaptive</a:t>
+            </a:r>
+            <a:r>
+              <a:rPr lang="sr-Latn-RS" dirty="0"/>
+              <a:t> </a:t>
+            </a:r>
+            <a:r>
+              <a:rPr lang="sr-Latn-RS" dirty="0" err="1"/>
+              <a:t>Joins</a:t>
+            </a:r>
+            <a:endParaRPr lang="sr-Latn-RS" dirty="0"/>
+          </a:p>
+        </p:txBody>
+      </p:sp>
+      <p:sp>
+        <p:nvSpPr>
+          <p:cNvPr id="3" name="Content Placeholder 2">
+            <a:extLst>
+              <a:ext uri="{FF2B5EF4-FFF2-40B4-BE49-F238E27FC236}">
+                <a16:creationId xmlns:a16="http://schemas.microsoft.com/office/drawing/2014/main" id="{CABF9485-85AE-455F-891F-DF377472DF39}"/>
+              </a:ext>
+            </a:extLst>
+          </p:cNvPr>
+          <p:cNvSpPr>
+            <a:spLocks noGrp="1"/>
+          </p:cNvSpPr>
+          <p:nvPr>
+            <p:ph idx="1"/>
+          </p:nvPr>
+        </p:nvSpPr>
+        <p:spPr/>
+        <p:txBody>
+          <a:bodyPr/>
+          <a:lstStyle/>
+          <a:p>
+            <a:r>
+              <a:rPr lang="sr-Latn-RS" dirty="0"/>
+              <a:t>Tiče se serijskog moda izvršenja</a:t>
+            </a:r>
+          </a:p>
+          <a:p>
+            <a:r>
+              <a:rPr lang="sr-Latn-RS" dirty="0"/>
+              <a:t>Vrlo prosta namena</a:t>
+            </a:r>
+          </a:p>
+          <a:p>
+            <a:r>
+              <a:rPr lang="sr-Latn-RS" dirty="0"/>
+              <a:t>Odluka o biranju između „</a:t>
+            </a:r>
+            <a:r>
+              <a:rPr lang="sr-Latn-RS" dirty="0" err="1"/>
+              <a:t>nested</a:t>
+            </a:r>
+            <a:r>
+              <a:rPr lang="sr-Latn-RS" dirty="0"/>
+              <a:t> </a:t>
+            </a:r>
+            <a:r>
+              <a:rPr lang="sr-Latn-RS" dirty="0" err="1"/>
+              <a:t>loop</a:t>
+            </a:r>
+            <a:r>
+              <a:rPr lang="sr-Latn-RS" dirty="0"/>
+              <a:t> </a:t>
+            </a:r>
+            <a:r>
+              <a:rPr lang="sr-Latn-RS" dirty="0" err="1"/>
+              <a:t>join</a:t>
+            </a:r>
+            <a:r>
+              <a:rPr lang="sr-Latn-RS" dirty="0"/>
+              <a:t>“ i „</a:t>
+            </a:r>
+            <a:r>
+              <a:rPr lang="sr-Latn-RS" dirty="0" err="1"/>
+              <a:t>hash</a:t>
+            </a:r>
+            <a:r>
+              <a:rPr lang="sr-Latn-RS" dirty="0"/>
+              <a:t> </a:t>
+            </a:r>
+            <a:r>
+              <a:rPr lang="sr-Latn-RS" dirty="0" err="1"/>
+              <a:t>join</a:t>
+            </a:r>
+            <a:r>
+              <a:rPr lang="sr-Latn-RS" dirty="0"/>
+              <a:t>“ se odlaže do prvog spoja</a:t>
+            </a:r>
+          </a:p>
+          <a:p>
+            <a:r>
+              <a:rPr lang="sr-Latn-RS" dirty="0"/>
+              <a:t>Bira na osnovu praga odluke</a:t>
+            </a:r>
+          </a:p>
+          <a:p>
+            <a:r>
+              <a:rPr lang="sr-Latn-RS" dirty="0"/>
+              <a:t>Ako je broj redova mali, bira se „</a:t>
+            </a:r>
+            <a:r>
+              <a:rPr lang="sr-Latn-RS" dirty="0" err="1"/>
+              <a:t>nested</a:t>
+            </a:r>
+            <a:r>
+              <a:rPr lang="sr-Latn-RS" dirty="0"/>
+              <a:t> </a:t>
+            </a:r>
+            <a:r>
+              <a:rPr lang="sr-Latn-RS" dirty="0" err="1"/>
+              <a:t>loop</a:t>
+            </a:r>
+            <a:r>
+              <a:rPr lang="sr-Latn-RS" dirty="0"/>
+              <a:t> </a:t>
+            </a:r>
+            <a:r>
+              <a:rPr lang="sr-Latn-RS" dirty="0" err="1"/>
+              <a:t>join</a:t>
+            </a:r>
+            <a:r>
+              <a:rPr lang="sr-Latn-RS" dirty="0"/>
+              <a:t>“</a:t>
+            </a:r>
+          </a:p>
+          <a:p>
+            <a:r>
+              <a:rPr lang="sr-Latn-RS" dirty="0"/>
+              <a:t>Ako je broj redova veliki, bira se „</a:t>
+            </a:r>
+            <a:r>
+              <a:rPr lang="sr-Latn-RS" dirty="0" err="1"/>
+              <a:t>hash</a:t>
+            </a:r>
+            <a:r>
+              <a:rPr lang="sr-Latn-RS" dirty="0"/>
+              <a:t> </a:t>
+            </a:r>
+            <a:r>
+              <a:rPr lang="sr-Latn-RS" dirty="0" err="1"/>
+              <a:t>join</a:t>
+            </a:r>
+            <a:r>
+              <a:rPr lang="sr-Latn-RS" dirty="0"/>
+              <a:t>“</a:t>
+            </a:r>
+          </a:p>
+        </p:txBody>
+      </p:sp>
+    </p:spTree>
+    <p:extLst>
+      <p:ext uri="{BB962C8B-B14F-4D97-AF65-F5344CB8AC3E}">
+        <p14:creationId xmlns:p14="http://schemas.microsoft.com/office/powerpoint/2010/main" val="93472951"/>
+      </p:ext>
+    </p:extLst>
+  </p:cSld>
+  <p:clrMapOvr>
+    <a:masterClrMapping/>
+  </p:clrMapOvr>
+</p:sld>
+</file>
+
+<file path=ppt/slides/slide19.xml><?xml version="1.0" encoding="utf-8"?>
+<p:sld xmlns:a="http://schemas.openxmlformats.org/drawingml/2006/main" xmlns:r="http://schemas.openxmlformats.org/officeDocument/2006/relationships" xmlns:p="http://schemas.openxmlformats.org/presentationml/2006/main">
+  <p:cSld>
+    <p:spTree>
+      <p:nvGrpSpPr>
+        <p:cNvPr id="1" name=""/>
+        <p:cNvGrpSpPr/>
+        <p:nvPr/>
+      </p:nvGrpSpPr>
+      <p:grpSpPr>
+        <a:xfrm>
+          <a:off x="0" y="0"/>
+          <a:ext cx="0" cy="0"/>
+          <a:chOff x="0" y="0"/>
+          <a:chExt cx="0" cy="0"/>
+        </a:xfrm>
+      </p:grpSpPr>
+      <p:sp>
+        <p:nvSpPr>
+          <p:cNvPr id="2" name="Title 1">
+            <a:extLst>
+              <a:ext uri="{FF2B5EF4-FFF2-40B4-BE49-F238E27FC236}">
+                <a16:creationId xmlns:a16="http://schemas.microsoft.com/office/drawing/2014/main" id="{73042C1E-9F32-4AF7-9736-8378278E4581}"/>
+              </a:ext>
+            </a:extLst>
+          </p:cNvPr>
+          <p:cNvSpPr>
+            <a:spLocks noGrp="1"/>
+          </p:cNvSpPr>
+          <p:nvPr>
+            <p:ph type="title"/>
+          </p:nvPr>
+        </p:nvSpPr>
+        <p:spPr/>
+        <p:txBody>
+          <a:bodyPr/>
+          <a:lstStyle/>
+          <a:p>
+            <a:r>
+              <a:rPr lang="sr-Latn-RS" dirty="0"/>
+              <a:t>Inteligentno procesiranje upita</a:t>
+            </a:r>
+          </a:p>
+        </p:txBody>
+      </p:sp>
+      <p:sp>
+        <p:nvSpPr>
+          <p:cNvPr id="3" name="Content Placeholder 2">
+            <a:extLst>
+              <a:ext uri="{FF2B5EF4-FFF2-40B4-BE49-F238E27FC236}">
+                <a16:creationId xmlns:a16="http://schemas.microsoft.com/office/drawing/2014/main" id="{5B8D40B1-3334-4A62-8493-F7B5F484BD4B}"/>
+              </a:ext>
+            </a:extLst>
+          </p:cNvPr>
+          <p:cNvSpPr>
+            <a:spLocks noGrp="1"/>
+          </p:cNvSpPr>
+          <p:nvPr>
+            <p:ph idx="1"/>
+          </p:nvPr>
+        </p:nvSpPr>
+        <p:spPr>
+          <a:xfrm>
+            <a:off x="913795" y="2076450"/>
+            <a:ext cx="10353762" cy="2023553"/>
+          </a:xfrm>
+        </p:spPr>
+        <p:txBody>
+          <a:bodyPr>
+            <a:normAutofit/>
+          </a:bodyPr>
+          <a:lstStyle/>
+          <a:p>
+            <a:r>
+              <a:rPr lang="sr-Latn-RS" dirty="0"/>
+              <a:t>U MS SQL Server 2019 proširena je porodica funkcionalnosti koje premošćavaju fazu optimizacije sa fazom izvršenja.</a:t>
+            </a:r>
+          </a:p>
+          <a:p>
+            <a:r>
+              <a:rPr lang="sr-Latn-RS" dirty="0"/>
+              <a:t>Većina funkcionalnosti dostupna i kroz </a:t>
+            </a:r>
+            <a:r>
+              <a:rPr lang="sr-Latn-RS" dirty="0" err="1"/>
+              <a:t>AzureSQL</a:t>
+            </a:r>
+            <a:r>
+              <a:rPr lang="sr-Latn-RS" dirty="0"/>
+              <a:t> bazu u oblaku.</a:t>
+            </a:r>
+          </a:p>
+        </p:txBody>
+      </p:sp>
+      <p:pic>
+        <p:nvPicPr>
+          <p:cNvPr id="6" name="Picture 5" descr="Diagram&#10;&#10;Description automatically generated">
+            <a:extLst>
+              <a:ext uri="{FF2B5EF4-FFF2-40B4-BE49-F238E27FC236}">
+                <a16:creationId xmlns:a16="http://schemas.microsoft.com/office/drawing/2014/main" id="{5AA182BA-10C8-4246-8FF3-C2741524D604}"/>
+              </a:ext>
+            </a:extLst>
+          </p:cNvPr>
+          <p:cNvPicPr>
+            <a:picLocks noChangeAspect="1"/>
+          </p:cNvPicPr>
+          <p:nvPr/>
+        </p:nvPicPr>
+        <p:blipFill>
+          <a:blip r:embed="rId2" cstate="print">
+            <a:extLst>
+              <a:ext uri="{BEBA8EAE-BF5A-486C-A8C5-ECC9F3942E4B}">
+                <a14:imgProps xmlns:a14="http://schemas.microsoft.com/office/drawing/2010/main">
+                  <a14:imgLayer r:embed="rId3">
+                    <a14:imgEffect>
+                      <a14:saturation sat="400000"/>
+                    </a14:imgEffect>
+                    <a14:imgEffect>
+                      <a14:brightnessContrast contrast="-40000"/>
+                    </a14:imgEffect>
+                  </a14:imgLayer>
+                </a14:imgProps>
+              </a:ext>
+              <a:ext uri="{28A0092B-C50C-407E-A947-70E740481C1C}">
+                <a14:useLocalDpi xmlns:a14="http://schemas.microsoft.com/office/drawing/2010/main" val="0"/>
+              </a:ext>
+            </a:extLst>
+          </a:blip>
+          <a:srcRect/>
+          <a:stretch>
+            <a:fillRect/>
+          </a:stretch>
+        </p:blipFill>
+        <p:spPr bwMode="auto">
+          <a:xfrm>
+            <a:off x="3110961" y="3714115"/>
+            <a:ext cx="5970078" cy="2757706"/>
+          </a:xfrm>
+          <a:prstGeom prst="rect">
+            <a:avLst/>
+          </a:prstGeom>
+          <a:noFill/>
+          <a:ln>
+            <a:solidFill>
+              <a:schemeClr val="accent1"/>
+            </a:solidFill>
+          </a:ln>
+        </p:spPr>
+      </p:pic>
+    </p:spTree>
+    <p:extLst>
+      <p:ext uri="{BB962C8B-B14F-4D97-AF65-F5344CB8AC3E}">
+        <p14:creationId xmlns:p14="http://schemas.microsoft.com/office/powerpoint/2010/main" val="3839529013"/>
       </p:ext>
     </p:extLst>
   </p:cSld>
@@ -8181,6 +12248,2114 @@
     <p:extLst>
       <p:ext uri="{BB962C8B-B14F-4D97-AF65-F5344CB8AC3E}">
         <p14:creationId xmlns:p14="http://schemas.microsoft.com/office/powerpoint/2010/main" val="3220235682"/>
+      </p:ext>
+    </p:extLst>
+  </p:cSld>
+  <p:clrMapOvr>
+    <a:masterClrMapping/>
+  </p:clrMapOvr>
+</p:sld>
+</file>
+
+<file path=ppt/slides/slide20.xml><?xml version="1.0" encoding="utf-8"?>
+<p:sld xmlns:a="http://schemas.openxmlformats.org/drawingml/2006/main" xmlns:r="http://schemas.openxmlformats.org/officeDocument/2006/relationships" xmlns:p="http://schemas.openxmlformats.org/presentationml/2006/main">
+  <p:cSld>
+    <p:spTree>
+      <p:nvGrpSpPr>
+        <p:cNvPr id="1" name=""/>
+        <p:cNvGrpSpPr/>
+        <p:nvPr/>
+      </p:nvGrpSpPr>
+      <p:grpSpPr>
+        <a:xfrm>
+          <a:off x="0" y="0"/>
+          <a:ext cx="0" cy="0"/>
+          <a:chOff x="0" y="0"/>
+          <a:chExt cx="0" cy="0"/>
+        </a:xfrm>
+      </p:grpSpPr>
+      <p:sp>
+        <p:nvSpPr>
+          <p:cNvPr id="2" name="Title 1">
+            <a:extLst>
+              <a:ext uri="{FF2B5EF4-FFF2-40B4-BE49-F238E27FC236}">
+                <a16:creationId xmlns:a16="http://schemas.microsoft.com/office/drawing/2014/main" id="{B4D3EC4D-28DC-40BB-9D54-EC636F84F323}"/>
+              </a:ext>
+            </a:extLst>
+          </p:cNvPr>
+          <p:cNvSpPr>
+            <a:spLocks noGrp="1"/>
+          </p:cNvSpPr>
+          <p:nvPr>
+            <p:ph type="title"/>
+          </p:nvPr>
+        </p:nvSpPr>
+        <p:spPr/>
+        <p:txBody>
+          <a:bodyPr/>
+          <a:lstStyle/>
+          <a:p>
+            <a:r>
+              <a:rPr lang="sr-Latn-RS" dirty="0" err="1"/>
+              <a:t>Row</a:t>
+            </a:r>
+            <a:r>
+              <a:rPr lang="sr-Latn-RS" dirty="0"/>
+              <a:t> Mode </a:t>
+            </a:r>
+            <a:r>
+              <a:rPr lang="sr-Latn-RS" dirty="0" err="1"/>
+              <a:t>Memory</a:t>
+            </a:r>
+            <a:r>
+              <a:rPr lang="sr-Latn-RS" dirty="0"/>
+              <a:t> Grant Feedback</a:t>
+            </a:r>
+          </a:p>
+        </p:txBody>
+      </p:sp>
+      <p:sp>
+        <p:nvSpPr>
+          <p:cNvPr id="3" name="Content Placeholder 2">
+            <a:extLst>
+              <a:ext uri="{FF2B5EF4-FFF2-40B4-BE49-F238E27FC236}">
+                <a16:creationId xmlns:a16="http://schemas.microsoft.com/office/drawing/2014/main" id="{78E944FC-9ECB-4584-B7FC-622CECB59A15}"/>
+              </a:ext>
+            </a:extLst>
+          </p:cNvPr>
+          <p:cNvSpPr>
+            <a:spLocks noGrp="1"/>
+          </p:cNvSpPr>
+          <p:nvPr>
+            <p:ph idx="1"/>
+          </p:nvPr>
+        </p:nvSpPr>
+        <p:spPr>
+          <a:xfrm>
+            <a:off x="913795" y="2076450"/>
+            <a:ext cx="10353762" cy="4306595"/>
+          </a:xfrm>
+        </p:spPr>
+        <p:txBody>
+          <a:bodyPr/>
+          <a:lstStyle/>
+          <a:p>
+            <a:r>
+              <a:rPr lang="sr-Latn-RS" dirty="0"/>
+              <a:t>Tiče se moda izvršenja red-po-red.</a:t>
+            </a:r>
+          </a:p>
+          <a:p>
+            <a:r>
+              <a:rPr lang="sr-Latn-RS" dirty="0"/>
+              <a:t>Ista funkcionalnost iz prethodne verzije je proširena tako da funkcioniše i kod drugog dostupnog moda izvršenja.</a:t>
+            </a:r>
+          </a:p>
+          <a:p>
+            <a:r>
+              <a:rPr lang="sr-Latn-RS" dirty="0"/>
+              <a:t>Postupak:</a:t>
+            </a:r>
+          </a:p>
+          <a:p>
+            <a:pPr marL="907200" lvl="1" indent="-457200">
+              <a:buFont typeface="+mj-lt"/>
+              <a:buAutoNum type="arabicPeriod"/>
+            </a:pPr>
+            <a:r>
+              <a:rPr lang="sr-Latn-RS" dirty="0"/>
+              <a:t>Pušta prvo izvršenje</a:t>
+            </a:r>
+          </a:p>
+          <a:p>
+            <a:pPr marL="907200" lvl="1" indent="-457200">
+              <a:buFont typeface="+mj-lt"/>
+              <a:buAutoNum type="arabicPeriod"/>
+            </a:pPr>
+            <a:r>
+              <a:rPr lang="sr-Latn-RS" dirty="0"/>
+              <a:t>Gleda da li se desio „</a:t>
+            </a:r>
+            <a:r>
+              <a:rPr lang="sr-Latn-RS" dirty="0" err="1"/>
+              <a:t>memory</a:t>
+            </a:r>
+            <a:r>
+              <a:rPr lang="sr-Latn-RS" dirty="0"/>
+              <a:t> </a:t>
+            </a:r>
+            <a:r>
+              <a:rPr lang="sr-Latn-RS" dirty="0" err="1"/>
+              <a:t>spill</a:t>
+            </a:r>
+            <a:r>
+              <a:rPr lang="sr-Latn-RS" dirty="0"/>
+              <a:t>“ ili da li je izvršenje iskoristilo manje od 50% dodeljene memorije</a:t>
+            </a:r>
+          </a:p>
+          <a:p>
+            <a:pPr marL="907200" lvl="1" indent="-457200">
+              <a:buFont typeface="+mj-lt"/>
+              <a:buAutoNum type="arabicPeriod"/>
+            </a:pPr>
+            <a:r>
+              <a:rPr lang="sr-Latn-RS" dirty="0"/>
+              <a:t>Dodeljena memorija menja za kasnija izvršenja plana</a:t>
+            </a:r>
+          </a:p>
+          <a:p>
+            <a:pPr lvl="1"/>
+            <a:endParaRPr lang="sr-Latn-RS" dirty="0"/>
+          </a:p>
+          <a:p>
+            <a:endParaRPr lang="sr-Latn-RS" dirty="0"/>
+          </a:p>
+        </p:txBody>
+      </p:sp>
+    </p:spTree>
+    <p:extLst>
+      <p:ext uri="{BB962C8B-B14F-4D97-AF65-F5344CB8AC3E}">
+        <p14:creationId xmlns:p14="http://schemas.microsoft.com/office/powerpoint/2010/main" val="1571277599"/>
+      </p:ext>
+    </p:extLst>
+  </p:cSld>
+  <p:clrMapOvr>
+    <a:masterClrMapping/>
+  </p:clrMapOvr>
+</p:sld>
+</file>
+
+<file path=ppt/slides/slide21.xml><?xml version="1.0" encoding="utf-8"?>
+<p:sld xmlns:a="http://schemas.openxmlformats.org/drawingml/2006/main" xmlns:r="http://schemas.openxmlformats.org/officeDocument/2006/relationships" xmlns:p="http://schemas.openxmlformats.org/presentationml/2006/main">
+  <p:cSld>
+    <p:spTree>
+      <p:nvGrpSpPr>
+        <p:cNvPr id="1" name=""/>
+        <p:cNvGrpSpPr/>
+        <p:nvPr/>
+      </p:nvGrpSpPr>
+      <p:grpSpPr>
+        <a:xfrm>
+          <a:off x="0" y="0"/>
+          <a:ext cx="0" cy="0"/>
+          <a:chOff x="0" y="0"/>
+          <a:chExt cx="0" cy="0"/>
+        </a:xfrm>
+      </p:grpSpPr>
+      <p:sp>
+        <p:nvSpPr>
+          <p:cNvPr id="2" name="Title 1">
+            <a:extLst>
+              <a:ext uri="{FF2B5EF4-FFF2-40B4-BE49-F238E27FC236}">
+                <a16:creationId xmlns:a16="http://schemas.microsoft.com/office/drawing/2014/main" id="{25A9ABC0-8C8D-4CF5-9B5E-3442D5676E97}"/>
+              </a:ext>
+            </a:extLst>
+          </p:cNvPr>
+          <p:cNvSpPr>
+            <a:spLocks noGrp="1"/>
+          </p:cNvSpPr>
+          <p:nvPr>
+            <p:ph type="title"/>
+          </p:nvPr>
+        </p:nvSpPr>
+        <p:spPr/>
+        <p:txBody>
+          <a:bodyPr/>
+          <a:lstStyle/>
+          <a:p>
+            <a:r>
+              <a:rPr lang="sr-Latn-RS"/>
+              <a:t>Table Variable Deferred Compilation</a:t>
+            </a:r>
+            <a:endParaRPr lang="sr-Latn-RS" dirty="0"/>
+          </a:p>
+        </p:txBody>
+      </p:sp>
+      <p:sp>
+        <p:nvSpPr>
+          <p:cNvPr id="3" name="Content Placeholder 2">
+            <a:extLst>
+              <a:ext uri="{FF2B5EF4-FFF2-40B4-BE49-F238E27FC236}">
+                <a16:creationId xmlns:a16="http://schemas.microsoft.com/office/drawing/2014/main" id="{AA8F6937-165C-49AF-AAA5-85019E3FA90C}"/>
+              </a:ext>
+            </a:extLst>
+          </p:cNvPr>
+          <p:cNvSpPr>
+            <a:spLocks noGrp="1"/>
+          </p:cNvSpPr>
+          <p:nvPr>
+            <p:ph idx="1"/>
+          </p:nvPr>
+        </p:nvSpPr>
+        <p:spPr>
+          <a:xfrm>
+            <a:off x="913795" y="2076450"/>
+            <a:ext cx="10353762" cy="4022509"/>
+          </a:xfrm>
+        </p:spPr>
+        <p:txBody>
+          <a:bodyPr/>
+          <a:lstStyle/>
+          <a:p>
+            <a:r>
+              <a:rPr lang="sr-Latn-RS" dirty="0"/>
+              <a:t>Tiče se upita koji referenciraju tabelarne varijable.</a:t>
+            </a:r>
+          </a:p>
+          <a:p>
+            <a:r>
+              <a:rPr lang="sr-Latn-RS" dirty="0"/>
+              <a:t>Tokom kreiranja plana izvršenja, koristiće se procene </a:t>
+            </a:r>
+            <a:r>
+              <a:rPr lang="sr-Latn-RS" dirty="0" err="1"/>
+              <a:t>kardinalnosti</a:t>
+            </a:r>
+            <a:r>
+              <a:rPr lang="sr-Latn-RS" dirty="0"/>
+              <a:t> na osnovu pravih brojeva redova.</a:t>
+            </a:r>
+          </a:p>
+          <a:p>
+            <a:r>
+              <a:rPr lang="sr-Latn-RS" dirty="0"/>
+              <a:t>Kreiranja dela plana koji se tiče tabelarne varijable se odlaže do prvog izvršenja.</a:t>
+            </a:r>
+          </a:p>
+        </p:txBody>
+      </p:sp>
+      <p:pic>
+        <p:nvPicPr>
+          <p:cNvPr id="4" name="Picture 3" descr="Graphical user interface, text&#10;&#10;Description automatically generated">
+            <a:extLst>
+              <a:ext uri="{FF2B5EF4-FFF2-40B4-BE49-F238E27FC236}">
+                <a16:creationId xmlns:a16="http://schemas.microsoft.com/office/drawing/2014/main" id="{AE93756D-8188-444F-87B1-68B61DAA22B6}"/>
+              </a:ext>
+            </a:extLst>
+          </p:cNvPr>
+          <p:cNvPicPr>
+            <a:picLocks noChangeAspect="1"/>
+          </p:cNvPicPr>
+          <p:nvPr/>
+        </p:nvPicPr>
+        <p:blipFill>
+          <a:blip r:embed="rId2">
+            <a:extLst>
+              <a:ext uri="{28A0092B-C50C-407E-A947-70E740481C1C}">
+                <a14:useLocalDpi xmlns:a14="http://schemas.microsoft.com/office/drawing/2010/main" val="0"/>
+              </a:ext>
+            </a:extLst>
+          </a:blip>
+          <a:srcRect/>
+          <a:stretch>
+            <a:fillRect/>
+          </a:stretch>
+        </p:blipFill>
+        <p:spPr bwMode="auto">
+          <a:xfrm>
+            <a:off x="2938901" y="4247299"/>
+            <a:ext cx="6314197" cy="2229701"/>
+          </a:xfrm>
+          <a:prstGeom prst="rect">
+            <a:avLst/>
+          </a:prstGeom>
+          <a:noFill/>
+          <a:ln>
+            <a:solidFill>
+              <a:schemeClr val="accent1"/>
+            </a:solidFill>
+          </a:ln>
+        </p:spPr>
+      </p:pic>
+    </p:spTree>
+    <p:extLst>
+      <p:ext uri="{BB962C8B-B14F-4D97-AF65-F5344CB8AC3E}">
+        <p14:creationId xmlns:p14="http://schemas.microsoft.com/office/powerpoint/2010/main" val="3422973815"/>
+      </p:ext>
+    </p:extLst>
+  </p:cSld>
+  <p:clrMapOvr>
+    <a:masterClrMapping/>
+  </p:clrMapOvr>
+</p:sld>
+</file>
+
+<file path=ppt/slides/slide22.xml><?xml version="1.0" encoding="utf-8"?>
+<p:sld xmlns:a="http://schemas.openxmlformats.org/drawingml/2006/main" xmlns:r="http://schemas.openxmlformats.org/officeDocument/2006/relationships" xmlns:p="http://schemas.openxmlformats.org/presentationml/2006/main">
+  <p:cSld>
+    <p:spTree>
+      <p:nvGrpSpPr>
+        <p:cNvPr id="1" name=""/>
+        <p:cNvGrpSpPr/>
+        <p:nvPr/>
+      </p:nvGrpSpPr>
+      <p:grpSpPr>
+        <a:xfrm>
+          <a:off x="0" y="0"/>
+          <a:ext cx="0" cy="0"/>
+          <a:chOff x="0" y="0"/>
+          <a:chExt cx="0" cy="0"/>
+        </a:xfrm>
+      </p:grpSpPr>
+      <p:sp>
+        <p:nvSpPr>
+          <p:cNvPr id="2" name="Title 1">
+            <a:extLst>
+              <a:ext uri="{FF2B5EF4-FFF2-40B4-BE49-F238E27FC236}">
+                <a16:creationId xmlns:a16="http://schemas.microsoft.com/office/drawing/2014/main" id="{F7F1C62B-B168-4B33-BF5D-7126BCEFA330}"/>
+              </a:ext>
+            </a:extLst>
+          </p:cNvPr>
+          <p:cNvSpPr>
+            <a:spLocks noGrp="1"/>
+          </p:cNvSpPr>
+          <p:nvPr>
+            <p:ph type="title"/>
+          </p:nvPr>
+        </p:nvSpPr>
+        <p:spPr/>
+        <p:txBody>
+          <a:bodyPr/>
+          <a:lstStyle/>
+          <a:p>
+            <a:r>
+              <a:rPr lang="sr-Latn-RS" dirty="0" err="1"/>
+              <a:t>Batch</a:t>
+            </a:r>
+            <a:r>
+              <a:rPr lang="sr-Latn-RS" dirty="0"/>
+              <a:t> Mode on </a:t>
+            </a:r>
+            <a:r>
+              <a:rPr lang="sr-Latn-RS" dirty="0" err="1"/>
+              <a:t>Rowstore</a:t>
+            </a:r>
+            <a:endParaRPr lang="sr-Latn-RS" dirty="0"/>
+          </a:p>
+        </p:txBody>
+      </p:sp>
+      <p:sp>
+        <p:nvSpPr>
+          <p:cNvPr id="3" name="Content Placeholder 2">
+            <a:extLst>
+              <a:ext uri="{FF2B5EF4-FFF2-40B4-BE49-F238E27FC236}">
+                <a16:creationId xmlns:a16="http://schemas.microsoft.com/office/drawing/2014/main" id="{B148B68A-6F74-4148-8523-B868FF7245FF}"/>
+              </a:ext>
+            </a:extLst>
+          </p:cNvPr>
+          <p:cNvSpPr>
+            <a:spLocks noGrp="1"/>
+          </p:cNvSpPr>
+          <p:nvPr>
+            <p:ph idx="1"/>
+          </p:nvPr>
+        </p:nvSpPr>
+        <p:spPr/>
+        <p:txBody>
+          <a:bodyPr/>
+          <a:lstStyle/>
+          <a:p>
+            <a:r>
+              <a:rPr lang="sr-Latn-RS" dirty="0"/>
+              <a:t>Omogućava serijski </a:t>
+            </a:r>
+            <a:r>
+              <a:rPr lang="sr-Latn-RS" dirty="0" err="1"/>
+              <a:t>mod</a:t>
+            </a:r>
+            <a:r>
+              <a:rPr lang="sr-Latn-RS" dirty="0"/>
+              <a:t> izvršenja bez potrebe za </a:t>
+            </a:r>
+            <a:r>
+              <a:rPr lang="sr-Latn-RS" dirty="0" err="1"/>
+              <a:t>rowstore</a:t>
+            </a:r>
+            <a:r>
+              <a:rPr lang="sr-Latn-RS" dirty="0"/>
+              <a:t> indeksima.</a:t>
+            </a:r>
+          </a:p>
+          <a:p>
+            <a:r>
+              <a:rPr lang="sr-Latn-RS" dirty="0" err="1"/>
+              <a:t>Rowstore</a:t>
+            </a:r>
+            <a:r>
+              <a:rPr lang="sr-Latn-RS" dirty="0"/>
+              <a:t> indeksi funkcionišu tako što analitički upiti pristupaju samo vrednostima određenih kolona.</a:t>
+            </a:r>
+          </a:p>
+          <a:p>
+            <a:r>
+              <a:rPr lang="sr-Latn-RS" dirty="0"/>
+              <a:t>Pre verzije iz 2019. serijski </a:t>
+            </a:r>
+            <a:r>
+              <a:rPr lang="sr-Latn-RS" dirty="0" err="1"/>
+              <a:t>mod</a:t>
+            </a:r>
+            <a:r>
+              <a:rPr lang="sr-Latn-RS" dirty="0"/>
+              <a:t> izvršenja je bio moguć samo za tabele koje sadrže ovakve indekse.</a:t>
+            </a:r>
+          </a:p>
+          <a:p>
+            <a:r>
+              <a:rPr lang="sr-Latn-RS" dirty="0"/>
+              <a:t>Od nove verzije, moguće je primeniti u nekim slučajevima serijski </a:t>
+            </a:r>
+            <a:r>
+              <a:rPr lang="sr-Latn-RS" dirty="0" err="1"/>
+              <a:t>mod</a:t>
+            </a:r>
+            <a:r>
+              <a:rPr lang="sr-Latn-RS" dirty="0"/>
+              <a:t> izvršenja na tabele bez </a:t>
+            </a:r>
+            <a:r>
+              <a:rPr lang="sr-Latn-RS" dirty="0" err="1"/>
+              <a:t>rowstore</a:t>
+            </a:r>
+            <a:r>
+              <a:rPr lang="sr-Latn-RS" dirty="0"/>
+              <a:t> indeksa.</a:t>
+            </a:r>
+          </a:p>
+        </p:txBody>
+      </p:sp>
+    </p:spTree>
+    <p:extLst>
+      <p:ext uri="{BB962C8B-B14F-4D97-AF65-F5344CB8AC3E}">
+        <p14:creationId xmlns:p14="http://schemas.microsoft.com/office/powerpoint/2010/main" val="4085890071"/>
+      </p:ext>
+    </p:extLst>
+  </p:cSld>
+  <p:clrMapOvr>
+    <a:masterClrMapping/>
+  </p:clrMapOvr>
+</p:sld>
+</file>
+
+<file path=ppt/slides/slide23.xml><?xml version="1.0" encoding="utf-8"?>
+<p:sld xmlns:a="http://schemas.openxmlformats.org/drawingml/2006/main" xmlns:r="http://schemas.openxmlformats.org/officeDocument/2006/relationships" xmlns:p="http://schemas.openxmlformats.org/presentationml/2006/main">
+  <p:cSld>
+    <p:spTree>
+      <p:nvGrpSpPr>
+        <p:cNvPr id="1" name=""/>
+        <p:cNvGrpSpPr/>
+        <p:nvPr/>
+      </p:nvGrpSpPr>
+      <p:grpSpPr>
+        <a:xfrm>
+          <a:off x="0" y="0"/>
+          <a:ext cx="0" cy="0"/>
+          <a:chOff x="0" y="0"/>
+          <a:chExt cx="0" cy="0"/>
+        </a:xfrm>
+      </p:grpSpPr>
+      <p:sp>
+        <p:nvSpPr>
+          <p:cNvPr id="2" name="Title 1">
+            <a:extLst>
+              <a:ext uri="{FF2B5EF4-FFF2-40B4-BE49-F238E27FC236}">
+                <a16:creationId xmlns:a16="http://schemas.microsoft.com/office/drawing/2014/main" id="{38D02097-288D-4BB9-9A63-C2D53B10C41D}"/>
+              </a:ext>
+            </a:extLst>
+          </p:cNvPr>
+          <p:cNvSpPr>
+            <a:spLocks noGrp="1"/>
+          </p:cNvSpPr>
+          <p:nvPr>
+            <p:ph type="title"/>
+          </p:nvPr>
+        </p:nvSpPr>
+        <p:spPr/>
+        <p:txBody>
+          <a:bodyPr/>
+          <a:lstStyle/>
+          <a:p>
+            <a:r>
+              <a:rPr lang="sr-Latn-RS" dirty="0" err="1"/>
+              <a:t>Approximate</a:t>
+            </a:r>
+            <a:r>
+              <a:rPr lang="sr-Latn-RS" dirty="0"/>
+              <a:t> </a:t>
+            </a:r>
+            <a:r>
+              <a:rPr lang="sr-Latn-RS" dirty="0" err="1"/>
+              <a:t>Count</a:t>
+            </a:r>
+            <a:r>
+              <a:rPr lang="sr-Latn-RS" dirty="0"/>
+              <a:t> </a:t>
+            </a:r>
+            <a:r>
+              <a:rPr lang="sr-Latn-RS" dirty="0" err="1"/>
+              <a:t>Distinct</a:t>
+            </a:r>
+            <a:endParaRPr lang="sr-Latn-RS" dirty="0"/>
+          </a:p>
+        </p:txBody>
+      </p:sp>
+      <p:sp>
+        <p:nvSpPr>
+          <p:cNvPr id="3" name="Content Placeholder 2">
+            <a:extLst>
+              <a:ext uri="{FF2B5EF4-FFF2-40B4-BE49-F238E27FC236}">
+                <a16:creationId xmlns:a16="http://schemas.microsoft.com/office/drawing/2014/main" id="{C83E63B9-AC53-4295-A139-490E1966E3F8}"/>
+              </a:ext>
+            </a:extLst>
+          </p:cNvPr>
+          <p:cNvSpPr>
+            <a:spLocks noGrp="1"/>
+          </p:cNvSpPr>
+          <p:nvPr>
+            <p:ph idx="1"/>
+          </p:nvPr>
+        </p:nvSpPr>
+        <p:spPr>
+          <a:xfrm>
+            <a:off x="913794" y="2076450"/>
+            <a:ext cx="10485133" cy="3714749"/>
+          </a:xfrm>
+        </p:spPr>
+        <p:txBody>
+          <a:bodyPr/>
+          <a:lstStyle/>
+          <a:p>
+            <a:r>
+              <a:rPr lang="sr-Latn-RS" dirty="0"/>
+              <a:t>Deo nove pod-porodice funkcionalnosti koja omogućava bolje performanse kod </a:t>
+            </a:r>
+            <a:r>
+              <a:rPr lang="sr-Latn-RS" dirty="0" err="1"/>
+              <a:t>odreženih</a:t>
+            </a:r>
+            <a:r>
+              <a:rPr lang="sr-Latn-RS" dirty="0"/>
+              <a:t> upita kroz aproksimaciju.</a:t>
+            </a:r>
+          </a:p>
+          <a:p>
+            <a:r>
+              <a:rPr lang="sr-Latn-RS" dirty="0"/>
+              <a:t>Koristi kod veoma velikih količina podataka gde je odziv bitniji od apsolutne preciznosti.</a:t>
+            </a:r>
+          </a:p>
+          <a:p>
+            <a:r>
+              <a:rPr lang="sr-Latn-RS" dirty="0"/>
+              <a:t>Dodata T-SQL funkcija pod imenom </a:t>
+            </a:r>
+            <a:r>
+              <a:rPr lang="sr-Latn-RS" b="1" dirty="0"/>
+              <a:t>APPROX_COUNT_DISTINCT ( </a:t>
+            </a:r>
+            <a:r>
+              <a:rPr lang="sr-Latn-RS" b="1" i="1" dirty="0" err="1"/>
+              <a:t>expression</a:t>
+            </a:r>
+            <a:r>
+              <a:rPr lang="sr-Latn-RS" b="1" dirty="0"/>
+              <a:t> )</a:t>
+            </a:r>
+            <a:r>
+              <a:rPr lang="sr-Latn-RS" dirty="0"/>
+              <a:t>.</a:t>
+            </a:r>
+            <a:endParaRPr lang="sr-Latn-RS" b="1" dirty="0"/>
+          </a:p>
+          <a:p>
+            <a:r>
+              <a:rPr lang="sr-Latn-RS" dirty="0"/>
+              <a:t>Optimizovana za izvršenje nad više miliona redova.</a:t>
+            </a:r>
+          </a:p>
+          <a:p>
+            <a:r>
+              <a:rPr lang="sr-Latn-RS" dirty="0"/>
+              <a:t>Garantuje se maksimalna greška od 2% sa sigurnošću od 97%.</a:t>
+            </a:r>
+          </a:p>
+        </p:txBody>
+      </p:sp>
+    </p:spTree>
+    <p:extLst>
+      <p:ext uri="{BB962C8B-B14F-4D97-AF65-F5344CB8AC3E}">
+        <p14:creationId xmlns:p14="http://schemas.microsoft.com/office/powerpoint/2010/main" val="4283530033"/>
+      </p:ext>
+    </p:extLst>
+  </p:cSld>
+  <p:clrMapOvr>
+    <a:masterClrMapping/>
+  </p:clrMapOvr>
+</p:sld>
+</file>
+
+<file path=ppt/slides/slide24.xml><?xml version="1.0" encoding="utf-8"?>
+<p:sld xmlns:a="http://schemas.openxmlformats.org/drawingml/2006/main" xmlns:r="http://schemas.openxmlformats.org/officeDocument/2006/relationships" xmlns:p="http://schemas.openxmlformats.org/presentationml/2006/main">
+  <p:cSld>
+    <p:spTree>
+      <p:nvGrpSpPr>
+        <p:cNvPr id="1" name=""/>
+        <p:cNvGrpSpPr/>
+        <p:nvPr/>
+      </p:nvGrpSpPr>
+      <p:grpSpPr>
+        <a:xfrm>
+          <a:off x="0" y="0"/>
+          <a:ext cx="0" cy="0"/>
+          <a:chOff x="0" y="0"/>
+          <a:chExt cx="0" cy="0"/>
+        </a:xfrm>
+      </p:grpSpPr>
+      <p:sp>
+        <p:nvSpPr>
+          <p:cNvPr id="2" name="Title 1">
+            <a:extLst>
+              <a:ext uri="{FF2B5EF4-FFF2-40B4-BE49-F238E27FC236}">
+                <a16:creationId xmlns:a16="http://schemas.microsoft.com/office/drawing/2014/main" id="{F172F998-3AF6-473C-9D65-41FFA67FC4D8}"/>
+              </a:ext>
+            </a:extLst>
+          </p:cNvPr>
+          <p:cNvSpPr>
+            <a:spLocks noGrp="1"/>
+          </p:cNvSpPr>
+          <p:nvPr>
+            <p:ph type="title"/>
+          </p:nvPr>
+        </p:nvSpPr>
+        <p:spPr/>
+        <p:txBody>
+          <a:bodyPr/>
+          <a:lstStyle/>
+          <a:p>
+            <a:r>
+              <a:rPr lang="sr-Latn-RS" dirty="0" err="1"/>
+              <a:t>Scalar</a:t>
+            </a:r>
+            <a:r>
+              <a:rPr lang="sr-Latn-RS" dirty="0"/>
+              <a:t> UDF </a:t>
+            </a:r>
+            <a:r>
+              <a:rPr lang="sr-Latn-RS" dirty="0" err="1"/>
+              <a:t>inlining</a:t>
+            </a:r>
+            <a:endParaRPr lang="sr-Latn-RS" dirty="0"/>
+          </a:p>
+        </p:txBody>
+      </p:sp>
+      <p:sp>
+        <p:nvSpPr>
+          <p:cNvPr id="3" name="Content Placeholder 2">
+            <a:extLst>
+              <a:ext uri="{FF2B5EF4-FFF2-40B4-BE49-F238E27FC236}">
+                <a16:creationId xmlns:a16="http://schemas.microsoft.com/office/drawing/2014/main" id="{3A46604F-9725-43F3-8754-4B6031D03B47}"/>
+              </a:ext>
+            </a:extLst>
+          </p:cNvPr>
+          <p:cNvSpPr>
+            <a:spLocks noGrp="1"/>
+          </p:cNvSpPr>
+          <p:nvPr>
+            <p:ph idx="1"/>
+          </p:nvPr>
+        </p:nvSpPr>
+        <p:spPr>
+          <a:xfrm>
+            <a:off x="913795" y="2076450"/>
+            <a:ext cx="5495883" cy="4306595"/>
+          </a:xfrm>
+        </p:spPr>
+        <p:txBody>
+          <a:bodyPr>
+            <a:normAutofit/>
+          </a:bodyPr>
+          <a:lstStyle/>
+          <a:p>
+            <a:r>
+              <a:rPr lang="sr-Latn-RS" dirty="0"/>
+              <a:t>Tiče se funkcija definisanih od strane korisnika koje vraćaju </a:t>
+            </a:r>
+            <a:r>
+              <a:rPr lang="sr-Latn-RS" dirty="0" err="1"/>
+              <a:t>skalarne</a:t>
+            </a:r>
+            <a:r>
+              <a:rPr lang="sr-Latn-RS" dirty="0"/>
+              <a:t> rezultate, tj. upita koji ih pozivaju.</a:t>
+            </a:r>
+          </a:p>
+          <a:p>
+            <a:r>
+              <a:rPr lang="sr-Latn-RS" dirty="0"/>
+              <a:t>Poziv funkcije u upitu se transformiše u relacioni izraz, a zatim ugrađuju u sam upit.</a:t>
+            </a:r>
+          </a:p>
+          <a:p>
+            <a:r>
+              <a:rPr lang="sr-Latn-RS" dirty="0"/>
+              <a:t>Ovo dovodi do velikog poboljšanja u performansama, jer između ostalog omogućava da i taj deo upita bude optimizovan.</a:t>
+            </a:r>
+          </a:p>
+        </p:txBody>
+      </p:sp>
+      <p:pic>
+        <p:nvPicPr>
+          <p:cNvPr id="4" name="Picture 3" descr="Graphical user interface, text&#10;&#10;Description automatically generated with medium confidence">
+            <a:extLst>
+              <a:ext uri="{FF2B5EF4-FFF2-40B4-BE49-F238E27FC236}">
+                <a16:creationId xmlns:a16="http://schemas.microsoft.com/office/drawing/2014/main" id="{E0ECCCEE-357A-402D-942D-F7FCB940E3DD}"/>
+              </a:ext>
+            </a:extLst>
+          </p:cNvPr>
+          <p:cNvPicPr>
+            <a:picLocks noChangeAspect="1"/>
+          </p:cNvPicPr>
+          <p:nvPr/>
+        </p:nvPicPr>
+        <p:blipFill>
+          <a:blip r:embed="rId2">
+            <a:extLst>
+              <a:ext uri="{28A0092B-C50C-407E-A947-70E740481C1C}">
+                <a14:useLocalDpi xmlns:a14="http://schemas.microsoft.com/office/drawing/2010/main" val="0"/>
+              </a:ext>
+            </a:extLst>
+          </a:blip>
+          <a:srcRect/>
+          <a:stretch>
+            <a:fillRect/>
+          </a:stretch>
+        </p:blipFill>
+        <p:spPr bwMode="auto">
+          <a:xfrm>
+            <a:off x="6409678" y="3362326"/>
+            <a:ext cx="5204372" cy="2886074"/>
+          </a:xfrm>
+          <a:prstGeom prst="rect">
+            <a:avLst/>
+          </a:prstGeom>
+          <a:noFill/>
+          <a:ln>
+            <a:solidFill>
+              <a:schemeClr val="accent1"/>
+            </a:solidFill>
+          </a:ln>
+        </p:spPr>
+      </p:pic>
+    </p:spTree>
+    <p:extLst>
+      <p:ext uri="{BB962C8B-B14F-4D97-AF65-F5344CB8AC3E}">
+        <p14:creationId xmlns:p14="http://schemas.microsoft.com/office/powerpoint/2010/main" val="3416175414"/>
+      </p:ext>
+    </p:extLst>
+  </p:cSld>
+  <p:clrMapOvr>
+    <a:masterClrMapping/>
+  </p:clrMapOvr>
+</p:sld>
+</file>
+
+<file path=ppt/slides/slide25.xml><?xml version="1.0" encoding="utf-8"?>
+<p:sld xmlns:a="http://schemas.openxmlformats.org/drawingml/2006/main" xmlns:r="http://schemas.openxmlformats.org/officeDocument/2006/relationships" xmlns:p="http://schemas.openxmlformats.org/presentationml/2006/main">
+  <p:cSld>
+    <p:spTree>
+      <p:nvGrpSpPr>
+        <p:cNvPr id="1" name=""/>
+        <p:cNvGrpSpPr/>
+        <p:nvPr/>
+      </p:nvGrpSpPr>
+      <p:grpSpPr>
+        <a:xfrm>
+          <a:off x="0" y="0"/>
+          <a:ext cx="0" cy="0"/>
+          <a:chOff x="0" y="0"/>
+          <a:chExt cx="0" cy="0"/>
+        </a:xfrm>
+      </p:grpSpPr>
+      <p:pic>
+        <p:nvPicPr>
+          <p:cNvPr id="2" name="Picture 1" descr="Query Plan without inlining">
+            <a:extLst>
+              <a:ext uri="{FF2B5EF4-FFF2-40B4-BE49-F238E27FC236}">
+                <a16:creationId xmlns:a16="http://schemas.microsoft.com/office/drawing/2014/main" id="{FC8F4664-1CF0-465A-94EA-71BEACF3CD03}"/>
+              </a:ext>
+            </a:extLst>
+          </p:cNvPr>
+          <p:cNvPicPr>
+            <a:picLocks noChangeAspect="1"/>
+          </p:cNvPicPr>
+          <p:nvPr/>
+        </p:nvPicPr>
+        <p:blipFill>
+          <a:blip r:embed="rId2">
+            <a:extLst>
+              <a:ext uri="{28A0092B-C50C-407E-A947-70E740481C1C}">
+                <a14:useLocalDpi xmlns:a14="http://schemas.microsoft.com/office/drawing/2010/main" val="0"/>
+              </a:ext>
+            </a:extLst>
+          </a:blip>
+          <a:srcRect/>
+          <a:stretch>
+            <a:fillRect/>
+          </a:stretch>
+        </p:blipFill>
+        <p:spPr bwMode="auto">
+          <a:xfrm>
+            <a:off x="2849730" y="1236907"/>
+            <a:ext cx="6492536" cy="985904"/>
+          </a:xfrm>
+          <a:prstGeom prst="rect">
+            <a:avLst/>
+          </a:prstGeom>
+          <a:noFill/>
+          <a:ln>
+            <a:solidFill>
+              <a:schemeClr val="accent1"/>
+            </a:solidFill>
+          </a:ln>
+        </p:spPr>
+      </p:pic>
+      <p:pic>
+        <p:nvPicPr>
+          <p:cNvPr id="3" name="Picture 2" descr="Query Plan with inlining">
+            <a:extLst>
+              <a:ext uri="{FF2B5EF4-FFF2-40B4-BE49-F238E27FC236}">
+                <a16:creationId xmlns:a16="http://schemas.microsoft.com/office/drawing/2014/main" id="{4D9EE972-15AA-4A85-A19A-1BF20B531D16}"/>
+              </a:ext>
+            </a:extLst>
+          </p:cNvPr>
+          <p:cNvPicPr>
+            <a:picLocks noChangeAspect="1"/>
+          </p:cNvPicPr>
+          <p:nvPr/>
+        </p:nvPicPr>
+        <p:blipFill>
+          <a:blip r:embed="rId3">
+            <a:extLst>
+              <a:ext uri="{28A0092B-C50C-407E-A947-70E740481C1C}">
+                <a14:useLocalDpi xmlns:a14="http://schemas.microsoft.com/office/drawing/2010/main" val="0"/>
+              </a:ext>
+            </a:extLst>
+          </a:blip>
+          <a:srcRect/>
+          <a:stretch>
+            <a:fillRect/>
+          </a:stretch>
+        </p:blipFill>
+        <p:spPr bwMode="auto">
+          <a:xfrm>
+            <a:off x="1039088" y="3511938"/>
+            <a:ext cx="10113819" cy="2654877"/>
+          </a:xfrm>
+          <a:prstGeom prst="rect">
+            <a:avLst/>
+          </a:prstGeom>
+          <a:noFill/>
+          <a:ln>
+            <a:solidFill>
+              <a:schemeClr val="accent1"/>
+            </a:solidFill>
+          </a:ln>
+        </p:spPr>
+      </p:pic>
+      <p:sp>
+        <p:nvSpPr>
+          <p:cNvPr id="4" name="Content Placeholder 6">
+            <a:extLst>
+              <a:ext uri="{FF2B5EF4-FFF2-40B4-BE49-F238E27FC236}">
+                <a16:creationId xmlns:a16="http://schemas.microsoft.com/office/drawing/2014/main" id="{E745B11A-B6E5-4C64-AD71-65BCA122E0D7}"/>
+              </a:ext>
+            </a:extLst>
+          </p:cNvPr>
+          <p:cNvSpPr txBox="1">
+            <a:spLocks/>
+          </p:cNvSpPr>
+          <p:nvPr/>
+        </p:nvSpPr>
+        <p:spPr>
+          <a:xfrm>
+            <a:off x="2921272" y="498194"/>
+            <a:ext cx="6711000" cy="604542"/>
+          </a:xfrm>
+          <a:prstGeom prst="rect">
+            <a:avLst/>
+          </a:prstGeom>
+          <a:effectLst>
+            <a:outerShdw blurRad="25400" dir="17880000">
+              <a:srgbClr val="000000">
+                <a:alpha val="46000"/>
+              </a:srgbClr>
+            </a:outerShdw>
+          </a:effectLst>
+        </p:spPr>
+        <p:txBody>
+          <a:bodyPr vert="horz" lIns="91440" tIns="45720" rIns="91440" bIns="45720" rtlCol="0" anchor="t">
+            <a:normAutofit fontScale="92500"/>
+          </a:bodyPr>
+          <a:lstStyle>
+            <a:lvl1pPr marL="342900" indent="-306000" algn="l" defTabSz="457200" rtl="0" eaLnBrk="1" latinLnBrk="0" hangingPunct="1">
+              <a:lnSpc>
+                <a:spcPct val="110000"/>
+              </a:lnSpc>
+              <a:spcBef>
+                <a:spcPct val="20000"/>
+              </a:spcBef>
+              <a:spcAft>
+                <a:spcPts val="600"/>
+              </a:spcAft>
+              <a:buClr>
+                <a:schemeClr val="tx2"/>
+              </a:buClr>
+              <a:buSzPct val="70000"/>
+              <a:buFont typeface="Wingdings 2" charset="2"/>
+              <a:buChar char=""/>
+              <a:defRPr sz="2300" kern="1200">
+                <a:ln>
+                  <a:solidFill>
+                    <a:schemeClr val="bg1">
+                      <a:lumMod val="75000"/>
+                      <a:lumOff val="25000"/>
+                      <a:alpha val="10000"/>
+                    </a:schemeClr>
+                  </a:solidFill>
+                </a:ln>
+                <a:solidFill>
+                  <a:schemeClr val="tx2"/>
+                </a:solidFill>
+                <a:effectLst>
+                  <a:outerShdw blurRad="9525" dist="25400" dir="14640000" algn="tl" rotWithShape="0">
+                    <a:schemeClr val="bg1">
+                      <a:alpha val="30000"/>
+                    </a:schemeClr>
+                  </a:outerShdw>
+                </a:effectLst>
+                <a:latin typeface="+mn-lt"/>
+                <a:ea typeface="+mn-ea"/>
+                <a:cs typeface="+mn-cs"/>
+              </a:defRPr>
+            </a:lvl1pPr>
+            <a:lvl2pPr marL="720000" indent="-270000" algn="l" defTabSz="457200" rtl="0" eaLnBrk="1" latinLnBrk="0" hangingPunct="1">
+              <a:spcBef>
+                <a:spcPct val="20000"/>
+              </a:spcBef>
+              <a:spcAft>
+                <a:spcPts val="600"/>
+              </a:spcAft>
+              <a:buClr>
+                <a:schemeClr val="tx2"/>
+              </a:buClr>
+              <a:buSzPct val="70000"/>
+              <a:buFont typeface="Wingdings 2" charset="2"/>
+              <a:buChar char=""/>
+              <a:defRPr sz="2100" kern="1200">
+                <a:ln>
+                  <a:solidFill>
+                    <a:schemeClr val="bg1">
+                      <a:lumMod val="75000"/>
+                      <a:lumOff val="25000"/>
+                      <a:alpha val="10000"/>
+                    </a:schemeClr>
+                  </a:solidFill>
+                </a:ln>
+                <a:solidFill>
+                  <a:schemeClr val="tx2"/>
+                </a:solidFill>
+                <a:effectLst>
+                  <a:outerShdw blurRad="9525" dist="25400" dir="14640000" algn="tl" rotWithShape="0">
+                    <a:schemeClr val="bg1">
+                      <a:alpha val="30000"/>
+                    </a:schemeClr>
+                  </a:outerShdw>
+                </a:effectLst>
+                <a:latin typeface="+mn-lt"/>
+                <a:ea typeface="+mn-ea"/>
+                <a:cs typeface="+mn-cs"/>
+              </a:defRPr>
+            </a:lvl2pPr>
+            <a:lvl3pPr marL="1026000" indent="-216000" algn="l" defTabSz="457200" rtl="0" eaLnBrk="1" latinLnBrk="0" hangingPunct="1">
+              <a:spcBef>
+                <a:spcPct val="20000"/>
+              </a:spcBef>
+              <a:spcAft>
+                <a:spcPts val="600"/>
+              </a:spcAft>
+              <a:buClr>
+                <a:schemeClr val="tx2"/>
+              </a:buClr>
+              <a:buSzPct val="70000"/>
+              <a:buFont typeface="Wingdings 2" charset="2"/>
+              <a:buChar char=""/>
+              <a:defRPr sz="1800" kern="1200">
+                <a:ln>
+                  <a:solidFill>
+                    <a:schemeClr val="bg1">
+                      <a:lumMod val="75000"/>
+                      <a:lumOff val="25000"/>
+                      <a:alpha val="10000"/>
+                    </a:schemeClr>
+                  </a:solidFill>
+                </a:ln>
+                <a:solidFill>
+                  <a:schemeClr val="tx2"/>
+                </a:solidFill>
+                <a:effectLst>
+                  <a:outerShdw blurRad="9525" dist="25400" dir="14640000" algn="tl" rotWithShape="0">
+                    <a:schemeClr val="bg1">
+                      <a:alpha val="30000"/>
+                    </a:schemeClr>
+                  </a:outerShdw>
+                </a:effectLst>
+                <a:latin typeface="+mn-lt"/>
+                <a:ea typeface="+mn-ea"/>
+                <a:cs typeface="+mn-cs"/>
+              </a:defRPr>
+            </a:lvl3pPr>
+            <a:lvl4pPr marL="1386000" indent="-216000" algn="l" defTabSz="457200" rtl="0" eaLnBrk="1" latinLnBrk="0" hangingPunct="1">
+              <a:spcBef>
+                <a:spcPct val="20000"/>
+              </a:spcBef>
+              <a:spcAft>
+                <a:spcPts val="600"/>
+              </a:spcAft>
+              <a:buClr>
+                <a:schemeClr val="tx2"/>
+              </a:buClr>
+              <a:buSzPct val="70000"/>
+              <a:buFont typeface="Wingdings 2" charset="2"/>
+              <a:buChar char=""/>
+              <a:defRPr sz="1600" kern="1200">
+                <a:ln>
+                  <a:solidFill>
+                    <a:schemeClr val="bg1">
+                      <a:lumMod val="75000"/>
+                      <a:lumOff val="25000"/>
+                      <a:alpha val="10000"/>
+                    </a:schemeClr>
+                  </a:solidFill>
+                </a:ln>
+                <a:solidFill>
+                  <a:schemeClr val="tx2"/>
+                </a:solidFill>
+                <a:effectLst>
+                  <a:outerShdw blurRad="9525" dist="25400" dir="14640000" algn="tl" rotWithShape="0">
+                    <a:schemeClr val="bg1">
+                      <a:alpha val="30000"/>
+                    </a:schemeClr>
+                  </a:outerShdw>
+                </a:effectLst>
+                <a:latin typeface="+mn-lt"/>
+                <a:ea typeface="+mn-ea"/>
+                <a:cs typeface="+mn-cs"/>
+              </a:defRPr>
+            </a:lvl4pPr>
+            <a:lvl5pPr marL="1674000" indent="-216000" algn="l" defTabSz="457200" rtl="0" eaLnBrk="1" latinLnBrk="0" hangingPunct="1">
+              <a:spcBef>
+                <a:spcPct val="20000"/>
+              </a:spcBef>
+              <a:spcAft>
+                <a:spcPts val="600"/>
+              </a:spcAft>
+              <a:buClr>
+                <a:schemeClr val="tx2"/>
+              </a:buClr>
+              <a:buSzPct val="70000"/>
+              <a:buFont typeface="Wingdings 2" charset="2"/>
+              <a:buChar char=""/>
+              <a:defRPr sz="1600" kern="1200">
+                <a:ln>
+                  <a:solidFill>
+                    <a:schemeClr val="bg1">
+                      <a:lumMod val="75000"/>
+                      <a:lumOff val="25000"/>
+                      <a:alpha val="10000"/>
+                    </a:schemeClr>
+                  </a:solidFill>
+                </a:ln>
+                <a:solidFill>
+                  <a:schemeClr val="tx2"/>
+                </a:solidFill>
+                <a:effectLst>
+                  <a:outerShdw blurRad="9525" dist="25400" dir="14640000" algn="tl" rotWithShape="0">
+                    <a:schemeClr val="bg1">
+                      <a:alpha val="30000"/>
+                    </a:schemeClr>
+                  </a:outerShdw>
+                </a:effectLst>
+                <a:latin typeface="+mn-lt"/>
+                <a:ea typeface="+mn-ea"/>
+                <a:cs typeface="+mn-cs"/>
+              </a:defRPr>
+            </a:lvl5pPr>
+            <a:lvl6pPr marL="2014600" indent="-228600" algn="l" defTabSz="457200" rtl="0" eaLnBrk="1" latinLnBrk="0" hangingPunct="1">
+              <a:spcBef>
+                <a:spcPct val="20000"/>
+              </a:spcBef>
+              <a:spcAft>
+                <a:spcPts val="600"/>
+              </a:spcAft>
+              <a:buClr>
+                <a:schemeClr val="tx2"/>
+              </a:buClr>
+              <a:buSzPct val="70000"/>
+              <a:buFont typeface="Wingdings 2" charset="2"/>
+              <a:buChar char=""/>
+              <a:defRPr sz="1400" kern="1200">
+                <a:ln>
+                  <a:solidFill>
+                    <a:schemeClr val="bg1">
+                      <a:lumMod val="75000"/>
+                      <a:lumOff val="25000"/>
+                      <a:alpha val="10000"/>
+                    </a:schemeClr>
+                  </a:solidFill>
+                </a:ln>
+                <a:solidFill>
+                  <a:schemeClr val="tx2"/>
+                </a:solidFill>
+                <a:effectLst>
+                  <a:outerShdw blurRad="9525" dist="25400" dir="14640000" algn="tl" rotWithShape="0">
+                    <a:schemeClr val="bg1">
+                      <a:alpha val="30000"/>
+                    </a:schemeClr>
+                  </a:outerShdw>
+                </a:effectLst>
+                <a:latin typeface="+mn-lt"/>
+                <a:ea typeface="+mn-ea"/>
+                <a:cs typeface="+mn-cs"/>
+              </a:defRPr>
+            </a:lvl6pPr>
+            <a:lvl7pPr marL="2401800" indent="-228600" algn="l" defTabSz="457200" rtl="0" eaLnBrk="1" latinLnBrk="0" hangingPunct="1">
+              <a:spcBef>
+                <a:spcPct val="20000"/>
+              </a:spcBef>
+              <a:spcAft>
+                <a:spcPts val="600"/>
+              </a:spcAft>
+              <a:buClr>
+                <a:schemeClr val="tx2"/>
+              </a:buClr>
+              <a:buSzPct val="70000"/>
+              <a:buFont typeface="Wingdings 2" charset="2"/>
+              <a:buChar char=""/>
+              <a:defRPr sz="1400" kern="1200">
+                <a:ln>
+                  <a:solidFill>
+                    <a:schemeClr val="bg1">
+                      <a:lumMod val="75000"/>
+                      <a:lumOff val="25000"/>
+                      <a:alpha val="10000"/>
+                    </a:schemeClr>
+                  </a:solidFill>
+                </a:ln>
+                <a:solidFill>
+                  <a:schemeClr val="tx2"/>
+                </a:solidFill>
+                <a:effectLst>
+                  <a:outerShdw blurRad="9525" dist="25400" dir="14640000" algn="tl" rotWithShape="0">
+                    <a:schemeClr val="bg1">
+                      <a:alpha val="30000"/>
+                    </a:schemeClr>
+                  </a:outerShdw>
+                </a:effectLst>
+                <a:latin typeface="+mn-lt"/>
+                <a:ea typeface="+mn-ea"/>
+                <a:cs typeface="+mn-cs"/>
+              </a:defRPr>
+            </a:lvl7pPr>
+            <a:lvl8pPr marL="2789000" indent="-228600" algn="l" defTabSz="457200" rtl="0" eaLnBrk="1" latinLnBrk="0" hangingPunct="1">
+              <a:spcBef>
+                <a:spcPct val="20000"/>
+              </a:spcBef>
+              <a:spcAft>
+                <a:spcPts val="600"/>
+              </a:spcAft>
+              <a:buClr>
+                <a:schemeClr val="tx2"/>
+              </a:buClr>
+              <a:buSzPct val="70000"/>
+              <a:buFont typeface="Wingdings 2" charset="2"/>
+              <a:buChar char=""/>
+              <a:defRPr sz="1400" kern="1200">
+                <a:ln>
+                  <a:solidFill>
+                    <a:schemeClr val="bg1">
+                      <a:lumMod val="75000"/>
+                      <a:lumOff val="25000"/>
+                      <a:alpha val="10000"/>
+                    </a:schemeClr>
+                  </a:solidFill>
+                </a:ln>
+                <a:solidFill>
+                  <a:schemeClr val="tx2"/>
+                </a:solidFill>
+                <a:effectLst>
+                  <a:outerShdw blurRad="9525" dist="25400" dir="14640000" algn="tl" rotWithShape="0">
+                    <a:schemeClr val="bg1">
+                      <a:alpha val="30000"/>
+                    </a:schemeClr>
+                  </a:outerShdw>
+                </a:effectLst>
+                <a:latin typeface="+mn-lt"/>
+                <a:ea typeface="+mn-ea"/>
+                <a:cs typeface="+mn-cs"/>
+              </a:defRPr>
+            </a:lvl8pPr>
+            <a:lvl9pPr marL="3106200" indent="-228600" algn="l" defTabSz="457200" rtl="0" eaLnBrk="1" latinLnBrk="0" hangingPunct="1">
+              <a:spcBef>
+                <a:spcPct val="20000"/>
+              </a:spcBef>
+              <a:spcAft>
+                <a:spcPts val="600"/>
+              </a:spcAft>
+              <a:buClr>
+                <a:schemeClr val="tx2"/>
+              </a:buClr>
+              <a:buSzPct val="70000"/>
+              <a:buFont typeface="Wingdings 2" charset="2"/>
+              <a:buChar char=""/>
+              <a:defRPr sz="1400" kern="1200">
+                <a:ln>
+                  <a:solidFill>
+                    <a:schemeClr val="bg1">
+                      <a:lumMod val="75000"/>
+                      <a:lumOff val="25000"/>
+                      <a:alpha val="10000"/>
+                    </a:schemeClr>
+                  </a:solidFill>
+                </a:ln>
+                <a:solidFill>
+                  <a:schemeClr val="tx2"/>
+                </a:solidFill>
+                <a:effectLst>
+                  <a:outerShdw blurRad="9525" dist="25400" dir="14640000" algn="tl" rotWithShape="0">
+                    <a:schemeClr val="bg1">
+                      <a:alpha val="30000"/>
+                    </a:schemeClr>
+                  </a:outerShdw>
+                </a:effectLst>
+                <a:latin typeface="+mn-lt"/>
+                <a:ea typeface="+mn-ea"/>
+                <a:cs typeface="+mn-cs"/>
+              </a:defRPr>
+            </a:lvl9pPr>
+          </a:lstStyle>
+          <a:p>
+            <a:pPr marL="36900" indent="0">
+              <a:buNone/>
+            </a:pPr>
+            <a:r>
+              <a:rPr lang="sr-Latn-RS" dirty="0"/>
+              <a:t>Prosto i naivno generisan plan izvršenja kod starijih verzija</a:t>
+            </a:r>
+          </a:p>
+        </p:txBody>
+      </p:sp>
+      <p:sp>
+        <p:nvSpPr>
+          <p:cNvPr id="5" name="Content Placeholder 6">
+            <a:extLst>
+              <a:ext uri="{FF2B5EF4-FFF2-40B4-BE49-F238E27FC236}">
+                <a16:creationId xmlns:a16="http://schemas.microsoft.com/office/drawing/2014/main" id="{5B75753A-298C-47CE-B6D8-97322DD12ED1}"/>
+              </a:ext>
+            </a:extLst>
+          </p:cNvPr>
+          <p:cNvSpPr txBox="1">
+            <a:spLocks/>
+          </p:cNvSpPr>
+          <p:nvPr/>
+        </p:nvSpPr>
+        <p:spPr>
+          <a:xfrm>
+            <a:off x="2573432" y="2655784"/>
+            <a:ext cx="7406680" cy="604542"/>
+          </a:xfrm>
+          <a:prstGeom prst="rect">
+            <a:avLst/>
+          </a:prstGeom>
+          <a:effectLst>
+            <a:outerShdw blurRad="25400" dir="17880000">
+              <a:srgbClr val="000000">
+                <a:alpha val="46000"/>
+              </a:srgbClr>
+            </a:outerShdw>
+          </a:effectLst>
+        </p:spPr>
+        <p:txBody>
+          <a:bodyPr vert="horz" lIns="91440" tIns="45720" rIns="91440" bIns="45720" rtlCol="0" anchor="t">
+            <a:normAutofit/>
+          </a:bodyPr>
+          <a:lstStyle>
+            <a:lvl1pPr marL="342900" indent="-306000" algn="l" defTabSz="457200" rtl="0" eaLnBrk="1" latinLnBrk="0" hangingPunct="1">
+              <a:lnSpc>
+                <a:spcPct val="110000"/>
+              </a:lnSpc>
+              <a:spcBef>
+                <a:spcPct val="20000"/>
+              </a:spcBef>
+              <a:spcAft>
+                <a:spcPts val="600"/>
+              </a:spcAft>
+              <a:buClr>
+                <a:schemeClr val="tx2"/>
+              </a:buClr>
+              <a:buSzPct val="70000"/>
+              <a:buFont typeface="Wingdings 2" charset="2"/>
+              <a:buChar char=""/>
+              <a:defRPr sz="2300" kern="1200">
+                <a:ln>
+                  <a:solidFill>
+                    <a:schemeClr val="bg1">
+                      <a:lumMod val="75000"/>
+                      <a:lumOff val="25000"/>
+                      <a:alpha val="10000"/>
+                    </a:schemeClr>
+                  </a:solidFill>
+                </a:ln>
+                <a:solidFill>
+                  <a:schemeClr val="tx2"/>
+                </a:solidFill>
+                <a:effectLst>
+                  <a:outerShdw blurRad="9525" dist="25400" dir="14640000" algn="tl" rotWithShape="0">
+                    <a:schemeClr val="bg1">
+                      <a:alpha val="30000"/>
+                    </a:schemeClr>
+                  </a:outerShdw>
+                </a:effectLst>
+                <a:latin typeface="+mn-lt"/>
+                <a:ea typeface="+mn-ea"/>
+                <a:cs typeface="+mn-cs"/>
+              </a:defRPr>
+            </a:lvl1pPr>
+            <a:lvl2pPr marL="720000" indent="-270000" algn="l" defTabSz="457200" rtl="0" eaLnBrk="1" latinLnBrk="0" hangingPunct="1">
+              <a:spcBef>
+                <a:spcPct val="20000"/>
+              </a:spcBef>
+              <a:spcAft>
+                <a:spcPts val="600"/>
+              </a:spcAft>
+              <a:buClr>
+                <a:schemeClr val="tx2"/>
+              </a:buClr>
+              <a:buSzPct val="70000"/>
+              <a:buFont typeface="Wingdings 2" charset="2"/>
+              <a:buChar char=""/>
+              <a:defRPr sz="2100" kern="1200">
+                <a:ln>
+                  <a:solidFill>
+                    <a:schemeClr val="bg1">
+                      <a:lumMod val="75000"/>
+                      <a:lumOff val="25000"/>
+                      <a:alpha val="10000"/>
+                    </a:schemeClr>
+                  </a:solidFill>
+                </a:ln>
+                <a:solidFill>
+                  <a:schemeClr val="tx2"/>
+                </a:solidFill>
+                <a:effectLst>
+                  <a:outerShdw blurRad="9525" dist="25400" dir="14640000" algn="tl" rotWithShape="0">
+                    <a:schemeClr val="bg1">
+                      <a:alpha val="30000"/>
+                    </a:schemeClr>
+                  </a:outerShdw>
+                </a:effectLst>
+                <a:latin typeface="+mn-lt"/>
+                <a:ea typeface="+mn-ea"/>
+                <a:cs typeface="+mn-cs"/>
+              </a:defRPr>
+            </a:lvl2pPr>
+            <a:lvl3pPr marL="1026000" indent="-216000" algn="l" defTabSz="457200" rtl="0" eaLnBrk="1" latinLnBrk="0" hangingPunct="1">
+              <a:spcBef>
+                <a:spcPct val="20000"/>
+              </a:spcBef>
+              <a:spcAft>
+                <a:spcPts val="600"/>
+              </a:spcAft>
+              <a:buClr>
+                <a:schemeClr val="tx2"/>
+              </a:buClr>
+              <a:buSzPct val="70000"/>
+              <a:buFont typeface="Wingdings 2" charset="2"/>
+              <a:buChar char=""/>
+              <a:defRPr sz="1800" kern="1200">
+                <a:ln>
+                  <a:solidFill>
+                    <a:schemeClr val="bg1">
+                      <a:lumMod val="75000"/>
+                      <a:lumOff val="25000"/>
+                      <a:alpha val="10000"/>
+                    </a:schemeClr>
+                  </a:solidFill>
+                </a:ln>
+                <a:solidFill>
+                  <a:schemeClr val="tx2"/>
+                </a:solidFill>
+                <a:effectLst>
+                  <a:outerShdw blurRad="9525" dist="25400" dir="14640000" algn="tl" rotWithShape="0">
+                    <a:schemeClr val="bg1">
+                      <a:alpha val="30000"/>
+                    </a:schemeClr>
+                  </a:outerShdw>
+                </a:effectLst>
+                <a:latin typeface="+mn-lt"/>
+                <a:ea typeface="+mn-ea"/>
+                <a:cs typeface="+mn-cs"/>
+              </a:defRPr>
+            </a:lvl3pPr>
+            <a:lvl4pPr marL="1386000" indent="-216000" algn="l" defTabSz="457200" rtl="0" eaLnBrk="1" latinLnBrk="0" hangingPunct="1">
+              <a:spcBef>
+                <a:spcPct val="20000"/>
+              </a:spcBef>
+              <a:spcAft>
+                <a:spcPts val="600"/>
+              </a:spcAft>
+              <a:buClr>
+                <a:schemeClr val="tx2"/>
+              </a:buClr>
+              <a:buSzPct val="70000"/>
+              <a:buFont typeface="Wingdings 2" charset="2"/>
+              <a:buChar char=""/>
+              <a:defRPr sz="1600" kern="1200">
+                <a:ln>
+                  <a:solidFill>
+                    <a:schemeClr val="bg1">
+                      <a:lumMod val="75000"/>
+                      <a:lumOff val="25000"/>
+                      <a:alpha val="10000"/>
+                    </a:schemeClr>
+                  </a:solidFill>
+                </a:ln>
+                <a:solidFill>
+                  <a:schemeClr val="tx2"/>
+                </a:solidFill>
+                <a:effectLst>
+                  <a:outerShdw blurRad="9525" dist="25400" dir="14640000" algn="tl" rotWithShape="0">
+                    <a:schemeClr val="bg1">
+                      <a:alpha val="30000"/>
+                    </a:schemeClr>
+                  </a:outerShdw>
+                </a:effectLst>
+                <a:latin typeface="+mn-lt"/>
+                <a:ea typeface="+mn-ea"/>
+                <a:cs typeface="+mn-cs"/>
+              </a:defRPr>
+            </a:lvl4pPr>
+            <a:lvl5pPr marL="1674000" indent="-216000" algn="l" defTabSz="457200" rtl="0" eaLnBrk="1" latinLnBrk="0" hangingPunct="1">
+              <a:spcBef>
+                <a:spcPct val="20000"/>
+              </a:spcBef>
+              <a:spcAft>
+                <a:spcPts val="600"/>
+              </a:spcAft>
+              <a:buClr>
+                <a:schemeClr val="tx2"/>
+              </a:buClr>
+              <a:buSzPct val="70000"/>
+              <a:buFont typeface="Wingdings 2" charset="2"/>
+              <a:buChar char=""/>
+              <a:defRPr sz="1600" kern="1200">
+                <a:ln>
+                  <a:solidFill>
+                    <a:schemeClr val="bg1">
+                      <a:lumMod val="75000"/>
+                      <a:lumOff val="25000"/>
+                      <a:alpha val="10000"/>
+                    </a:schemeClr>
+                  </a:solidFill>
+                </a:ln>
+                <a:solidFill>
+                  <a:schemeClr val="tx2"/>
+                </a:solidFill>
+                <a:effectLst>
+                  <a:outerShdw blurRad="9525" dist="25400" dir="14640000" algn="tl" rotWithShape="0">
+                    <a:schemeClr val="bg1">
+                      <a:alpha val="30000"/>
+                    </a:schemeClr>
+                  </a:outerShdw>
+                </a:effectLst>
+                <a:latin typeface="+mn-lt"/>
+                <a:ea typeface="+mn-ea"/>
+                <a:cs typeface="+mn-cs"/>
+              </a:defRPr>
+            </a:lvl5pPr>
+            <a:lvl6pPr marL="2014600" indent="-228600" algn="l" defTabSz="457200" rtl="0" eaLnBrk="1" latinLnBrk="0" hangingPunct="1">
+              <a:spcBef>
+                <a:spcPct val="20000"/>
+              </a:spcBef>
+              <a:spcAft>
+                <a:spcPts val="600"/>
+              </a:spcAft>
+              <a:buClr>
+                <a:schemeClr val="tx2"/>
+              </a:buClr>
+              <a:buSzPct val="70000"/>
+              <a:buFont typeface="Wingdings 2" charset="2"/>
+              <a:buChar char=""/>
+              <a:defRPr sz="1400" kern="1200">
+                <a:ln>
+                  <a:solidFill>
+                    <a:schemeClr val="bg1">
+                      <a:lumMod val="75000"/>
+                      <a:lumOff val="25000"/>
+                      <a:alpha val="10000"/>
+                    </a:schemeClr>
+                  </a:solidFill>
+                </a:ln>
+                <a:solidFill>
+                  <a:schemeClr val="tx2"/>
+                </a:solidFill>
+                <a:effectLst>
+                  <a:outerShdw blurRad="9525" dist="25400" dir="14640000" algn="tl" rotWithShape="0">
+                    <a:schemeClr val="bg1">
+                      <a:alpha val="30000"/>
+                    </a:schemeClr>
+                  </a:outerShdw>
+                </a:effectLst>
+                <a:latin typeface="+mn-lt"/>
+                <a:ea typeface="+mn-ea"/>
+                <a:cs typeface="+mn-cs"/>
+              </a:defRPr>
+            </a:lvl6pPr>
+            <a:lvl7pPr marL="2401800" indent="-228600" algn="l" defTabSz="457200" rtl="0" eaLnBrk="1" latinLnBrk="0" hangingPunct="1">
+              <a:spcBef>
+                <a:spcPct val="20000"/>
+              </a:spcBef>
+              <a:spcAft>
+                <a:spcPts val="600"/>
+              </a:spcAft>
+              <a:buClr>
+                <a:schemeClr val="tx2"/>
+              </a:buClr>
+              <a:buSzPct val="70000"/>
+              <a:buFont typeface="Wingdings 2" charset="2"/>
+              <a:buChar char=""/>
+              <a:defRPr sz="1400" kern="1200">
+                <a:ln>
+                  <a:solidFill>
+                    <a:schemeClr val="bg1">
+                      <a:lumMod val="75000"/>
+                      <a:lumOff val="25000"/>
+                      <a:alpha val="10000"/>
+                    </a:schemeClr>
+                  </a:solidFill>
+                </a:ln>
+                <a:solidFill>
+                  <a:schemeClr val="tx2"/>
+                </a:solidFill>
+                <a:effectLst>
+                  <a:outerShdw blurRad="9525" dist="25400" dir="14640000" algn="tl" rotWithShape="0">
+                    <a:schemeClr val="bg1">
+                      <a:alpha val="30000"/>
+                    </a:schemeClr>
+                  </a:outerShdw>
+                </a:effectLst>
+                <a:latin typeface="+mn-lt"/>
+                <a:ea typeface="+mn-ea"/>
+                <a:cs typeface="+mn-cs"/>
+              </a:defRPr>
+            </a:lvl7pPr>
+            <a:lvl8pPr marL="2789000" indent="-228600" algn="l" defTabSz="457200" rtl="0" eaLnBrk="1" latinLnBrk="0" hangingPunct="1">
+              <a:spcBef>
+                <a:spcPct val="20000"/>
+              </a:spcBef>
+              <a:spcAft>
+                <a:spcPts val="600"/>
+              </a:spcAft>
+              <a:buClr>
+                <a:schemeClr val="tx2"/>
+              </a:buClr>
+              <a:buSzPct val="70000"/>
+              <a:buFont typeface="Wingdings 2" charset="2"/>
+              <a:buChar char=""/>
+              <a:defRPr sz="1400" kern="1200">
+                <a:ln>
+                  <a:solidFill>
+                    <a:schemeClr val="bg1">
+                      <a:lumMod val="75000"/>
+                      <a:lumOff val="25000"/>
+                      <a:alpha val="10000"/>
+                    </a:schemeClr>
+                  </a:solidFill>
+                </a:ln>
+                <a:solidFill>
+                  <a:schemeClr val="tx2"/>
+                </a:solidFill>
+                <a:effectLst>
+                  <a:outerShdw blurRad="9525" dist="25400" dir="14640000" algn="tl" rotWithShape="0">
+                    <a:schemeClr val="bg1">
+                      <a:alpha val="30000"/>
+                    </a:schemeClr>
+                  </a:outerShdw>
+                </a:effectLst>
+                <a:latin typeface="+mn-lt"/>
+                <a:ea typeface="+mn-ea"/>
+                <a:cs typeface="+mn-cs"/>
+              </a:defRPr>
+            </a:lvl8pPr>
+            <a:lvl9pPr marL="3106200" indent="-228600" algn="l" defTabSz="457200" rtl="0" eaLnBrk="1" latinLnBrk="0" hangingPunct="1">
+              <a:spcBef>
+                <a:spcPct val="20000"/>
+              </a:spcBef>
+              <a:spcAft>
+                <a:spcPts val="600"/>
+              </a:spcAft>
+              <a:buClr>
+                <a:schemeClr val="tx2"/>
+              </a:buClr>
+              <a:buSzPct val="70000"/>
+              <a:buFont typeface="Wingdings 2" charset="2"/>
+              <a:buChar char=""/>
+              <a:defRPr sz="1400" kern="1200">
+                <a:ln>
+                  <a:solidFill>
+                    <a:schemeClr val="bg1">
+                      <a:lumMod val="75000"/>
+                      <a:lumOff val="25000"/>
+                      <a:alpha val="10000"/>
+                    </a:schemeClr>
+                  </a:solidFill>
+                </a:ln>
+                <a:solidFill>
+                  <a:schemeClr val="tx2"/>
+                </a:solidFill>
+                <a:effectLst>
+                  <a:outerShdw blurRad="9525" dist="25400" dir="14640000" algn="tl" rotWithShape="0">
+                    <a:schemeClr val="bg1">
+                      <a:alpha val="30000"/>
+                    </a:schemeClr>
+                  </a:outerShdw>
+                </a:effectLst>
+                <a:latin typeface="+mn-lt"/>
+                <a:ea typeface="+mn-ea"/>
+                <a:cs typeface="+mn-cs"/>
+              </a:defRPr>
+            </a:lvl9pPr>
+          </a:lstStyle>
+          <a:p>
+            <a:pPr marL="36900" indent="0">
+              <a:buNone/>
+            </a:pPr>
+            <a:r>
+              <a:rPr lang="sr-Latn-RS" dirty="0"/>
+              <a:t>Plan sa ugrađenom funkcijom koji je dodatno optimizovan</a:t>
+            </a:r>
+          </a:p>
+        </p:txBody>
+      </p:sp>
+    </p:spTree>
+    <p:extLst>
+      <p:ext uri="{BB962C8B-B14F-4D97-AF65-F5344CB8AC3E}">
+        <p14:creationId xmlns:p14="http://schemas.microsoft.com/office/powerpoint/2010/main" val="2119926428"/>
+      </p:ext>
+    </p:extLst>
+  </p:cSld>
+  <p:clrMapOvr>
+    <a:masterClrMapping/>
+  </p:clrMapOvr>
+</p:sld>
+</file>
+
+<file path=ppt/slides/slide26.xml><?xml version="1.0" encoding="utf-8"?>
+<p:sld xmlns:a="http://schemas.openxmlformats.org/drawingml/2006/main" xmlns:r="http://schemas.openxmlformats.org/officeDocument/2006/relationships" xmlns:p="http://schemas.openxmlformats.org/presentationml/2006/main">
+  <p:cSld>
+    <p:spTree>
+      <p:nvGrpSpPr>
+        <p:cNvPr id="1" name=""/>
+        <p:cNvGrpSpPr/>
+        <p:nvPr/>
+      </p:nvGrpSpPr>
+      <p:grpSpPr>
+        <a:xfrm>
+          <a:off x="0" y="0"/>
+          <a:ext cx="0" cy="0"/>
+          <a:chOff x="0" y="0"/>
+          <a:chExt cx="0" cy="0"/>
+        </a:xfrm>
+      </p:grpSpPr>
+      <p:sp>
+        <p:nvSpPr>
+          <p:cNvPr id="2" name="Title 1">
+            <a:extLst>
+              <a:ext uri="{FF2B5EF4-FFF2-40B4-BE49-F238E27FC236}">
+                <a16:creationId xmlns:a16="http://schemas.microsoft.com/office/drawing/2014/main" id="{7FBAB04B-0E4E-42AD-A98A-88E5FDE7241B}"/>
+              </a:ext>
+            </a:extLst>
+          </p:cNvPr>
+          <p:cNvSpPr>
+            <a:spLocks noGrp="1"/>
+          </p:cNvSpPr>
+          <p:nvPr>
+            <p:ph type="title"/>
+          </p:nvPr>
+        </p:nvSpPr>
+        <p:spPr/>
+        <p:txBody>
+          <a:bodyPr>
+            <a:normAutofit fontScale="90000"/>
+          </a:bodyPr>
+          <a:lstStyle/>
+          <a:p>
+            <a:r>
+              <a:rPr lang="sr-Latn-RS" dirty="0"/>
+              <a:t>Nove funkcionalnosti u MS SQL Server 2022</a:t>
+            </a:r>
+          </a:p>
+        </p:txBody>
+      </p:sp>
+      <p:pic>
+        <p:nvPicPr>
+          <p:cNvPr id="4" name="Picture 3">
+            <a:extLst>
+              <a:ext uri="{FF2B5EF4-FFF2-40B4-BE49-F238E27FC236}">
+                <a16:creationId xmlns:a16="http://schemas.microsoft.com/office/drawing/2014/main" id="{19D34392-600F-4C35-AEC3-32AAF96379A5}"/>
+              </a:ext>
+            </a:extLst>
+          </p:cNvPr>
+          <p:cNvPicPr>
+            <a:picLocks noChangeAspect="1"/>
+          </p:cNvPicPr>
+          <p:nvPr/>
+        </p:nvPicPr>
+        <p:blipFill rotWithShape="1">
+          <a:blip r:embed="rId2">
+            <a:extLst>
+              <a:ext uri="{BEBA8EAE-BF5A-486C-A8C5-ECC9F3942E4B}">
+                <a14:imgProps xmlns:a14="http://schemas.microsoft.com/office/drawing/2010/main">
+                  <a14:imgLayer r:embed="rId3">
+                    <a14:imgEffect>
+                      <a14:saturation sat="400000"/>
+                    </a14:imgEffect>
+                  </a14:imgLayer>
+                </a14:imgProps>
+              </a:ext>
+              <a:ext uri="{28A0092B-C50C-407E-A947-70E740481C1C}">
+                <a14:useLocalDpi xmlns:a14="http://schemas.microsoft.com/office/drawing/2010/main" val="0"/>
+              </a:ext>
+            </a:extLst>
+          </a:blip>
+          <a:srcRect l="1945" t="27408" r="2084" b="2715"/>
+          <a:stretch/>
+        </p:blipFill>
+        <p:spPr bwMode="auto">
+          <a:xfrm>
+            <a:off x="1716545" y="2030729"/>
+            <a:ext cx="8748262" cy="4017646"/>
+          </a:xfrm>
+          <a:prstGeom prst="rect">
+            <a:avLst/>
+          </a:prstGeom>
+          <a:noFill/>
+          <a:ln>
+            <a:solidFill>
+              <a:schemeClr val="accent1"/>
+            </a:solidFill>
+          </a:ln>
+          <a:extLst>
+            <a:ext uri="{53640926-AAD7-44D8-BBD7-CCE9431645EC}">
+              <a14:shadowObscured xmlns:a14="http://schemas.microsoft.com/office/drawing/2010/main"/>
+            </a:ext>
+          </a:extLst>
+        </p:spPr>
+      </p:pic>
+    </p:spTree>
+    <p:extLst>
+      <p:ext uri="{BB962C8B-B14F-4D97-AF65-F5344CB8AC3E}">
+        <p14:creationId xmlns:p14="http://schemas.microsoft.com/office/powerpoint/2010/main" val="2841982397"/>
+      </p:ext>
+    </p:extLst>
+  </p:cSld>
+  <p:clrMapOvr>
+    <a:masterClrMapping/>
+  </p:clrMapOvr>
+</p:sld>
+</file>
+
+<file path=ppt/slides/slide27.xml><?xml version="1.0" encoding="utf-8"?>
+<p:sld xmlns:a="http://schemas.openxmlformats.org/drawingml/2006/main" xmlns:r="http://schemas.openxmlformats.org/officeDocument/2006/relationships" xmlns:p="http://schemas.openxmlformats.org/presentationml/2006/main">
+  <p:cSld>
+    <p:bg>
+      <p:bgPr>
+        <a:blipFill rotWithShape="1">
+          <a:blip r:embed="rId2">
+            <a:duotone>
+              <a:schemeClr val="bg1">
+                <a:shade val="80000"/>
+                <a:lumMod val="80000"/>
+              </a:schemeClr>
+              <a:schemeClr val="bg1">
+                <a:tint val="98000"/>
+              </a:schemeClr>
+            </a:duotone>
+          </a:blip>
+          <a:stretch/>
+        </a:blipFill>
+        <a:effectLst/>
+      </p:bgPr>
+    </p:bg>
+    <p:spTree>
+      <p:nvGrpSpPr>
+        <p:cNvPr id="1" name=""/>
+        <p:cNvGrpSpPr/>
+        <p:nvPr/>
+      </p:nvGrpSpPr>
+      <p:grpSpPr>
+        <a:xfrm>
+          <a:off x="0" y="0"/>
+          <a:ext cx="0" cy="0"/>
+          <a:chOff x="0" y="0"/>
+          <a:chExt cx="0" cy="0"/>
+        </a:xfrm>
+      </p:grpSpPr>
+      <p:sp>
+        <p:nvSpPr>
+          <p:cNvPr id="15" name="Rectangle 8">
+            <a:extLst>
+              <a:ext uri="{FF2B5EF4-FFF2-40B4-BE49-F238E27FC236}">
+                <a16:creationId xmlns:a16="http://schemas.microsoft.com/office/drawing/2014/main" id="{8DEB9D55-38C8-45B4-BB2D-4FDBBDB08C37}"/>
+              </a:ext>
+              <a:ext uri="{C183D7F6-B498-43B3-948B-1728B52AA6E4}">
+                <adec:decorative xmlns:adec="http://schemas.microsoft.com/office/drawing/2017/decorative" val="1"/>
+              </a:ext>
+            </a:extLst>
+          </p:cNvPr>
+          <p:cNvSpPr>
+            <a:spLocks noGrp="1" noRot="1" noChangeAspect="1" noMove="1" noResize="1" noEditPoints="1" noAdjustHandles="1" noChangeArrowheads="1" noChangeShapeType="1" noTextEdit="1"/>
+          </p:cNvSpPr>
+          <p:nvPr>
+            <p:extLst>
+              <p:ext uri="{386F3935-93C4-4BCD-93E2-E3B085C9AB24}">
+                <p16:designElem xmlns:p16="http://schemas.microsoft.com/office/powerpoint/2015/main" val="1"/>
+              </p:ext>
+            </p:extLst>
+          </p:nvPr>
+        </p:nvSpPr>
+        <p:spPr>
+          <a:xfrm>
+            <a:off x="0" y="0"/>
+            <a:ext cx="12192000" cy="6858000"/>
+          </a:xfrm>
+          <a:prstGeom prst="rect">
+            <a:avLst/>
+          </a:prstGeom>
+          <a:solidFill>
+            <a:schemeClr val="bg1">
+              <a:lumMod val="85000"/>
+              <a:lumOff val="15000"/>
+            </a:schemeClr>
+          </a:solidFill>
+          <a:ln>
+            <a:noFill/>
+          </a:ln>
+        </p:spPr>
+        <p:style>
+          <a:lnRef idx="2">
+            <a:schemeClr val="accent1">
+              <a:shade val="50000"/>
+            </a:schemeClr>
+          </a:lnRef>
+          <a:fillRef idx="1">
+            <a:schemeClr val="accent1"/>
+          </a:fillRef>
+          <a:effectRef idx="0">
+            <a:schemeClr val="accent1"/>
+          </a:effectRef>
+          <a:fontRef idx="minor">
+            <a:schemeClr val="lt1"/>
+          </a:fontRef>
+        </p:style>
+        <p:txBody>
+          <a:bodyPr rtlCol="0" anchor="ctr"/>
+          <a:lstStyle/>
+          <a:p>
+            <a:pPr algn="ctr"/>
+            <a:endParaRPr lang="en-US" dirty="0"/>
+          </a:p>
+        </p:txBody>
+      </p:sp>
+      <p:sp useBgFill="1">
+        <p:nvSpPr>
+          <p:cNvPr id="16" name="Freeform: Shape 10">
+            <a:extLst>
+              <a:ext uri="{FF2B5EF4-FFF2-40B4-BE49-F238E27FC236}">
+                <a16:creationId xmlns:a16="http://schemas.microsoft.com/office/drawing/2014/main" id="{B40DDA79-7866-468E-A33D-D8341D900EC5}"/>
+              </a:ext>
+              <a:ext uri="{C183D7F6-B498-43B3-948B-1728B52AA6E4}">
+                <adec:decorative xmlns:adec="http://schemas.microsoft.com/office/drawing/2017/decorative" val="1"/>
+              </a:ext>
+            </a:extLst>
+          </p:cNvPr>
+          <p:cNvSpPr>
+            <a:spLocks noGrp="1" noRot="1" noChangeAspect="1" noMove="1" noResize="1" noEditPoints="1" noAdjustHandles="1" noChangeArrowheads="1" noChangeShapeType="1" noTextEdit="1"/>
+          </p:cNvSpPr>
+          <p:nvPr>
+            <p:extLst>
+              <p:ext uri="{386F3935-93C4-4BCD-93E2-E3B085C9AB24}">
+                <p16:designElem xmlns:p16="http://schemas.microsoft.com/office/powerpoint/2015/main" val="1"/>
+              </p:ext>
+            </p:extLst>
+          </p:nvPr>
+        </p:nvSpPr>
+        <p:spPr>
+          <a:xfrm>
+            <a:off x="0" y="0"/>
+            <a:ext cx="12192000" cy="4567080"/>
+          </a:xfrm>
+          <a:custGeom>
+            <a:avLst/>
+            <a:gdLst>
+              <a:gd name="connsiteX0" fmla="*/ 0 w 12192000"/>
+              <a:gd name="connsiteY0" fmla="*/ 0 h 4567080"/>
+              <a:gd name="connsiteX1" fmla="*/ 12192000 w 12192000"/>
+              <a:gd name="connsiteY1" fmla="*/ 0 h 4567080"/>
+              <a:gd name="connsiteX2" fmla="*/ 12192000 w 12192000"/>
+              <a:gd name="connsiteY2" fmla="*/ 4040874 h 4567080"/>
+              <a:gd name="connsiteX3" fmla="*/ 11707453 w 12192000"/>
+              <a:gd name="connsiteY3" fmla="*/ 4125902 h 4567080"/>
+              <a:gd name="connsiteX4" fmla="*/ 6090444 w 12192000"/>
+              <a:gd name="connsiteY4" fmla="*/ 4567080 h 4567080"/>
+              <a:gd name="connsiteX5" fmla="*/ 473435 w 12192000"/>
+              <a:gd name="connsiteY5" fmla="*/ 4125902 h 4567080"/>
+              <a:gd name="connsiteX6" fmla="*/ 0 w 12192000"/>
+              <a:gd name="connsiteY6" fmla="*/ 4042824 h 4567080"/>
+            </a:gdLst>
+            <a:ahLst/>
+            <a:cxnLst>
+              <a:cxn ang="0">
+                <a:pos x="connsiteX0" y="connsiteY0"/>
+              </a:cxn>
+              <a:cxn ang="0">
+                <a:pos x="connsiteX1" y="connsiteY1"/>
+              </a:cxn>
+              <a:cxn ang="0">
+                <a:pos x="connsiteX2" y="connsiteY2"/>
+              </a:cxn>
+              <a:cxn ang="0">
+                <a:pos x="connsiteX3" y="connsiteY3"/>
+              </a:cxn>
+              <a:cxn ang="0">
+                <a:pos x="connsiteX4" y="connsiteY4"/>
+              </a:cxn>
+              <a:cxn ang="0">
+                <a:pos x="connsiteX5" y="connsiteY5"/>
+              </a:cxn>
+              <a:cxn ang="0">
+                <a:pos x="connsiteX6" y="connsiteY6"/>
+              </a:cxn>
+            </a:cxnLst>
+            <a:rect l="l" t="t" r="r" b="b"/>
+            <a:pathLst>
+              <a:path w="12192000" h="4567080">
+                <a:moveTo>
+                  <a:pt x="0" y="0"/>
+                </a:moveTo>
+                <a:lnTo>
+                  <a:pt x="12192000" y="0"/>
+                </a:lnTo>
+                <a:lnTo>
+                  <a:pt x="12192000" y="4040874"/>
+                </a:lnTo>
+                <a:lnTo>
+                  <a:pt x="11707453" y="4125902"/>
+                </a:lnTo>
+                <a:cubicBezTo>
+                  <a:pt x="9955980" y="4411316"/>
+                  <a:pt x="8064085" y="4567080"/>
+                  <a:pt x="6090444" y="4567080"/>
+                </a:cubicBezTo>
+                <a:cubicBezTo>
+                  <a:pt x="4116804" y="4567080"/>
+                  <a:pt x="2224908" y="4411316"/>
+                  <a:pt x="473435" y="4125902"/>
+                </a:cubicBezTo>
+                <a:lnTo>
+                  <a:pt x="0" y="4042824"/>
+                </a:lnTo>
+                <a:close/>
+              </a:path>
+            </a:pathLst>
+          </a:custGeom>
+          <a:ln>
+            <a:noFill/>
+          </a:ln>
+          <a:effectLst>
+            <a:outerShdw blurRad="50800" dist="38100" dir="5400000" algn="t" rotWithShape="0">
+              <a:prstClr val="black">
+                <a:alpha val="40000"/>
+              </a:prstClr>
+            </a:outerShdw>
+          </a:effectLst>
+        </p:spPr>
+        <p:style>
+          <a:lnRef idx="2">
+            <a:schemeClr val="accent1">
+              <a:shade val="50000"/>
+            </a:schemeClr>
+          </a:lnRef>
+          <a:fillRef idx="1">
+            <a:schemeClr val="accent1"/>
+          </a:fillRef>
+          <a:effectRef idx="0">
+            <a:schemeClr val="accent1"/>
+          </a:effectRef>
+          <a:fontRef idx="minor">
+            <a:schemeClr val="lt1"/>
+          </a:fontRef>
+        </p:style>
+        <p:txBody>
+          <a:bodyPr wrap="square" rtlCol="0" anchor="ctr">
+            <a:noAutofit/>
+          </a:bodyPr>
+          <a:lstStyle/>
+          <a:p>
+            <a:pPr algn="ctr"/>
+            <a:endParaRPr lang="en-US"/>
+          </a:p>
+        </p:txBody>
+      </p:sp>
+      <p:sp>
+        <p:nvSpPr>
+          <p:cNvPr id="4" name="Title 3">
+            <a:extLst>
+              <a:ext uri="{FF2B5EF4-FFF2-40B4-BE49-F238E27FC236}">
+                <a16:creationId xmlns:a16="http://schemas.microsoft.com/office/drawing/2014/main" id="{389D0FF5-0C94-4F49-8A70-5308C2E9D311}"/>
+              </a:ext>
+            </a:extLst>
+          </p:cNvPr>
+          <p:cNvSpPr>
+            <a:spLocks noGrp="1"/>
+          </p:cNvSpPr>
+          <p:nvPr>
+            <p:ph type="title"/>
+          </p:nvPr>
+        </p:nvSpPr>
+        <p:spPr>
+          <a:xfrm>
+            <a:off x="1370013" y="1251284"/>
+            <a:ext cx="9440862" cy="2458545"/>
+          </a:xfrm>
+          <a:effectLst/>
+        </p:spPr>
+        <p:txBody>
+          <a:bodyPr vert="horz" lIns="91440" tIns="45720" rIns="91440" bIns="45720" rtlCol="0" anchor="b">
+            <a:normAutofit/>
+          </a:bodyPr>
+          <a:lstStyle/>
+          <a:p>
+            <a:r>
+              <a:rPr lang="en-US" sz="6000"/>
+              <a:t>Hvala na pažnji!</a:t>
+            </a:r>
+          </a:p>
+        </p:txBody>
+      </p:sp>
+    </p:spTree>
+    <p:extLst>
+      <p:ext uri="{BB962C8B-B14F-4D97-AF65-F5344CB8AC3E}">
+        <p14:creationId xmlns:p14="http://schemas.microsoft.com/office/powerpoint/2010/main" val="2635031785"/>
       </p:ext>
     </p:extLst>
   </p:cSld>
